--- a/feb22,2022/presentation.pptx
+++ b/feb22,2022/presentation.pptx
@@ -4,6 +4,121 @@
   <p:sldMasterIdLst>
     <p:sldMasterId id="2147483648" r:id="rId1"/>
   </p:sldMasterIdLst>
+  <p:handoutMasterIdLst>
+    <p:handoutMasterId r:id="rId2"/>
+  </p:handoutMasterIdLst>
+  <p:sldIdLst>
+    <p:sldId id="256" r:id="rId7"/>
+    <p:sldId id="257" r:id="rId8"/>
+    <p:sldId id="258" r:id="rId9"/>
+    <p:sldId id="259" r:id="rId10"/>
+    <p:sldId id="260" r:id="rId11"/>
+    <p:sldId id="261" r:id="rId12"/>
+    <p:sldId id="262" r:id="rId13"/>
+    <p:sldId id="263" r:id="rId14"/>
+    <p:sldId id="264" r:id="rId15"/>
+    <p:sldId id="265" r:id="rId16"/>
+    <p:sldId id="266" r:id="rId17"/>
+    <p:sldId id="267" r:id="rId18"/>
+    <p:sldId id="268" r:id="rId19"/>
+    <p:sldId id="269" r:id="rId20"/>
+    <p:sldId id="270" r:id="rId21"/>
+    <p:sldId id="271" r:id="rId22"/>
+    <p:sldId id="272" r:id="rId23"/>
+    <p:sldId id="273" r:id="rId24"/>
+    <p:sldId id="274" r:id="rId25"/>
+    <p:sldId id="275" r:id="rId26"/>
+    <p:sldId id="276" r:id="rId27"/>
+    <p:sldId id="277" r:id="rId28"/>
+    <p:sldId id="278" r:id="rId29"/>
+    <p:sldId id="279" r:id="rId30"/>
+    <p:sldId id="280" r:id="rId31"/>
+    <p:sldId id="281" r:id="rId32"/>
+    <p:sldId id="282" r:id="rId33"/>
+    <p:sldId id="283" r:id="rId34"/>
+    <p:sldId id="284" r:id="rId35"/>
+    <p:sldId id="285" r:id="rId36"/>
+    <p:sldId id="286" r:id="rId37"/>
+    <p:sldId id="287" r:id="rId38"/>
+    <p:sldId id="288" r:id="rId39"/>
+    <p:sldId id="289" r:id="rId40"/>
+    <p:sldId id="290" r:id="rId41"/>
+    <p:sldId id="291" r:id="rId42"/>
+    <p:sldId id="292" r:id="rId43"/>
+    <p:sldId id="293" r:id="rId44"/>
+    <p:sldId id="294" r:id="rId45"/>
+    <p:sldId id="295" r:id="rId46"/>
+    <p:sldId id="296" r:id="rId47"/>
+    <p:sldId id="297" r:id="rId48"/>
+    <p:sldId id="298" r:id="rId49"/>
+    <p:sldId id="299" r:id="rId50"/>
+    <p:sldId id="300" r:id="rId51"/>
+    <p:sldId id="301" r:id="rId52"/>
+    <p:sldId id="302" r:id="rId53"/>
+    <p:sldId id="303" r:id="rId54"/>
+    <p:sldId id="304" r:id="rId55"/>
+    <p:sldId id="305" r:id="rId56"/>
+    <p:sldId id="306" r:id="rId57"/>
+    <p:sldId id="307" r:id="rId58"/>
+    <p:sldId id="308" r:id="rId59"/>
+    <p:sldId id="309" r:id="rId60"/>
+    <p:sldId id="310" r:id="rId61"/>
+    <p:sldId id="311" r:id="rId62"/>
+    <p:sldId id="312" r:id="rId63"/>
+    <p:sldId id="313" r:id="rId64"/>
+    <p:sldId id="314" r:id="rId65"/>
+    <p:sldId id="315" r:id="rId66"/>
+    <p:sldId id="316" r:id="rId67"/>
+    <p:sldId id="317" r:id="rId68"/>
+    <p:sldId id="318" r:id="rId69"/>
+    <p:sldId id="319" r:id="rId70"/>
+    <p:sldId id="320" r:id="rId71"/>
+    <p:sldId id="321" r:id="rId72"/>
+    <p:sldId id="322" r:id="rId73"/>
+    <p:sldId id="323" r:id="rId74"/>
+    <p:sldId id="324" r:id="rId75"/>
+    <p:sldId id="325" r:id="rId76"/>
+    <p:sldId id="326" r:id="rId77"/>
+    <p:sldId id="327" r:id="rId78"/>
+    <p:sldId id="328" r:id="rId79"/>
+    <p:sldId id="329" r:id="rId80"/>
+    <p:sldId id="330" r:id="rId81"/>
+    <p:sldId id="331" r:id="rId82"/>
+    <p:sldId id="332" r:id="rId83"/>
+    <p:sldId id="333" r:id="rId84"/>
+    <p:sldId id="334" r:id="rId85"/>
+    <p:sldId id="335" r:id="rId86"/>
+    <p:sldId id="336" r:id="rId87"/>
+    <p:sldId id="337" r:id="rId88"/>
+    <p:sldId id="338" r:id="rId89"/>
+    <p:sldId id="339" r:id="rId90"/>
+    <p:sldId id="340" r:id="rId91"/>
+    <p:sldId id="341" r:id="rId92"/>
+    <p:sldId id="342" r:id="rId93"/>
+    <p:sldId id="343" r:id="rId94"/>
+    <p:sldId id="344" r:id="rId95"/>
+    <p:sldId id="345" r:id="rId96"/>
+    <p:sldId id="346" r:id="rId97"/>
+    <p:sldId id="347" r:id="rId98"/>
+    <p:sldId id="348" r:id="rId99"/>
+    <p:sldId id="349" r:id="rId100"/>
+    <p:sldId id="350" r:id="rId101"/>
+    <p:sldId id="351" r:id="rId102"/>
+    <p:sldId id="352" r:id="rId103"/>
+    <p:sldId id="353" r:id="rId104"/>
+    <p:sldId id="354" r:id="rId105"/>
+    <p:sldId id="355" r:id="rId106"/>
+    <p:sldId id="356" r:id="rId107"/>
+    <p:sldId id="357" r:id="rId108"/>
+    <p:sldId id="358" r:id="rId109"/>
+    <p:sldId id="359" r:id="rId110"/>
+    <p:sldId id="360" r:id="rId111"/>
+    <p:sldId id="361" r:id="rId112"/>
+    <p:sldId id="362" r:id="rId113"/>
+    <p:sldId id="363" r:id="rId114"/>
+    <p:sldId id="364" r:id="rId115"/>
+    <p:sldId id="365" r:id="rId116"/>
+  </p:sldIdLst>
   <p:sldSz cx="12192000" cy="6858000"/>
   <p:notesSz cx="6858000" cy="9144000"/>
   <p:defaultTextStyle>
@@ -105,8 +220,200 @@
     <p:ext uri="{EFAFB233-063F-42B5-8137-9DF3F51BA10A}">
       <p15:sldGuideLst xmlns:p15="http://schemas.microsoft.com/office/powerpoint/2012/main"/>
     </p:ext>
+    <p:ext uri="{2D200454-40CA-4A62-9FC3-DE9A4176ACB9}">
+      <p15:notesGuideLst xmlns:p15="http://schemas.microsoft.com/office/powerpoint/2012/main"/>
+    </p:ext>
   </p:extLst>
 </p:presentation>
+</file>
+
+<file path=ppt/handoutMasters/handoutMaster1.xml><?xml version="1.0" encoding="utf-8"?>
+<p:handoutMaster xmlns:a="http://schemas.openxmlformats.org/drawingml/2006/main" xmlns:r="http://schemas.openxmlformats.org/officeDocument/2006/relationships" xmlns:p="http://schemas.openxmlformats.org/presentationml/2006/main">
+  <p:cSld>
+    <p:bg>
+      <p:bgRef idx="1001">
+        <a:schemeClr val="bg1"/>
+      </p:bgRef>
+    </p:bg>
+    <p:spTree>
+      <p:nvGrpSpPr>
+        <p:cNvPr id="1" name=""/>
+        <p:cNvGrpSpPr/>
+        <p:nvPr/>
+      </p:nvGrpSpPr>
+      <p:grpSpPr>
+        <a:xfrm>
+          <a:off x="0" y="0"/>
+          <a:ext cx="0" cy="0"/>
+          <a:chOff x="0" y="0"/>
+          <a:chExt cx="0" cy="0"/>
+        </a:xfrm>
+      </p:grpSpPr>
+      <p:sp>
+        <p:nvSpPr>
+          <p:cNvPr id="2" name="Header Placeholder 1">
+            <a:extLst>
+              <a:ext uri="{FF2B5EF4-FFF2-40B4-BE49-F238E27FC236}">
+                <a16:creationId xmlns:a16="http://schemas.microsoft.com/office/drawing/2014/main" id="{451494BB-FB28-49C5-AB19-CA843743D3D8}"/>
+              </a:ext>
+            </a:extLst>
+          </p:cNvPr>
+          <p:cNvSpPr>
+            <a:spLocks noGrp="1"/>
+          </p:cNvSpPr>
+          <p:nvPr>
+            <p:ph type="hdr" sz="quarter"/>
+          </p:nvPr>
+        </p:nvSpPr>
+        <p:spPr>
+          <a:xfrm>
+            <a:off x="0" y="0"/>
+            <a:ext cx="2971800" cy="458788"/>
+          </a:xfrm>
+          <a:prstGeom prst="rect">
+            <a:avLst/>
+          </a:prstGeom>
+        </p:spPr>
+        <p:txBody>
+          <a:bodyPr vert="horz" lIns="91440" tIns="45720" rIns="91440" bIns="45720" rtlCol="0"/>
+          <a:lstStyle>
+            <a:lvl1pPr algn="l">
+              <a:defRPr sz="1200"/>
+            </a:lvl1pPr>
+          </a:lstStyle>
+          <a:p>
+            <a:endParaRPr lang="es-ES"/>
+          </a:p>
+        </p:txBody>
+      </p:sp>
+      <p:sp>
+        <p:nvSpPr>
+          <p:cNvPr id="3" name="Date Placeholder 2">
+            <a:extLst>
+              <a:ext uri="{FF2B5EF4-FFF2-40B4-BE49-F238E27FC236}">
+                <a16:creationId xmlns:a16="http://schemas.microsoft.com/office/drawing/2014/main" id="{EA0336D7-F5BF-4048-9225-702FD9CE781F}"/>
+              </a:ext>
+            </a:extLst>
+          </p:cNvPr>
+          <p:cNvSpPr>
+            <a:spLocks noGrp="1"/>
+          </p:cNvSpPr>
+          <p:nvPr>
+            <p:ph type="dt" sz="quarter" idx="1"/>
+          </p:nvPr>
+        </p:nvSpPr>
+        <p:spPr>
+          <a:xfrm>
+            <a:off x="3884613" y="0"/>
+            <a:ext cx="2971800" cy="458788"/>
+          </a:xfrm>
+          <a:prstGeom prst="rect">
+            <a:avLst/>
+          </a:prstGeom>
+        </p:spPr>
+        <p:txBody>
+          <a:bodyPr vert="horz" lIns="91440" tIns="45720" rIns="91440" bIns="45720" rtlCol="0"/>
+          <a:lstStyle>
+            <a:lvl1pPr algn="r">
+              <a:defRPr sz="1200"/>
+            </a:lvl1pPr>
+          </a:lstStyle>
+          <a:p>
+            <a:fld id="{4E46EDAF-33DB-4885-AA53-7FAA6F542124}" type="datetimeFigureOut">
+              <a:rPr lang="es-ES" smtClean="0"/>
+              <a:t>17/02/2022</a:t>
+            </a:fld>
+            <a:endParaRPr lang="es-ES"/>
+          </a:p>
+        </p:txBody>
+      </p:sp>
+      <p:sp>
+        <p:nvSpPr>
+          <p:cNvPr id="4" name="Footer Placeholder 3">
+            <a:extLst>
+              <a:ext uri="{FF2B5EF4-FFF2-40B4-BE49-F238E27FC236}">
+                <a16:creationId xmlns:a16="http://schemas.microsoft.com/office/drawing/2014/main" id="{3406D48A-CD46-47C0-BBE6-84D4CDA06627}"/>
+              </a:ext>
+            </a:extLst>
+          </p:cNvPr>
+          <p:cNvSpPr>
+            <a:spLocks noGrp="1"/>
+          </p:cNvSpPr>
+          <p:nvPr>
+            <p:ph type="ftr" sz="quarter" idx="2"/>
+          </p:nvPr>
+        </p:nvSpPr>
+        <p:spPr>
+          <a:xfrm>
+            <a:off x="0" y="8685213"/>
+            <a:ext cx="2971800" cy="458787"/>
+          </a:xfrm>
+          <a:prstGeom prst="rect">
+            <a:avLst/>
+          </a:prstGeom>
+        </p:spPr>
+        <p:txBody>
+          <a:bodyPr vert="horz" lIns="91440" tIns="45720" rIns="91440" bIns="45720" rtlCol="0" anchor="b"/>
+          <a:lstStyle>
+            <a:lvl1pPr algn="l">
+              <a:defRPr sz="1200"/>
+            </a:lvl1pPr>
+          </a:lstStyle>
+          <a:p>
+            <a:endParaRPr lang="es-ES"/>
+          </a:p>
+        </p:txBody>
+      </p:sp>
+      <p:sp>
+        <p:nvSpPr>
+          <p:cNvPr id="5" name="Slide Number Placeholder 4">
+            <a:extLst>
+              <a:ext uri="{FF2B5EF4-FFF2-40B4-BE49-F238E27FC236}">
+                <a16:creationId xmlns:a16="http://schemas.microsoft.com/office/drawing/2014/main" id="{B9178E55-F909-488F-8B9F-D44A9326BC3A}"/>
+              </a:ext>
+            </a:extLst>
+          </p:cNvPr>
+          <p:cNvSpPr>
+            <a:spLocks noGrp="1"/>
+          </p:cNvSpPr>
+          <p:nvPr>
+            <p:ph type="sldNum" sz="quarter" idx="3"/>
+          </p:nvPr>
+        </p:nvSpPr>
+        <p:spPr>
+          <a:xfrm>
+            <a:off x="3884613" y="8685213"/>
+            <a:ext cx="2971800" cy="458787"/>
+          </a:xfrm>
+          <a:prstGeom prst="rect">
+            <a:avLst/>
+          </a:prstGeom>
+        </p:spPr>
+        <p:txBody>
+          <a:bodyPr vert="horz" lIns="91440" tIns="45720" rIns="91440" bIns="45720" rtlCol="0" anchor="b"/>
+          <a:lstStyle>
+            <a:lvl1pPr algn="r">
+              <a:defRPr sz="1200"/>
+            </a:lvl1pPr>
+          </a:lstStyle>
+          <a:p>
+            <a:fld id="{273A76F8-2FB1-40B1-9421-8F394C229F98}" type="slidenum">
+              <a:rPr lang="es-ES" smtClean="0"/>
+              <a:t>‹#›</a:t>
+            </a:fld>
+            <a:endParaRPr lang="es-ES"/>
+          </a:p>
+        </p:txBody>
+      </p:sp>
+    </p:spTree>
+    <p:extLst>
+      <p:ext uri="{BB962C8B-B14F-4D97-AF65-F5344CB8AC3E}">
+        <p14:creationId xmlns:p14="http://schemas.microsoft.com/office/powerpoint/2010/main" val="3744813455"/>
+      </p:ext>
+    </p:extLst>
+  </p:cSld>
+  <p:clrMap bg1="lt1" tx1="dk1" bg2="lt2" tx2="dk2" accent1="accent1" accent2="accent2" accent3="accent3" accent4="accent4" accent5="accent5" accent6="accent6" hlink="hlink" folHlink="folHlink"/>
+</p:handoutMaster>
 </file>
 
 <file path=ppt/slideLayouts/slideLayout1.xml><?xml version="1.0" encoding="utf-8"?>
@@ -251,6 +558,157 @@
     <p:extLst>
       <p:ext uri="{BB962C8B-B14F-4D97-AF65-F5344CB8AC3E}">
         <p14:creationId xmlns:p14="http://schemas.microsoft.com/office/powerpoint/2010/main" val="2290638142"/>
+      </p:ext>
+    </p:extLst>
+  </p:cSld>
+  <p:clrMapOvr>
+    <a:masterClrMapping/>
+  </p:clrMapOvr>
+</p:sldLayout>
+</file>
+
+<file path=ppt/slideLayouts/slideLayout2.xml><?xml version="1.0" encoding="utf-8"?>
+<p:sldLayout xmlns:a="http://schemas.openxmlformats.org/drawingml/2006/main" xmlns:r="http://schemas.openxmlformats.org/officeDocument/2006/relationships" xmlns:p="http://schemas.openxmlformats.org/presentationml/2006/main" preserve="1" userDrawn="1">
+  <p:cSld name="1_Título y objetos">
+    <p:spTree>
+      <p:nvGrpSpPr>
+        <p:cNvPr id="1" name=""/>
+        <p:cNvGrpSpPr/>
+        <p:nvPr/>
+      </p:nvGrpSpPr>
+      <p:grpSpPr>
+        <a:xfrm>
+          <a:off x="0" y="0"/>
+          <a:ext cx="0" cy="0"/>
+          <a:chOff x="0" y="0"/>
+          <a:chExt cx="0" cy="0"/>
+        </a:xfrm>
+      </p:grpSpPr>
+      <p:sp>
+        <p:nvSpPr>
+          <p:cNvPr id="2" name="Título 1">
+            <a:extLst>
+              <a:ext uri="{FF2B5EF4-FFF2-40B4-BE49-F238E27FC236}">
+                <a16:creationId xmlns:a16="http://schemas.microsoft.com/office/drawing/2014/main" id="{CEFEC648-3F79-43E7-A649-1EF1529DF010}"/>
+              </a:ext>
+            </a:extLst>
+          </p:cNvPr>
+          <p:cNvSpPr>
+            <a:spLocks noGrp="1"/>
+          </p:cNvSpPr>
+          <p:nvPr>
+            <p:ph type="title" hasCustomPrompt="1"/>
+          </p:nvPr>
+        </p:nvSpPr>
+        <p:spPr>
+          <a:xfrm>
+            <a:off x="838200" y="365126"/>
+            <a:ext cx="10515600" cy="677094"/>
+          </a:xfrm>
+        </p:spPr>
+        <p:txBody>
+          <a:bodyPr anchor="t">
+            <a:normAutofit/>
+          </a:bodyPr>
+          <a:lstStyle>
+            <a:lvl1pPr algn="ctr">
+              <a:defRPr sz="4000" b="1">
+                <a:latin typeface="+mn-lt"/>
+              </a:defRPr>
+            </a:lvl1pPr>
+          </a:lstStyle>
+          <a:p>
+            <a:r>
+              <a:rPr lang="es-ES" dirty="0"/>
+              <a:t>SUBTEST TITLE</a:t>
+            </a:r>
+          </a:p>
+        </p:txBody>
+      </p:sp>
+      <p:sp>
+        <p:nvSpPr>
+          <p:cNvPr id="10" name="Picture Placeholder 9">
+            <a:extLst>
+              <a:ext uri="{FF2B5EF4-FFF2-40B4-BE49-F238E27FC236}">
+                <a16:creationId xmlns:a16="http://schemas.microsoft.com/office/drawing/2014/main" id="{970B8BEA-D3E7-4EED-A292-2BB6C730D8ED}"/>
+              </a:ext>
+            </a:extLst>
+          </p:cNvPr>
+          <p:cNvSpPr>
+            <a:spLocks noGrp="1"/>
+          </p:cNvSpPr>
+          <p:nvPr>
+            <p:ph type="pic" sz="quarter" idx="13"/>
+          </p:nvPr>
+        </p:nvSpPr>
+        <p:spPr>
+          <a:xfrm>
+            <a:off x="1957756" y="1963251"/>
+            <a:ext cx="8276400" cy="4294800"/>
+          </a:xfrm>
+        </p:spPr>
+        <p:txBody>
+          <a:bodyPr/>
+          <a:lstStyle/>
+          <a:p>
+            <a:endParaRPr lang="es-ES"/>
+          </a:p>
+        </p:txBody>
+      </p:sp>
+      <p:sp>
+        <p:nvSpPr>
+          <p:cNvPr id="14" name="Text Placeholder 13">
+            <a:extLst>
+              <a:ext uri="{FF2B5EF4-FFF2-40B4-BE49-F238E27FC236}">
+                <a16:creationId xmlns:a16="http://schemas.microsoft.com/office/drawing/2014/main" id="{4B70FA2F-ACA0-49E0-B9F2-B23902B9DE7C}"/>
+              </a:ext>
+            </a:extLst>
+          </p:cNvPr>
+          <p:cNvSpPr>
+            <a:spLocks noGrp="1"/>
+          </p:cNvSpPr>
+          <p:nvPr>
+            <p:ph type="body" sz="quarter" idx="14" hasCustomPrompt="1"/>
+          </p:nvPr>
+        </p:nvSpPr>
+        <p:spPr>
+          <a:xfrm>
+            <a:off x="2875713" y="1051903"/>
+            <a:ext cx="6440487" cy="501650"/>
+          </a:xfrm>
+        </p:spPr>
+        <p:txBody>
+          <a:bodyPr>
+            <a:noAutofit/>
+          </a:bodyPr>
+          <a:lstStyle>
+            <a:lvl1pPr marL="0" indent="0" algn="ctr">
+              <a:buNone/>
+              <a:defRPr sz="3000"/>
+            </a:lvl1pPr>
+          </a:lstStyle>
+          <a:p>
+            <a:pPr lvl="0"/>
+            <a:r>
+              <a:rPr lang="es-ES" dirty="0" err="1"/>
+              <a:t>Metric</a:t>
+            </a:r>
+            <a:r>
+              <a:rPr lang="es-ES" dirty="0"/>
+              <a:t> </a:t>
+            </a:r>
+            <a:r>
+              <a:rPr lang="es-ES" dirty="0" err="1"/>
+              <a:t>measured</a:t>
+            </a:r>
+            <a:endParaRPr lang="es-ES" dirty="0"/>
+          </a:p>
+        </p:txBody>
+      </p:sp>
+    </p:spTree>
+    <p:extLst>
+      <p:ext uri="{BB962C8B-B14F-4D97-AF65-F5344CB8AC3E}">
+        <p14:creationId xmlns:p14="http://schemas.microsoft.com/office/powerpoint/2010/main" val="521559160"/>
       </p:ext>
     </p:extLst>
   </p:cSld>
@@ -428,7 +886,7 @@
           <a:p>
             <a:fld id="{173BD387-C6A2-49A3-B2DA-F6383802B161}" type="datetimeFigureOut">
               <a:rPr lang="es-ES" smtClean="0"/>
-              <a:t>10/02/2022</a:t>
+              <a:t>17/02/2022</a:t>
             </a:fld>
             <a:endParaRPr lang="es-ES"/>
           </a:p>
@@ -534,6 +992,7 @@
   <p:clrMap bg1="lt1" tx1="dk1" bg2="lt2" tx2="dk2" accent1="accent1" accent2="accent2" accent3="accent3" accent4="accent4" accent5="accent5" accent6="accent6" hlink="hlink" folHlink="folHlink"/>
   <p:sldLayoutIdLst>
     <p:sldLayoutId id="2147483650" r:id="rId1"/>
+    <p:sldLayoutId id="2147483651" r:id="rId2"/>
   </p:sldLayoutIdLst>
   <p:txStyles>
     <p:titleStyle>
@@ -816,6 +1275,8696 @@
     </p:otherStyle>
   </p:txStyles>
 </p:sldMaster>
+</file>
+
+<file path=ppt/slides/slide1.xml><?xml version="1.0" encoding="utf-8"?>
+<p:sld xmlns:a="http://schemas.openxmlformats.org/drawingml/2006/main" xmlns:p="http://schemas.openxmlformats.org/presentationml/2006/main" xmlns:r="http://schemas.openxmlformats.org/officeDocument/2006/relationships">
+  <p:cSld>
+    <p:spTree>
+      <p:nvGrpSpPr>
+        <p:cNvPr id="1" name=""/>
+        <p:cNvGrpSpPr/>
+        <p:nvPr/>
+      </p:nvGrpSpPr>
+      <p:grpSpPr/>
+      <p:sp>
+        <p:nvSpPr>
+          <p:cNvPr id="2" name="Title 1"/>
+          <p:cNvSpPr>
+            <a:spLocks noGrp="1"/>
+          </p:cNvSpPr>
+          <p:nvPr>
+            <p:ph type="title"/>
+          </p:nvPr>
+        </p:nvSpPr>
+        <p:spPr/>
+        <p:txBody>
+          <a:bodyPr/>
+          <a:lstStyle/>
+          <a:p>
+            <a:r>
+              <a:t>Dots Comparison</a:t>
+            </a:r>
+          </a:p>
+        </p:txBody>
+      </p:sp>
+      <p:pic>
+        <p:nvPicPr>
+          <p:cNvPr id="3" name="Picture Placeholder 2" descr="dots-comparison-lisas-by-age.png"/>
+          <p:cNvPicPr>
+            <a:picLocks noGrp="1" noChangeAspect="1"/>
+          </p:cNvPicPr>
+          <p:nvPr>
+            <p:ph type="pic" idx="13" sz="quarter"/>
+          </p:nvPr>
+        </p:nvPicPr>
+        <p:blipFill>
+          <a:blip r:embed="rId2"/>
+          <a:srcRect l="14" r="14"/>
+          <a:stretch>
+            <a:fillRect/>
+          </a:stretch>
+        </p:blipFill>
+        <p:spPr/>
+      </p:pic>
+      <p:sp>
+        <p:nvSpPr>
+          <p:cNvPr id="4" name="Text Placeholder 3"/>
+          <p:cNvSpPr>
+            <a:spLocks noGrp="1"/>
+          </p:cNvSpPr>
+          <p:nvPr>
+            <p:ph type="body" idx="14" sz="quarter"/>
+          </p:nvPr>
+        </p:nvSpPr>
+        <p:spPr/>
+        <p:txBody>
+          <a:bodyPr/>
+          <a:lstStyle/>
+          <a:p>
+            <a:r>
+              <a:t>LISAS by age</a:t>
+            </a:r>
+          </a:p>
+        </p:txBody>
+      </p:sp>
+    </p:spTree>
+  </p:cSld>
+  <p:clrMapOvr>
+    <a:masterClrMapping/>
+  </p:clrMapOvr>
+</p:sld>
+</file>
+
+<file path=ppt/slides/slide10.xml><?xml version="1.0" encoding="utf-8"?>
+<p:sld xmlns:a="http://schemas.openxmlformats.org/drawingml/2006/main" xmlns:p="http://schemas.openxmlformats.org/presentationml/2006/main" xmlns:r="http://schemas.openxmlformats.org/officeDocument/2006/relationships">
+  <p:cSld>
+    <p:spTree>
+      <p:nvGrpSpPr>
+        <p:cNvPr id="1" name=""/>
+        <p:cNvGrpSpPr/>
+        <p:nvPr/>
+      </p:nvGrpSpPr>
+      <p:grpSpPr/>
+      <p:sp>
+        <p:nvSpPr>
+          <p:cNvPr id="2" name="Title 1"/>
+          <p:cNvSpPr>
+            <a:spLocks noGrp="1"/>
+          </p:cNvSpPr>
+          <p:nvPr>
+            <p:ph type="title"/>
+          </p:nvPr>
+        </p:nvSpPr>
+        <p:spPr/>
+        <p:txBody>
+          <a:bodyPr/>
+          <a:lstStyle/>
+          <a:p>
+            <a:r>
+              <a:t>Match Sample</a:t>
+            </a:r>
+          </a:p>
+        </p:txBody>
+      </p:sp>
+      <p:pic>
+        <p:nvPicPr>
+          <p:cNvPr id="3" name="Picture Placeholder 2" descr="match-sample_general_accuracy.png"/>
+          <p:cNvPicPr>
+            <a:picLocks noGrp="1" noChangeAspect="1"/>
+          </p:cNvPicPr>
+          <p:nvPr>
+            <p:ph type="pic" idx="13" sz="quarter"/>
+          </p:nvPr>
+        </p:nvPicPr>
+        <p:blipFill>
+          <a:blip r:embed="rId2"/>
+          <a:srcRect l="14" r="14"/>
+          <a:stretch>
+            <a:fillRect/>
+          </a:stretch>
+        </p:blipFill>
+        <p:spPr/>
+      </p:pic>
+      <p:sp>
+        <p:nvSpPr>
+          <p:cNvPr id="4" name="Text Placeholder 3"/>
+          <p:cNvSpPr>
+            <a:spLocks noGrp="1"/>
+          </p:cNvSpPr>
+          <p:nvPr>
+            <p:ph type="body" idx="14" sz="quarter"/>
+          </p:nvPr>
+        </p:nvSpPr>
+        <p:spPr/>
+        <p:txBody>
+          <a:bodyPr/>
+          <a:lstStyle/>
+          <a:p>
+            <a:r>
+              <a:t>Accuracy by age</a:t>
+            </a:r>
+          </a:p>
+        </p:txBody>
+      </p:sp>
+    </p:spTree>
+  </p:cSld>
+  <p:clrMapOvr>
+    <a:masterClrMapping/>
+  </p:clrMapOvr>
+</p:sld>
+</file>
+
+<file path=ppt/slides/slide100.xml><?xml version="1.0" encoding="utf-8"?>
+<p:sld xmlns:a="http://schemas.openxmlformats.org/drawingml/2006/main" xmlns:p="http://schemas.openxmlformats.org/presentationml/2006/main" xmlns:r="http://schemas.openxmlformats.org/officeDocument/2006/relationships">
+  <p:cSld>
+    <p:spTree>
+      <p:nvGrpSpPr>
+        <p:cNvPr id="1" name=""/>
+        <p:cNvGrpSpPr/>
+        <p:nvPr/>
+      </p:nvGrpSpPr>
+      <p:grpSpPr/>
+      <p:sp>
+        <p:nvSpPr>
+          <p:cNvPr id="2" name="Title 1"/>
+          <p:cNvSpPr>
+            <a:spLocks noGrp="1"/>
+          </p:cNvSpPr>
+          <p:nvPr>
+            <p:ph type="title"/>
+          </p:nvPr>
+        </p:nvSpPr>
+        <p:spPr/>
+        <p:txBody>
+          <a:bodyPr/>
+          <a:lstStyle/>
+          <a:p>
+            <a:r>
+              <a:t>Simple Arithmetic Plus</a:t>
+            </a:r>
+          </a:p>
+        </p:txBody>
+      </p:sp>
+      <p:pic>
+        <p:nvPicPr>
+          <p:cNvPr id="3" name="Picture Placeholder 2" descr="image.png"/>
+          <p:cNvPicPr>
+            <a:picLocks noGrp="1" noChangeAspect="1"/>
+          </p:cNvPicPr>
+          <p:nvPr>
+            <p:ph type="pic" idx="13" sz="quarter"/>
+          </p:nvPr>
+        </p:nvPicPr>
+        <p:blipFill>
+          <a:blip r:embed="rId2"/>
+          <a:srcRect l="14" r="14"/>
+          <a:stretch>
+            <a:fillRect/>
+          </a:stretch>
+        </p:blipFill>
+        <p:spPr/>
+      </p:pic>
+      <p:sp>
+        <p:nvSpPr>
+          <p:cNvPr id="4" name="Text Placeholder 3"/>
+          <p:cNvSpPr>
+            <a:spLocks noGrp="1"/>
+          </p:cNvSpPr>
+          <p:nvPr>
+            <p:ph type="body" idx="14" sz="quarter"/>
+          </p:nvPr>
+        </p:nvSpPr>
+        <p:spPr/>
+        <p:txBody>
+          <a:bodyPr/>
+          <a:lstStyle/>
+          <a:p>
+            <a:r>
+              <a:t>Accuracy by age</a:t>
+            </a:r>
+          </a:p>
+        </p:txBody>
+      </p:sp>
+    </p:spTree>
+  </p:cSld>
+  <p:clrMapOvr>
+    <a:masterClrMapping/>
+  </p:clrMapOvr>
+</p:sld>
+</file>
+
+<file path=ppt/slides/slide101.xml><?xml version="1.0" encoding="utf-8"?>
+<p:sld xmlns:a="http://schemas.openxmlformats.org/drawingml/2006/main" xmlns:p="http://schemas.openxmlformats.org/presentationml/2006/main" xmlns:r="http://schemas.openxmlformats.org/officeDocument/2006/relationships">
+  <p:cSld>
+    <p:spTree>
+      <p:nvGrpSpPr>
+        <p:cNvPr id="1" name=""/>
+        <p:cNvGrpSpPr/>
+        <p:nvPr/>
+      </p:nvGrpSpPr>
+      <p:grpSpPr/>
+      <p:sp>
+        <p:nvSpPr>
+          <p:cNvPr id="2" name="Title 1"/>
+          <p:cNvSpPr>
+            <a:spLocks noGrp="1"/>
+          </p:cNvSpPr>
+          <p:nvPr>
+            <p:ph type="title"/>
+          </p:nvPr>
+        </p:nvSpPr>
+        <p:spPr/>
+        <p:txBody>
+          <a:bodyPr/>
+          <a:lstStyle/>
+          <a:p>
+            <a:r>
+              <a:t>Simple Arithmetic Minus</a:t>
+            </a:r>
+          </a:p>
+        </p:txBody>
+      </p:sp>
+      <p:pic>
+        <p:nvPicPr>
+          <p:cNvPr id="3" name="Picture Placeholder 2" descr="image.png"/>
+          <p:cNvPicPr>
+            <a:picLocks noGrp="1" noChangeAspect="1"/>
+          </p:cNvPicPr>
+          <p:nvPr>
+            <p:ph type="pic" idx="13" sz="quarter"/>
+          </p:nvPr>
+        </p:nvPicPr>
+        <p:blipFill>
+          <a:blip r:embed="rId2"/>
+          <a:srcRect l="14" r="14"/>
+          <a:stretch>
+            <a:fillRect/>
+          </a:stretch>
+        </p:blipFill>
+        <p:spPr/>
+      </p:pic>
+      <p:sp>
+        <p:nvSpPr>
+          <p:cNvPr id="4" name="Text Placeholder 3"/>
+          <p:cNvSpPr>
+            <a:spLocks noGrp="1"/>
+          </p:cNvSpPr>
+          <p:nvPr>
+            <p:ph type="body" idx="14" sz="quarter"/>
+          </p:nvPr>
+        </p:nvSpPr>
+        <p:spPr/>
+        <p:txBody>
+          <a:bodyPr/>
+          <a:lstStyle/>
+          <a:p>
+            <a:r>
+              <a:t>LISAS by age</a:t>
+            </a:r>
+          </a:p>
+        </p:txBody>
+      </p:sp>
+    </p:spTree>
+  </p:cSld>
+  <p:clrMapOvr>
+    <a:masterClrMapping/>
+  </p:clrMapOvr>
+</p:sld>
+</file>
+
+<file path=ppt/slides/slide102.xml><?xml version="1.0" encoding="utf-8"?>
+<p:sld xmlns:a="http://schemas.openxmlformats.org/drawingml/2006/main" xmlns:p="http://schemas.openxmlformats.org/presentationml/2006/main" xmlns:r="http://schemas.openxmlformats.org/officeDocument/2006/relationships">
+  <p:cSld>
+    <p:spTree>
+      <p:nvGrpSpPr>
+        <p:cNvPr id="1" name=""/>
+        <p:cNvGrpSpPr/>
+        <p:nvPr/>
+      </p:nvGrpSpPr>
+      <p:grpSpPr/>
+      <p:sp>
+        <p:nvSpPr>
+          <p:cNvPr id="2" name="Title 1"/>
+          <p:cNvSpPr>
+            <a:spLocks noGrp="1"/>
+          </p:cNvSpPr>
+          <p:nvPr>
+            <p:ph type="title"/>
+          </p:nvPr>
+        </p:nvSpPr>
+        <p:spPr/>
+        <p:txBody>
+          <a:bodyPr/>
+          <a:lstStyle/>
+          <a:p>
+            <a:r>
+              <a:t>Simple Arithmetic Minus</a:t>
+            </a:r>
+          </a:p>
+        </p:txBody>
+      </p:sp>
+      <p:pic>
+        <p:nvPicPr>
+          <p:cNvPr id="3" name="Picture Placeholder 2" descr="image.png"/>
+          <p:cNvPicPr>
+            <a:picLocks noGrp="1" noChangeAspect="1"/>
+          </p:cNvPicPr>
+          <p:nvPr>
+            <p:ph type="pic" idx="13" sz="quarter"/>
+          </p:nvPr>
+        </p:nvPicPr>
+        <p:blipFill>
+          <a:blip r:embed="rId2"/>
+          <a:srcRect l="14" r="14"/>
+          <a:stretch>
+            <a:fillRect/>
+          </a:stretch>
+        </p:blipFill>
+        <p:spPr/>
+      </p:pic>
+      <p:sp>
+        <p:nvSpPr>
+          <p:cNvPr id="4" name="Text Placeholder 3"/>
+          <p:cNvSpPr>
+            <a:spLocks noGrp="1"/>
+          </p:cNvSpPr>
+          <p:nvPr>
+            <p:ph type="body" idx="14" sz="quarter"/>
+          </p:nvPr>
+        </p:nvSpPr>
+        <p:spPr/>
+        <p:txBody>
+          <a:bodyPr/>
+          <a:lstStyle/>
+          <a:p>
+            <a:r>
+              <a:t>IES by age</a:t>
+            </a:r>
+          </a:p>
+        </p:txBody>
+      </p:sp>
+    </p:spTree>
+  </p:cSld>
+  <p:clrMapOvr>
+    <a:masterClrMapping/>
+  </p:clrMapOvr>
+</p:sld>
+</file>
+
+<file path=ppt/slides/slide103.xml><?xml version="1.0" encoding="utf-8"?>
+<p:sld xmlns:a="http://schemas.openxmlformats.org/drawingml/2006/main" xmlns:p="http://schemas.openxmlformats.org/presentationml/2006/main" xmlns:r="http://schemas.openxmlformats.org/officeDocument/2006/relationships">
+  <p:cSld>
+    <p:spTree>
+      <p:nvGrpSpPr>
+        <p:cNvPr id="1" name=""/>
+        <p:cNvGrpSpPr/>
+        <p:nvPr/>
+      </p:nvGrpSpPr>
+      <p:grpSpPr/>
+      <p:sp>
+        <p:nvSpPr>
+          <p:cNvPr id="2" name="Title 1"/>
+          <p:cNvSpPr>
+            <a:spLocks noGrp="1"/>
+          </p:cNvSpPr>
+          <p:nvPr>
+            <p:ph type="title"/>
+          </p:nvPr>
+        </p:nvSpPr>
+        <p:spPr/>
+        <p:txBody>
+          <a:bodyPr/>
+          <a:lstStyle/>
+          <a:p>
+            <a:r>
+              <a:t>Simple Arithmetic Minus</a:t>
+            </a:r>
+          </a:p>
+        </p:txBody>
+      </p:sp>
+      <p:pic>
+        <p:nvPicPr>
+          <p:cNvPr id="3" name="Picture Placeholder 2" descr="image.png"/>
+          <p:cNvPicPr>
+            <a:picLocks noGrp="1" noChangeAspect="1"/>
+          </p:cNvPicPr>
+          <p:nvPr>
+            <p:ph type="pic" idx="13" sz="quarter"/>
+          </p:nvPr>
+        </p:nvPicPr>
+        <p:blipFill>
+          <a:blip r:embed="rId2"/>
+          <a:srcRect l="14" r="14"/>
+          <a:stretch>
+            <a:fillRect/>
+          </a:stretch>
+        </p:blipFill>
+        <p:spPr/>
+      </p:pic>
+      <p:sp>
+        <p:nvSpPr>
+          <p:cNvPr id="4" name="Text Placeholder 3"/>
+          <p:cNvSpPr>
+            <a:spLocks noGrp="1"/>
+          </p:cNvSpPr>
+          <p:nvPr>
+            <p:ph type="body" idx="14" sz="quarter"/>
+          </p:nvPr>
+        </p:nvSpPr>
+        <p:spPr/>
+        <p:txBody>
+          <a:bodyPr/>
+          <a:lstStyle/>
+          <a:p>
+            <a:r>
+              <a:t>RCS by age</a:t>
+            </a:r>
+          </a:p>
+        </p:txBody>
+      </p:sp>
+    </p:spTree>
+  </p:cSld>
+  <p:clrMapOvr>
+    <a:masterClrMapping/>
+  </p:clrMapOvr>
+</p:sld>
+</file>
+
+<file path=ppt/slides/slide104.xml><?xml version="1.0" encoding="utf-8"?>
+<p:sld xmlns:a="http://schemas.openxmlformats.org/drawingml/2006/main" xmlns:p="http://schemas.openxmlformats.org/presentationml/2006/main" xmlns:r="http://schemas.openxmlformats.org/officeDocument/2006/relationships">
+  <p:cSld>
+    <p:spTree>
+      <p:nvGrpSpPr>
+        <p:cNvPr id="1" name=""/>
+        <p:cNvGrpSpPr/>
+        <p:nvPr/>
+      </p:nvGrpSpPr>
+      <p:grpSpPr/>
+      <p:sp>
+        <p:nvSpPr>
+          <p:cNvPr id="2" name="Title 1"/>
+          <p:cNvSpPr>
+            <a:spLocks noGrp="1"/>
+          </p:cNvSpPr>
+          <p:nvPr>
+            <p:ph type="title"/>
+          </p:nvPr>
+        </p:nvSpPr>
+        <p:spPr/>
+        <p:txBody>
+          <a:bodyPr/>
+          <a:lstStyle/>
+          <a:p>
+            <a:r>
+              <a:t>Simple Arithmetic Minus</a:t>
+            </a:r>
+          </a:p>
+        </p:txBody>
+      </p:sp>
+      <p:pic>
+        <p:nvPicPr>
+          <p:cNvPr id="3" name="Picture Placeholder 2" descr="image.png"/>
+          <p:cNvPicPr>
+            <a:picLocks noGrp="1" noChangeAspect="1"/>
+          </p:cNvPicPr>
+          <p:nvPr>
+            <p:ph type="pic" idx="13" sz="quarter"/>
+          </p:nvPr>
+        </p:nvPicPr>
+        <p:blipFill>
+          <a:blip r:embed="rId2"/>
+          <a:srcRect l="14" r="14"/>
+          <a:stretch>
+            <a:fillRect/>
+          </a:stretch>
+        </p:blipFill>
+        <p:spPr/>
+      </p:pic>
+      <p:sp>
+        <p:nvSpPr>
+          <p:cNvPr id="4" name="Text Placeholder 3"/>
+          <p:cNvSpPr>
+            <a:spLocks noGrp="1"/>
+          </p:cNvSpPr>
+          <p:nvPr>
+            <p:ph type="body" idx="14" sz="quarter"/>
+          </p:nvPr>
+        </p:nvSpPr>
+        <p:spPr/>
+        <p:txBody>
+          <a:bodyPr/>
+          <a:lstStyle/>
+          <a:p>
+            <a:r>
+              <a:t>RT by age</a:t>
+            </a:r>
+          </a:p>
+        </p:txBody>
+      </p:sp>
+    </p:spTree>
+  </p:cSld>
+  <p:clrMapOvr>
+    <a:masterClrMapping/>
+  </p:clrMapOvr>
+</p:sld>
+</file>
+
+<file path=ppt/slides/slide105.xml><?xml version="1.0" encoding="utf-8"?>
+<p:sld xmlns:a="http://schemas.openxmlformats.org/drawingml/2006/main" xmlns:p="http://schemas.openxmlformats.org/presentationml/2006/main" xmlns:r="http://schemas.openxmlformats.org/officeDocument/2006/relationships">
+  <p:cSld>
+    <p:spTree>
+      <p:nvGrpSpPr>
+        <p:cNvPr id="1" name=""/>
+        <p:cNvGrpSpPr/>
+        <p:nvPr/>
+      </p:nvGrpSpPr>
+      <p:grpSpPr/>
+      <p:sp>
+        <p:nvSpPr>
+          <p:cNvPr id="2" name="Title 1"/>
+          <p:cNvSpPr>
+            <a:spLocks noGrp="1"/>
+          </p:cNvSpPr>
+          <p:nvPr>
+            <p:ph type="title"/>
+          </p:nvPr>
+        </p:nvSpPr>
+        <p:spPr/>
+        <p:txBody>
+          <a:bodyPr/>
+          <a:lstStyle/>
+          <a:p>
+            <a:r>
+              <a:t>Simple Arithmetic Minus</a:t>
+            </a:r>
+          </a:p>
+        </p:txBody>
+      </p:sp>
+      <p:pic>
+        <p:nvPicPr>
+          <p:cNvPr id="3" name="Picture Placeholder 2" descr="image.png"/>
+          <p:cNvPicPr>
+            <a:picLocks noGrp="1" noChangeAspect="1"/>
+          </p:cNvPicPr>
+          <p:nvPr>
+            <p:ph type="pic" idx="13" sz="quarter"/>
+          </p:nvPr>
+        </p:nvPicPr>
+        <p:blipFill>
+          <a:blip r:embed="rId2"/>
+          <a:srcRect l="14" r="14"/>
+          <a:stretch>
+            <a:fillRect/>
+          </a:stretch>
+        </p:blipFill>
+        <p:spPr/>
+      </p:pic>
+      <p:sp>
+        <p:nvSpPr>
+          <p:cNvPr id="4" name="Text Placeholder 3"/>
+          <p:cNvSpPr>
+            <a:spLocks noGrp="1"/>
+          </p:cNvSpPr>
+          <p:nvPr>
+            <p:ph type="body" idx="14" sz="quarter"/>
+          </p:nvPr>
+        </p:nvSpPr>
+        <p:spPr/>
+        <p:txBody>
+          <a:bodyPr/>
+          <a:lstStyle/>
+          <a:p>
+            <a:r>
+              <a:t>Accuracy by age</a:t>
+            </a:r>
+          </a:p>
+        </p:txBody>
+      </p:sp>
+    </p:spTree>
+  </p:cSld>
+  <p:clrMapOvr>
+    <a:masterClrMapping/>
+  </p:clrMapOvr>
+</p:sld>
+</file>
+
+<file path=ppt/slides/slide106.xml><?xml version="1.0" encoding="utf-8"?>
+<p:sld xmlns:a="http://schemas.openxmlformats.org/drawingml/2006/main" xmlns:p="http://schemas.openxmlformats.org/presentationml/2006/main" xmlns:r="http://schemas.openxmlformats.org/officeDocument/2006/relationships">
+  <p:cSld>
+    <p:spTree>
+      <p:nvGrpSpPr>
+        <p:cNvPr id="1" name=""/>
+        <p:cNvGrpSpPr/>
+        <p:nvPr/>
+      </p:nvGrpSpPr>
+      <p:grpSpPr/>
+      <p:sp>
+        <p:nvSpPr>
+          <p:cNvPr id="2" name="Title 1"/>
+          <p:cNvSpPr>
+            <a:spLocks noGrp="1"/>
+          </p:cNvSpPr>
+          <p:nvPr>
+            <p:ph type="title"/>
+          </p:nvPr>
+        </p:nvSpPr>
+        <p:spPr/>
+        <p:txBody>
+          <a:bodyPr/>
+          <a:lstStyle/>
+          <a:p>
+            <a:r>
+              <a:t>LISAS</a:t>
+            </a:r>
+          </a:p>
+        </p:txBody>
+      </p:sp>
+      <p:pic>
+        <p:nvPicPr>
+          <p:cNvPr id="3" name="Picture Placeholder 2" descr="image.png"/>
+          <p:cNvPicPr>
+            <a:picLocks noGrp="1" noChangeAspect="1"/>
+          </p:cNvPicPr>
+          <p:nvPr>
+            <p:ph type="pic" idx="13" sz="quarter"/>
+          </p:nvPr>
+        </p:nvPicPr>
+        <p:blipFill>
+          <a:blip r:embed="rId2"/>
+          <a:srcRect l="9" r="9"/>
+          <a:stretch>
+            <a:fillRect/>
+          </a:stretch>
+        </p:blipFill>
+        <p:spPr/>
+      </p:pic>
+      <p:sp>
+        <p:nvSpPr>
+          <p:cNvPr id="4" name="Text Placeholder 3"/>
+          <p:cNvSpPr>
+            <a:spLocks noGrp="1"/>
+          </p:cNvSpPr>
+          <p:nvPr>
+            <p:ph type="body" idx="14" sz="quarter"/>
+          </p:nvPr>
+        </p:nvSpPr>
+        <p:spPr/>
+        <p:txBody>
+          <a:bodyPr/>
+          <a:lstStyle/>
+          <a:p>
+            <a:r>
+              <a:t>Box plot by subtest</a:t>
+            </a:r>
+          </a:p>
+        </p:txBody>
+      </p:sp>
+    </p:spTree>
+  </p:cSld>
+  <p:clrMapOvr>
+    <a:masterClrMapping/>
+  </p:clrMapOvr>
+</p:sld>
+</file>
+
+<file path=ppt/slides/slide107.xml><?xml version="1.0" encoding="utf-8"?>
+<p:sld xmlns:a="http://schemas.openxmlformats.org/drawingml/2006/main" xmlns:p="http://schemas.openxmlformats.org/presentationml/2006/main" xmlns:r="http://schemas.openxmlformats.org/officeDocument/2006/relationships">
+  <p:cSld>
+    <p:spTree>
+      <p:nvGrpSpPr>
+        <p:cNvPr id="1" name=""/>
+        <p:cNvGrpSpPr/>
+        <p:nvPr/>
+      </p:nvGrpSpPr>
+      <p:grpSpPr/>
+      <p:sp>
+        <p:nvSpPr>
+          <p:cNvPr id="2" name="Title 1"/>
+          <p:cNvSpPr>
+            <a:spLocks noGrp="1"/>
+          </p:cNvSpPr>
+          <p:nvPr>
+            <p:ph type="title"/>
+          </p:nvPr>
+        </p:nvSpPr>
+        <p:spPr/>
+        <p:txBody>
+          <a:bodyPr/>
+          <a:lstStyle/>
+          <a:p>
+            <a:r>
+              <a:t>LISAS correct</a:t>
+            </a:r>
+          </a:p>
+        </p:txBody>
+      </p:sp>
+      <p:pic>
+        <p:nvPicPr>
+          <p:cNvPr id="3" name="Picture Placeholder 2" descr="image.png"/>
+          <p:cNvPicPr>
+            <a:picLocks noGrp="1" noChangeAspect="1"/>
+          </p:cNvPicPr>
+          <p:nvPr>
+            <p:ph type="pic" idx="13" sz="quarter"/>
+          </p:nvPr>
+        </p:nvPicPr>
+        <p:blipFill>
+          <a:blip r:embed="rId2"/>
+          <a:srcRect l="9" r="9"/>
+          <a:stretch>
+            <a:fillRect/>
+          </a:stretch>
+        </p:blipFill>
+        <p:spPr/>
+      </p:pic>
+      <p:sp>
+        <p:nvSpPr>
+          <p:cNvPr id="4" name="Text Placeholder 3"/>
+          <p:cNvSpPr>
+            <a:spLocks noGrp="1"/>
+          </p:cNvSpPr>
+          <p:nvPr>
+            <p:ph type="body" idx="14" sz="quarter"/>
+          </p:nvPr>
+        </p:nvSpPr>
+        <p:spPr/>
+        <p:txBody>
+          <a:bodyPr/>
+          <a:lstStyle/>
+          <a:p>
+            <a:r>
+              <a:t>Box plot by subtest</a:t>
+            </a:r>
+          </a:p>
+        </p:txBody>
+      </p:sp>
+    </p:spTree>
+  </p:cSld>
+  <p:clrMapOvr>
+    <a:masterClrMapping/>
+  </p:clrMapOvr>
+</p:sld>
+</file>
+
+<file path=ppt/slides/slide108.xml><?xml version="1.0" encoding="utf-8"?>
+<p:sld xmlns:a="http://schemas.openxmlformats.org/drawingml/2006/main" xmlns:p="http://schemas.openxmlformats.org/presentationml/2006/main" xmlns:r="http://schemas.openxmlformats.org/officeDocument/2006/relationships">
+  <p:cSld>
+    <p:spTree>
+      <p:nvGrpSpPr>
+        <p:cNvPr id="1" name=""/>
+        <p:cNvGrpSpPr/>
+        <p:nvPr/>
+      </p:nvGrpSpPr>
+      <p:grpSpPr/>
+      <p:sp>
+        <p:nvSpPr>
+          <p:cNvPr id="2" name="Title 1"/>
+          <p:cNvSpPr>
+            <a:spLocks noGrp="1"/>
+          </p:cNvSpPr>
+          <p:nvPr>
+            <p:ph type="title"/>
+          </p:nvPr>
+        </p:nvSpPr>
+        <p:spPr/>
+        <p:txBody>
+          <a:bodyPr/>
+          <a:lstStyle/>
+          <a:p>
+            <a:r>
+              <a:t>IES</a:t>
+            </a:r>
+          </a:p>
+        </p:txBody>
+      </p:sp>
+      <p:pic>
+        <p:nvPicPr>
+          <p:cNvPr id="3" name="Picture Placeholder 2" descr="image.png"/>
+          <p:cNvPicPr>
+            <a:picLocks noGrp="1" noChangeAspect="1"/>
+          </p:cNvPicPr>
+          <p:nvPr>
+            <p:ph type="pic" idx="13" sz="quarter"/>
+          </p:nvPr>
+        </p:nvPicPr>
+        <p:blipFill>
+          <a:blip r:embed="rId2"/>
+          <a:srcRect l="9" r="9"/>
+          <a:stretch>
+            <a:fillRect/>
+          </a:stretch>
+        </p:blipFill>
+        <p:spPr/>
+      </p:pic>
+      <p:sp>
+        <p:nvSpPr>
+          <p:cNvPr id="4" name="Text Placeholder 3"/>
+          <p:cNvSpPr>
+            <a:spLocks noGrp="1"/>
+          </p:cNvSpPr>
+          <p:nvPr>
+            <p:ph type="body" idx="14" sz="quarter"/>
+          </p:nvPr>
+        </p:nvSpPr>
+        <p:spPr/>
+        <p:txBody>
+          <a:bodyPr/>
+          <a:lstStyle/>
+          <a:p>
+            <a:r>
+              <a:t>Box plot by subtest</a:t>
+            </a:r>
+          </a:p>
+        </p:txBody>
+      </p:sp>
+    </p:spTree>
+  </p:cSld>
+  <p:clrMapOvr>
+    <a:masterClrMapping/>
+  </p:clrMapOvr>
+</p:sld>
+</file>
+
+<file path=ppt/slides/slide109.xml><?xml version="1.0" encoding="utf-8"?>
+<p:sld xmlns:a="http://schemas.openxmlformats.org/drawingml/2006/main" xmlns:p="http://schemas.openxmlformats.org/presentationml/2006/main" xmlns:r="http://schemas.openxmlformats.org/officeDocument/2006/relationships">
+  <p:cSld>
+    <p:spTree>
+      <p:nvGrpSpPr>
+        <p:cNvPr id="1" name=""/>
+        <p:cNvGrpSpPr/>
+        <p:nvPr/>
+      </p:nvGrpSpPr>
+      <p:grpSpPr/>
+      <p:sp>
+        <p:nvSpPr>
+          <p:cNvPr id="2" name="Title 1"/>
+          <p:cNvSpPr>
+            <a:spLocks noGrp="1"/>
+          </p:cNvSpPr>
+          <p:nvPr>
+            <p:ph type="title"/>
+          </p:nvPr>
+        </p:nvSpPr>
+        <p:spPr/>
+        <p:txBody>
+          <a:bodyPr/>
+          <a:lstStyle/>
+          <a:p>
+            <a:r>
+              <a:t>IES correct</a:t>
+            </a:r>
+          </a:p>
+        </p:txBody>
+      </p:sp>
+      <p:pic>
+        <p:nvPicPr>
+          <p:cNvPr id="3" name="Picture Placeholder 2" descr="image.png"/>
+          <p:cNvPicPr>
+            <a:picLocks noGrp="1" noChangeAspect="1"/>
+          </p:cNvPicPr>
+          <p:nvPr>
+            <p:ph type="pic" idx="13" sz="quarter"/>
+          </p:nvPr>
+        </p:nvPicPr>
+        <p:blipFill>
+          <a:blip r:embed="rId2"/>
+          <a:srcRect l="9" r="9"/>
+          <a:stretch>
+            <a:fillRect/>
+          </a:stretch>
+        </p:blipFill>
+        <p:spPr/>
+      </p:pic>
+      <p:sp>
+        <p:nvSpPr>
+          <p:cNvPr id="4" name="Text Placeholder 3"/>
+          <p:cNvSpPr>
+            <a:spLocks noGrp="1"/>
+          </p:cNvSpPr>
+          <p:nvPr>
+            <p:ph type="body" idx="14" sz="quarter"/>
+          </p:nvPr>
+        </p:nvSpPr>
+        <p:spPr/>
+        <p:txBody>
+          <a:bodyPr/>
+          <a:lstStyle/>
+          <a:p>
+            <a:r>
+              <a:t>Box plot by subtest</a:t>
+            </a:r>
+          </a:p>
+        </p:txBody>
+      </p:sp>
+    </p:spTree>
+  </p:cSld>
+  <p:clrMapOvr>
+    <a:masterClrMapping/>
+  </p:clrMapOvr>
+</p:sld>
+</file>
+
+<file path=ppt/slides/slide11.xml><?xml version="1.0" encoding="utf-8"?>
+<p:sld xmlns:a="http://schemas.openxmlformats.org/drawingml/2006/main" xmlns:p="http://schemas.openxmlformats.org/presentationml/2006/main" xmlns:r="http://schemas.openxmlformats.org/officeDocument/2006/relationships">
+  <p:cSld>
+    <p:spTree>
+      <p:nvGrpSpPr>
+        <p:cNvPr id="1" name=""/>
+        <p:cNvGrpSpPr/>
+        <p:nvPr/>
+      </p:nvGrpSpPr>
+      <p:grpSpPr/>
+      <p:sp>
+        <p:nvSpPr>
+          <p:cNvPr id="2" name="Title 1"/>
+          <p:cNvSpPr>
+            <a:spLocks noGrp="1"/>
+          </p:cNvSpPr>
+          <p:nvPr>
+            <p:ph type="title"/>
+          </p:nvPr>
+        </p:nvSpPr>
+        <p:spPr/>
+        <p:txBody>
+          <a:bodyPr/>
+          <a:lstStyle/>
+          <a:p>
+            <a:r>
+              <a:t>Match Sample Rotate</a:t>
+            </a:r>
+          </a:p>
+        </p:txBody>
+      </p:sp>
+      <p:pic>
+        <p:nvPicPr>
+          <p:cNvPr id="3" name="Picture Placeholder 2" descr="match-sample-rotate-lisas-by-age.png"/>
+          <p:cNvPicPr>
+            <a:picLocks noGrp="1" noChangeAspect="1"/>
+          </p:cNvPicPr>
+          <p:nvPr>
+            <p:ph type="pic" idx="13" sz="quarter"/>
+          </p:nvPr>
+        </p:nvPicPr>
+        <p:blipFill>
+          <a:blip r:embed="rId2"/>
+          <a:srcRect l="14" r="14"/>
+          <a:stretch>
+            <a:fillRect/>
+          </a:stretch>
+        </p:blipFill>
+        <p:spPr/>
+      </p:pic>
+      <p:sp>
+        <p:nvSpPr>
+          <p:cNvPr id="4" name="Text Placeholder 3"/>
+          <p:cNvSpPr>
+            <a:spLocks noGrp="1"/>
+          </p:cNvSpPr>
+          <p:nvPr>
+            <p:ph type="body" idx="14" sz="quarter"/>
+          </p:nvPr>
+        </p:nvSpPr>
+        <p:spPr/>
+        <p:txBody>
+          <a:bodyPr/>
+          <a:lstStyle/>
+          <a:p>
+            <a:r>
+              <a:t>LISAS by age</a:t>
+            </a:r>
+          </a:p>
+        </p:txBody>
+      </p:sp>
+    </p:spTree>
+  </p:cSld>
+  <p:clrMapOvr>
+    <a:masterClrMapping/>
+  </p:clrMapOvr>
+</p:sld>
+</file>
+
+<file path=ppt/slides/slide110.xml><?xml version="1.0" encoding="utf-8"?>
+<p:sld xmlns:a="http://schemas.openxmlformats.org/drawingml/2006/main" xmlns:p="http://schemas.openxmlformats.org/presentationml/2006/main" xmlns:r="http://schemas.openxmlformats.org/officeDocument/2006/relationships">
+  <p:cSld>
+    <p:spTree>
+      <p:nvGrpSpPr>
+        <p:cNvPr id="1" name=""/>
+        <p:cNvGrpSpPr/>
+        <p:nvPr/>
+      </p:nvGrpSpPr>
+      <p:grpSpPr/>
+      <p:sp>
+        <p:nvSpPr>
+          <p:cNvPr id="2" name="Title 1"/>
+          <p:cNvSpPr>
+            <a:spLocks noGrp="1"/>
+          </p:cNvSpPr>
+          <p:nvPr>
+            <p:ph type="title"/>
+          </p:nvPr>
+        </p:nvSpPr>
+        <p:spPr/>
+        <p:txBody>
+          <a:bodyPr/>
+          <a:lstStyle/>
+          <a:p>
+            <a:r>
+              <a:t>RCS</a:t>
+            </a:r>
+          </a:p>
+        </p:txBody>
+      </p:sp>
+      <p:pic>
+        <p:nvPicPr>
+          <p:cNvPr id="3" name="Picture Placeholder 2" descr="image.png"/>
+          <p:cNvPicPr>
+            <a:picLocks noGrp="1" noChangeAspect="1"/>
+          </p:cNvPicPr>
+          <p:nvPr>
+            <p:ph type="pic" idx="13" sz="quarter"/>
+          </p:nvPr>
+        </p:nvPicPr>
+        <p:blipFill>
+          <a:blip r:embed="rId2"/>
+          <a:srcRect l="9" r="9"/>
+          <a:stretch>
+            <a:fillRect/>
+          </a:stretch>
+        </p:blipFill>
+        <p:spPr/>
+      </p:pic>
+      <p:sp>
+        <p:nvSpPr>
+          <p:cNvPr id="4" name="Text Placeholder 3"/>
+          <p:cNvSpPr>
+            <a:spLocks noGrp="1"/>
+          </p:cNvSpPr>
+          <p:nvPr>
+            <p:ph type="body" idx="14" sz="quarter"/>
+          </p:nvPr>
+        </p:nvSpPr>
+        <p:spPr/>
+        <p:txBody>
+          <a:bodyPr/>
+          <a:lstStyle/>
+          <a:p>
+            <a:r>
+              <a:t>Box plot by subtest</a:t>
+            </a:r>
+          </a:p>
+        </p:txBody>
+      </p:sp>
+    </p:spTree>
+  </p:cSld>
+  <p:clrMapOvr>
+    <a:masterClrMapping/>
+  </p:clrMapOvr>
+</p:sld>
+</file>
+
+<file path=ppt/slides/slide12.xml><?xml version="1.0" encoding="utf-8"?>
+<p:sld xmlns:a="http://schemas.openxmlformats.org/drawingml/2006/main" xmlns:p="http://schemas.openxmlformats.org/presentationml/2006/main" xmlns:r="http://schemas.openxmlformats.org/officeDocument/2006/relationships">
+  <p:cSld>
+    <p:spTree>
+      <p:nvGrpSpPr>
+        <p:cNvPr id="1" name=""/>
+        <p:cNvGrpSpPr/>
+        <p:nvPr/>
+      </p:nvGrpSpPr>
+      <p:grpSpPr/>
+      <p:sp>
+        <p:nvSpPr>
+          <p:cNvPr id="2" name="Title 1"/>
+          <p:cNvSpPr>
+            <a:spLocks noGrp="1"/>
+          </p:cNvSpPr>
+          <p:nvPr>
+            <p:ph type="title"/>
+          </p:nvPr>
+        </p:nvSpPr>
+        <p:spPr/>
+        <p:txBody>
+          <a:bodyPr/>
+          <a:lstStyle/>
+          <a:p>
+            <a:r>
+              <a:t>Match Sample Rotate</a:t>
+            </a:r>
+          </a:p>
+        </p:txBody>
+      </p:sp>
+      <p:pic>
+        <p:nvPicPr>
+          <p:cNvPr id="3" name="Picture Placeholder 2" descr="match-sample-rotate-ies-by-age.png"/>
+          <p:cNvPicPr>
+            <a:picLocks noGrp="1" noChangeAspect="1"/>
+          </p:cNvPicPr>
+          <p:nvPr>
+            <p:ph type="pic" idx="13" sz="quarter"/>
+          </p:nvPr>
+        </p:nvPicPr>
+        <p:blipFill>
+          <a:blip r:embed="rId2"/>
+          <a:srcRect l="14" r="14"/>
+          <a:stretch>
+            <a:fillRect/>
+          </a:stretch>
+        </p:blipFill>
+        <p:spPr/>
+      </p:pic>
+      <p:sp>
+        <p:nvSpPr>
+          <p:cNvPr id="4" name="Text Placeholder 3"/>
+          <p:cNvSpPr>
+            <a:spLocks noGrp="1"/>
+          </p:cNvSpPr>
+          <p:nvPr>
+            <p:ph type="body" idx="14" sz="quarter"/>
+          </p:nvPr>
+        </p:nvSpPr>
+        <p:spPr/>
+        <p:txBody>
+          <a:bodyPr/>
+          <a:lstStyle/>
+          <a:p>
+            <a:r>
+              <a:t>IES by age</a:t>
+            </a:r>
+          </a:p>
+        </p:txBody>
+      </p:sp>
+    </p:spTree>
+  </p:cSld>
+  <p:clrMapOvr>
+    <a:masterClrMapping/>
+  </p:clrMapOvr>
+</p:sld>
+</file>
+
+<file path=ppt/slides/slide13.xml><?xml version="1.0" encoding="utf-8"?>
+<p:sld xmlns:a="http://schemas.openxmlformats.org/drawingml/2006/main" xmlns:p="http://schemas.openxmlformats.org/presentationml/2006/main" xmlns:r="http://schemas.openxmlformats.org/officeDocument/2006/relationships">
+  <p:cSld>
+    <p:spTree>
+      <p:nvGrpSpPr>
+        <p:cNvPr id="1" name=""/>
+        <p:cNvGrpSpPr/>
+        <p:nvPr/>
+      </p:nvGrpSpPr>
+      <p:grpSpPr/>
+      <p:sp>
+        <p:nvSpPr>
+          <p:cNvPr id="2" name="Title 1"/>
+          <p:cNvSpPr>
+            <a:spLocks noGrp="1"/>
+          </p:cNvSpPr>
+          <p:nvPr>
+            <p:ph type="title"/>
+          </p:nvPr>
+        </p:nvSpPr>
+        <p:spPr/>
+        <p:txBody>
+          <a:bodyPr/>
+          <a:lstStyle/>
+          <a:p>
+            <a:r>
+              <a:t>Match Sample Rotate</a:t>
+            </a:r>
+          </a:p>
+        </p:txBody>
+      </p:sp>
+      <p:pic>
+        <p:nvPicPr>
+          <p:cNvPr id="3" name="Picture Placeholder 2" descr="match-sample-rotate-rcs-by-age.png"/>
+          <p:cNvPicPr>
+            <a:picLocks noGrp="1" noChangeAspect="1"/>
+          </p:cNvPicPr>
+          <p:nvPr>
+            <p:ph type="pic" idx="13" sz="quarter"/>
+          </p:nvPr>
+        </p:nvPicPr>
+        <p:blipFill>
+          <a:blip r:embed="rId2"/>
+          <a:srcRect l="14" r="14"/>
+          <a:stretch>
+            <a:fillRect/>
+          </a:stretch>
+        </p:blipFill>
+        <p:spPr/>
+      </p:pic>
+      <p:sp>
+        <p:nvSpPr>
+          <p:cNvPr id="4" name="Text Placeholder 3"/>
+          <p:cNvSpPr>
+            <a:spLocks noGrp="1"/>
+          </p:cNvSpPr>
+          <p:nvPr>
+            <p:ph type="body" idx="14" sz="quarter"/>
+          </p:nvPr>
+        </p:nvSpPr>
+        <p:spPr/>
+        <p:txBody>
+          <a:bodyPr/>
+          <a:lstStyle/>
+          <a:p>
+            <a:r>
+              <a:t>RCS by age</a:t>
+            </a:r>
+          </a:p>
+        </p:txBody>
+      </p:sp>
+    </p:spTree>
+  </p:cSld>
+  <p:clrMapOvr>
+    <a:masterClrMapping/>
+  </p:clrMapOvr>
+</p:sld>
+</file>
+
+<file path=ppt/slides/slide14.xml><?xml version="1.0" encoding="utf-8"?>
+<p:sld xmlns:a="http://schemas.openxmlformats.org/drawingml/2006/main" xmlns:p="http://schemas.openxmlformats.org/presentationml/2006/main" xmlns:r="http://schemas.openxmlformats.org/officeDocument/2006/relationships">
+  <p:cSld>
+    <p:spTree>
+      <p:nvGrpSpPr>
+        <p:cNvPr id="1" name=""/>
+        <p:cNvGrpSpPr/>
+        <p:nvPr/>
+      </p:nvGrpSpPr>
+      <p:grpSpPr/>
+      <p:sp>
+        <p:nvSpPr>
+          <p:cNvPr id="2" name="Title 1"/>
+          <p:cNvSpPr>
+            <a:spLocks noGrp="1"/>
+          </p:cNvSpPr>
+          <p:nvPr>
+            <p:ph type="title"/>
+          </p:nvPr>
+        </p:nvSpPr>
+        <p:spPr/>
+        <p:txBody>
+          <a:bodyPr/>
+          <a:lstStyle/>
+          <a:p>
+            <a:r>
+              <a:t>Match Sample Rotate</a:t>
+            </a:r>
+          </a:p>
+        </p:txBody>
+      </p:sp>
+      <p:pic>
+        <p:nvPicPr>
+          <p:cNvPr id="3" name="Picture Placeholder 2" descr="match-sample-rotate_general_rt.png"/>
+          <p:cNvPicPr>
+            <a:picLocks noGrp="1" noChangeAspect="1"/>
+          </p:cNvPicPr>
+          <p:nvPr>
+            <p:ph type="pic" idx="13" sz="quarter"/>
+          </p:nvPr>
+        </p:nvPicPr>
+        <p:blipFill>
+          <a:blip r:embed="rId2"/>
+          <a:srcRect l="14" r="14"/>
+          <a:stretch>
+            <a:fillRect/>
+          </a:stretch>
+        </p:blipFill>
+        <p:spPr/>
+      </p:pic>
+      <p:sp>
+        <p:nvSpPr>
+          <p:cNvPr id="4" name="Text Placeholder 3"/>
+          <p:cNvSpPr>
+            <a:spLocks noGrp="1"/>
+          </p:cNvSpPr>
+          <p:nvPr>
+            <p:ph type="body" idx="14" sz="quarter"/>
+          </p:nvPr>
+        </p:nvSpPr>
+        <p:spPr/>
+        <p:txBody>
+          <a:bodyPr/>
+          <a:lstStyle/>
+          <a:p>
+            <a:r>
+              <a:t>RT by age</a:t>
+            </a:r>
+          </a:p>
+        </p:txBody>
+      </p:sp>
+    </p:spTree>
+  </p:cSld>
+  <p:clrMapOvr>
+    <a:masterClrMapping/>
+  </p:clrMapOvr>
+</p:sld>
+</file>
+
+<file path=ppt/slides/slide15.xml><?xml version="1.0" encoding="utf-8"?>
+<p:sld xmlns:a="http://schemas.openxmlformats.org/drawingml/2006/main" xmlns:p="http://schemas.openxmlformats.org/presentationml/2006/main" xmlns:r="http://schemas.openxmlformats.org/officeDocument/2006/relationships">
+  <p:cSld>
+    <p:spTree>
+      <p:nvGrpSpPr>
+        <p:cNvPr id="1" name=""/>
+        <p:cNvGrpSpPr/>
+        <p:nvPr/>
+      </p:nvGrpSpPr>
+      <p:grpSpPr/>
+      <p:sp>
+        <p:nvSpPr>
+          <p:cNvPr id="2" name="Title 1"/>
+          <p:cNvSpPr>
+            <a:spLocks noGrp="1"/>
+          </p:cNvSpPr>
+          <p:nvPr>
+            <p:ph type="title"/>
+          </p:nvPr>
+        </p:nvSpPr>
+        <p:spPr/>
+        <p:txBody>
+          <a:bodyPr/>
+          <a:lstStyle/>
+          <a:p>
+            <a:r>
+              <a:t>Match Sample Rotate</a:t>
+            </a:r>
+          </a:p>
+        </p:txBody>
+      </p:sp>
+      <p:pic>
+        <p:nvPicPr>
+          <p:cNvPr id="3" name="Picture Placeholder 2" descr="match-sample-rotate_general_accuracy.png"/>
+          <p:cNvPicPr>
+            <a:picLocks noGrp="1" noChangeAspect="1"/>
+          </p:cNvPicPr>
+          <p:nvPr>
+            <p:ph type="pic" idx="13" sz="quarter"/>
+          </p:nvPr>
+        </p:nvPicPr>
+        <p:blipFill>
+          <a:blip r:embed="rId2"/>
+          <a:srcRect l="14" r="14"/>
+          <a:stretch>
+            <a:fillRect/>
+          </a:stretch>
+        </p:blipFill>
+        <p:spPr/>
+      </p:pic>
+      <p:sp>
+        <p:nvSpPr>
+          <p:cNvPr id="4" name="Text Placeholder 3"/>
+          <p:cNvSpPr>
+            <a:spLocks noGrp="1"/>
+          </p:cNvSpPr>
+          <p:nvPr>
+            <p:ph type="body" idx="14" sz="quarter"/>
+          </p:nvPr>
+        </p:nvSpPr>
+        <p:spPr/>
+        <p:txBody>
+          <a:bodyPr/>
+          <a:lstStyle/>
+          <a:p>
+            <a:r>
+              <a:t>Accuracy by age</a:t>
+            </a:r>
+          </a:p>
+        </p:txBody>
+      </p:sp>
+    </p:spTree>
+  </p:cSld>
+  <p:clrMapOvr>
+    <a:masterClrMapping/>
+  </p:clrMapOvr>
+</p:sld>
+</file>
+
+<file path=ppt/slides/slide16.xml><?xml version="1.0" encoding="utf-8"?>
+<p:sld xmlns:a="http://schemas.openxmlformats.org/drawingml/2006/main" xmlns:p="http://schemas.openxmlformats.org/presentationml/2006/main" xmlns:r="http://schemas.openxmlformats.org/officeDocument/2006/relationships">
+  <p:cSld>
+    <p:spTree>
+      <p:nvGrpSpPr>
+        <p:cNvPr id="1" name=""/>
+        <p:cNvGrpSpPr/>
+        <p:nvPr/>
+      </p:nvGrpSpPr>
+      <p:grpSpPr/>
+      <p:sp>
+        <p:nvSpPr>
+          <p:cNvPr id="2" name="Title 1"/>
+          <p:cNvSpPr>
+            <a:spLocks noGrp="1"/>
+          </p:cNvSpPr>
+          <p:nvPr>
+            <p:ph type="title"/>
+          </p:nvPr>
+        </p:nvSpPr>
+        <p:spPr/>
+        <p:txBody>
+          <a:bodyPr/>
+          <a:lstStyle/>
+          <a:p>
+            <a:r>
+              <a:t>Match Points Number</a:t>
+            </a:r>
+          </a:p>
+        </p:txBody>
+      </p:sp>
+      <p:pic>
+        <p:nvPicPr>
+          <p:cNvPr id="3" name="Picture Placeholder 2" descr="match-points-number-lisas-by-age.png"/>
+          <p:cNvPicPr>
+            <a:picLocks noGrp="1" noChangeAspect="1"/>
+          </p:cNvPicPr>
+          <p:nvPr>
+            <p:ph type="pic" idx="13" sz="quarter"/>
+          </p:nvPr>
+        </p:nvPicPr>
+        <p:blipFill>
+          <a:blip r:embed="rId2"/>
+          <a:srcRect l="14" r="14"/>
+          <a:stretch>
+            <a:fillRect/>
+          </a:stretch>
+        </p:blipFill>
+        <p:spPr/>
+      </p:pic>
+      <p:sp>
+        <p:nvSpPr>
+          <p:cNvPr id="4" name="Text Placeholder 3"/>
+          <p:cNvSpPr>
+            <a:spLocks noGrp="1"/>
+          </p:cNvSpPr>
+          <p:nvPr>
+            <p:ph type="body" idx="14" sz="quarter"/>
+          </p:nvPr>
+        </p:nvSpPr>
+        <p:spPr/>
+        <p:txBody>
+          <a:bodyPr/>
+          <a:lstStyle/>
+          <a:p>
+            <a:r>
+              <a:t>LISAS by age</a:t>
+            </a:r>
+          </a:p>
+        </p:txBody>
+      </p:sp>
+    </p:spTree>
+  </p:cSld>
+  <p:clrMapOvr>
+    <a:masterClrMapping/>
+  </p:clrMapOvr>
+</p:sld>
+</file>
+
+<file path=ppt/slides/slide17.xml><?xml version="1.0" encoding="utf-8"?>
+<p:sld xmlns:a="http://schemas.openxmlformats.org/drawingml/2006/main" xmlns:p="http://schemas.openxmlformats.org/presentationml/2006/main" xmlns:r="http://schemas.openxmlformats.org/officeDocument/2006/relationships">
+  <p:cSld>
+    <p:spTree>
+      <p:nvGrpSpPr>
+        <p:cNvPr id="1" name=""/>
+        <p:cNvGrpSpPr/>
+        <p:nvPr/>
+      </p:nvGrpSpPr>
+      <p:grpSpPr/>
+      <p:sp>
+        <p:nvSpPr>
+          <p:cNvPr id="2" name="Title 1"/>
+          <p:cNvSpPr>
+            <a:spLocks noGrp="1"/>
+          </p:cNvSpPr>
+          <p:nvPr>
+            <p:ph type="title"/>
+          </p:nvPr>
+        </p:nvSpPr>
+        <p:spPr/>
+        <p:txBody>
+          <a:bodyPr/>
+          <a:lstStyle/>
+          <a:p>
+            <a:r>
+              <a:t>Match Points Number</a:t>
+            </a:r>
+          </a:p>
+        </p:txBody>
+      </p:sp>
+      <p:pic>
+        <p:nvPicPr>
+          <p:cNvPr id="3" name="Picture Placeholder 2" descr="match-points-number-ies-by-age.png"/>
+          <p:cNvPicPr>
+            <a:picLocks noGrp="1" noChangeAspect="1"/>
+          </p:cNvPicPr>
+          <p:nvPr>
+            <p:ph type="pic" idx="13" sz="quarter"/>
+          </p:nvPr>
+        </p:nvPicPr>
+        <p:blipFill>
+          <a:blip r:embed="rId2"/>
+          <a:srcRect l="14" r="14"/>
+          <a:stretch>
+            <a:fillRect/>
+          </a:stretch>
+        </p:blipFill>
+        <p:spPr/>
+      </p:pic>
+      <p:sp>
+        <p:nvSpPr>
+          <p:cNvPr id="4" name="Text Placeholder 3"/>
+          <p:cNvSpPr>
+            <a:spLocks noGrp="1"/>
+          </p:cNvSpPr>
+          <p:nvPr>
+            <p:ph type="body" idx="14" sz="quarter"/>
+          </p:nvPr>
+        </p:nvSpPr>
+        <p:spPr/>
+        <p:txBody>
+          <a:bodyPr/>
+          <a:lstStyle/>
+          <a:p>
+            <a:r>
+              <a:t>IES by age</a:t>
+            </a:r>
+          </a:p>
+        </p:txBody>
+      </p:sp>
+    </p:spTree>
+  </p:cSld>
+  <p:clrMapOvr>
+    <a:masterClrMapping/>
+  </p:clrMapOvr>
+</p:sld>
+</file>
+
+<file path=ppt/slides/slide18.xml><?xml version="1.0" encoding="utf-8"?>
+<p:sld xmlns:a="http://schemas.openxmlformats.org/drawingml/2006/main" xmlns:p="http://schemas.openxmlformats.org/presentationml/2006/main" xmlns:r="http://schemas.openxmlformats.org/officeDocument/2006/relationships">
+  <p:cSld>
+    <p:spTree>
+      <p:nvGrpSpPr>
+        <p:cNvPr id="1" name=""/>
+        <p:cNvGrpSpPr/>
+        <p:nvPr/>
+      </p:nvGrpSpPr>
+      <p:grpSpPr/>
+      <p:sp>
+        <p:nvSpPr>
+          <p:cNvPr id="2" name="Title 1"/>
+          <p:cNvSpPr>
+            <a:spLocks noGrp="1"/>
+          </p:cNvSpPr>
+          <p:nvPr>
+            <p:ph type="title"/>
+          </p:nvPr>
+        </p:nvSpPr>
+        <p:spPr/>
+        <p:txBody>
+          <a:bodyPr/>
+          <a:lstStyle/>
+          <a:p>
+            <a:r>
+              <a:t>Match Points Number</a:t>
+            </a:r>
+          </a:p>
+        </p:txBody>
+      </p:sp>
+      <p:pic>
+        <p:nvPicPr>
+          <p:cNvPr id="3" name="Picture Placeholder 2" descr="match-points-number-rcs-by-age.png"/>
+          <p:cNvPicPr>
+            <a:picLocks noGrp="1" noChangeAspect="1"/>
+          </p:cNvPicPr>
+          <p:nvPr>
+            <p:ph type="pic" idx="13" sz="quarter"/>
+          </p:nvPr>
+        </p:nvPicPr>
+        <p:blipFill>
+          <a:blip r:embed="rId2"/>
+          <a:srcRect l="14" r="14"/>
+          <a:stretch>
+            <a:fillRect/>
+          </a:stretch>
+        </p:blipFill>
+        <p:spPr/>
+      </p:pic>
+      <p:sp>
+        <p:nvSpPr>
+          <p:cNvPr id="4" name="Text Placeholder 3"/>
+          <p:cNvSpPr>
+            <a:spLocks noGrp="1"/>
+          </p:cNvSpPr>
+          <p:nvPr>
+            <p:ph type="body" idx="14" sz="quarter"/>
+          </p:nvPr>
+        </p:nvSpPr>
+        <p:spPr/>
+        <p:txBody>
+          <a:bodyPr/>
+          <a:lstStyle/>
+          <a:p>
+            <a:r>
+              <a:t>RCS by age</a:t>
+            </a:r>
+          </a:p>
+        </p:txBody>
+      </p:sp>
+    </p:spTree>
+  </p:cSld>
+  <p:clrMapOvr>
+    <a:masterClrMapping/>
+  </p:clrMapOvr>
+</p:sld>
+</file>
+
+<file path=ppt/slides/slide19.xml><?xml version="1.0" encoding="utf-8"?>
+<p:sld xmlns:a="http://schemas.openxmlformats.org/drawingml/2006/main" xmlns:p="http://schemas.openxmlformats.org/presentationml/2006/main" xmlns:r="http://schemas.openxmlformats.org/officeDocument/2006/relationships">
+  <p:cSld>
+    <p:spTree>
+      <p:nvGrpSpPr>
+        <p:cNvPr id="1" name=""/>
+        <p:cNvGrpSpPr/>
+        <p:nvPr/>
+      </p:nvGrpSpPr>
+      <p:grpSpPr/>
+      <p:sp>
+        <p:nvSpPr>
+          <p:cNvPr id="2" name="Title 1"/>
+          <p:cNvSpPr>
+            <a:spLocks noGrp="1"/>
+          </p:cNvSpPr>
+          <p:nvPr>
+            <p:ph type="title"/>
+          </p:nvPr>
+        </p:nvSpPr>
+        <p:spPr/>
+        <p:txBody>
+          <a:bodyPr/>
+          <a:lstStyle/>
+          <a:p>
+            <a:r>
+              <a:t>Match Points Number</a:t>
+            </a:r>
+          </a:p>
+        </p:txBody>
+      </p:sp>
+      <p:pic>
+        <p:nvPicPr>
+          <p:cNvPr id="3" name="Picture Placeholder 2" descr="match-points-number_general_rt.png"/>
+          <p:cNvPicPr>
+            <a:picLocks noGrp="1" noChangeAspect="1"/>
+          </p:cNvPicPr>
+          <p:nvPr>
+            <p:ph type="pic" idx="13" sz="quarter"/>
+          </p:nvPr>
+        </p:nvPicPr>
+        <p:blipFill>
+          <a:blip r:embed="rId2"/>
+          <a:srcRect l="14" r="14"/>
+          <a:stretch>
+            <a:fillRect/>
+          </a:stretch>
+        </p:blipFill>
+        <p:spPr/>
+      </p:pic>
+      <p:sp>
+        <p:nvSpPr>
+          <p:cNvPr id="4" name="Text Placeholder 3"/>
+          <p:cNvSpPr>
+            <a:spLocks noGrp="1"/>
+          </p:cNvSpPr>
+          <p:nvPr>
+            <p:ph type="body" idx="14" sz="quarter"/>
+          </p:nvPr>
+        </p:nvSpPr>
+        <p:spPr/>
+        <p:txBody>
+          <a:bodyPr/>
+          <a:lstStyle/>
+          <a:p>
+            <a:r>
+              <a:t>RT by age</a:t>
+            </a:r>
+          </a:p>
+        </p:txBody>
+      </p:sp>
+    </p:spTree>
+  </p:cSld>
+  <p:clrMapOvr>
+    <a:masterClrMapping/>
+  </p:clrMapOvr>
+</p:sld>
+</file>
+
+<file path=ppt/slides/slide2.xml><?xml version="1.0" encoding="utf-8"?>
+<p:sld xmlns:a="http://schemas.openxmlformats.org/drawingml/2006/main" xmlns:p="http://schemas.openxmlformats.org/presentationml/2006/main" xmlns:r="http://schemas.openxmlformats.org/officeDocument/2006/relationships">
+  <p:cSld>
+    <p:spTree>
+      <p:nvGrpSpPr>
+        <p:cNvPr id="1" name=""/>
+        <p:cNvGrpSpPr/>
+        <p:nvPr/>
+      </p:nvGrpSpPr>
+      <p:grpSpPr/>
+      <p:sp>
+        <p:nvSpPr>
+          <p:cNvPr id="2" name="Title 1"/>
+          <p:cNvSpPr>
+            <a:spLocks noGrp="1"/>
+          </p:cNvSpPr>
+          <p:nvPr>
+            <p:ph type="title"/>
+          </p:nvPr>
+        </p:nvSpPr>
+        <p:spPr/>
+        <p:txBody>
+          <a:bodyPr/>
+          <a:lstStyle/>
+          <a:p>
+            <a:r>
+              <a:t>Dots Comparison</a:t>
+            </a:r>
+          </a:p>
+        </p:txBody>
+      </p:sp>
+      <p:pic>
+        <p:nvPicPr>
+          <p:cNvPr id="3" name="Picture Placeholder 2" descr="dots-comparison-ies-by-age.png"/>
+          <p:cNvPicPr>
+            <a:picLocks noGrp="1" noChangeAspect="1"/>
+          </p:cNvPicPr>
+          <p:nvPr>
+            <p:ph type="pic" idx="13" sz="quarter"/>
+          </p:nvPr>
+        </p:nvPicPr>
+        <p:blipFill>
+          <a:blip r:embed="rId2"/>
+          <a:srcRect l="14" r="14"/>
+          <a:stretch>
+            <a:fillRect/>
+          </a:stretch>
+        </p:blipFill>
+        <p:spPr/>
+      </p:pic>
+      <p:sp>
+        <p:nvSpPr>
+          <p:cNvPr id="4" name="Text Placeholder 3"/>
+          <p:cNvSpPr>
+            <a:spLocks noGrp="1"/>
+          </p:cNvSpPr>
+          <p:nvPr>
+            <p:ph type="body" idx="14" sz="quarter"/>
+          </p:nvPr>
+        </p:nvSpPr>
+        <p:spPr/>
+        <p:txBody>
+          <a:bodyPr/>
+          <a:lstStyle/>
+          <a:p>
+            <a:r>
+              <a:t>IES by age</a:t>
+            </a:r>
+          </a:p>
+        </p:txBody>
+      </p:sp>
+    </p:spTree>
+  </p:cSld>
+  <p:clrMapOvr>
+    <a:masterClrMapping/>
+  </p:clrMapOvr>
+</p:sld>
+</file>
+
+<file path=ppt/slides/slide20.xml><?xml version="1.0" encoding="utf-8"?>
+<p:sld xmlns:a="http://schemas.openxmlformats.org/drawingml/2006/main" xmlns:p="http://schemas.openxmlformats.org/presentationml/2006/main" xmlns:r="http://schemas.openxmlformats.org/officeDocument/2006/relationships">
+  <p:cSld>
+    <p:spTree>
+      <p:nvGrpSpPr>
+        <p:cNvPr id="1" name=""/>
+        <p:cNvGrpSpPr/>
+        <p:nvPr/>
+      </p:nvGrpSpPr>
+      <p:grpSpPr/>
+      <p:sp>
+        <p:nvSpPr>
+          <p:cNvPr id="2" name="Title 1"/>
+          <p:cNvSpPr>
+            <a:spLocks noGrp="1"/>
+          </p:cNvSpPr>
+          <p:nvPr>
+            <p:ph type="title"/>
+          </p:nvPr>
+        </p:nvSpPr>
+        <p:spPr/>
+        <p:txBody>
+          <a:bodyPr/>
+          <a:lstStyle/>
+          <a:p>
+            <a:r>
+              <a:t>Match Points Number</a:t>
+            </a:r>
+          </a:p>
+        </p:txBody>
+      </p:sp>
+      <p:pic>
+        <p:nvPicPr>
+          <p:cNvPr id="3" name="Picture Placeholder 2" descr="match-points-number_general_accuracy.png"/>
+          <p:cNvPicPr>
+            <a:picLocks noGrp="1" noChangeAspect="1"/>
+          </p:cNvPicPr>
+          <p:nvPr>
+            <p:ph type="pic" idx="13" sz="quarter"/>
+          </p:nvPr>
+        </p:nvPicPr>
+        <p:blipFill>
+          <a:blip r:embed="rId2"/>
+          <a:srcRect l="14" r="14"/>
+          <a:stretch>
+            <a:fillRect/>
+          </a:stretch>
+        </p:blipFill>
+        <p:spPr/>
+      </p:pic>
+      <p:sp>
+        <p:nvSpPr>
+          <p:cNvPr id="4" name="Text Placeholder 3"/>
+          <p:cNvSpPr>
+            <a:spLocks noGrp="1"/>
+          </p:cNvSpPr>
+          <p:nvPr>
+            <p:ph type="body" idx="14" sz="quarter"/>
+          </p:nvPr>
+        </p:nvSpPr>
+        <p:spPr/>
+        <p:txBody>
+          <a:bodyPr/>
+          <a:lstStyle/>
+          <a:p>
+            <a:r>
+              <a:t>Accuracy by age</a:t>
+            </a:r>
+          </a:p>
+        </p:txBody>
+      </p:sp>
+    </p:spTree>
+  </p:cSld>
+  <p:clrMapOvr>
+    <a:masterClrMapping/>
+  </p:clrMapOvr>
+</p:sld>
+</file>
+
+<file path=ppt/slides/slide21.xml><?xml version="1.0" encoding="utf-8"?>
+<p:sld xmlns:a="http://schemas.openxmlformats.org/drawingml/2006/main" xmlns:p="http://schemas.openxmlformats.org/presentationml/2006/main" xmlns:r="http://schemas.openxmlformats.org/officeDocument/2006/relationships">
+  <p:cSld>
+    <p:spTree>
+      <p:nvGrpSpPr>
+        <p:cNvPr id="1" name=""/>
+        <p:cNvGrpSpPr/>
+        <p:nvPr/>
+      </p:nvGrpSpPr>
+      <p:grpSpPr/>
+      <p:sp>
+        <p:nvSpPr>
+          <p:cNvPr id="2" name="Title 1"/>
+          <p:cNvSpPr>
+            <a:spLocks noGrp="1"/>
+          </p:cNvSpPr>
+          <p:nvPr>
+            <p:ph type="title"/>
+          </p:nvPr>
+        </p:nvSpPr>
+        <p:spPr/>
+        <p:txBody>
+          <a:bodyPr/>
+          <a:lstStyle/>
+          <a:p>
+            <a:r>
+              <a:t>Symbolic Magnitude</a:t>
+            </a:r>
+          </a:p>
+        </p:txBody>
+      </p:sp>
+      <p:pic>
+        <p:nvPicPr>
+          <p:cNvPr id="3" name="Picture Placeholder 2" descr="symbolic-magnitude-lisas-by-age.png"/>
+          <p:cNvPicPr>
+            <a:picLocks noGrp="1" noChangeAspect="1"/>
+          </p:cNvPicPr>
+          <p:nvPr>
+            <p:ph type="pic" idx="13" sz="quarter"/>
+          </p:nvPr>
+        </p:nvPicPr>
+        <p:blipFill>
+          <a:blip r:embed="rId2"/>
+          <a:srcRect l="14" r="14"/>
+          <a:stretch>
+            <a:fillRect/>
+          </a:stretch>
+        </p:blipFill>
+        <p:spPr/>
+      </p:pic>
+      <p:sp>
+        <p:nvSpPr>
+          <p:cNvPr id="4" name="Text Placeholder 3"/>
+          <p:cNvSpPr>
+            <a:spLocks noGrp="1"/>
+          </p:cNvSpPr>
+          <p:nvPr>
+            <p:ph type="body" idx="14" sz="quarter"/>
+          </p:nvPr>
+        </p:nvSpPr>
+        <p:spPr/>
+        <p:txBody>
+          <a:bodyPr/>
+          <a:lstStyle/>
+          <a:p>
+            <a:r>
+              <a:t>LISAS by age</a:t>
+            </a:r>
+          </a:p>
+        </p:txBody>
+      </p:sp>
+    </p:spTree>
+  </p:cSld>
+  <p:clrMapOvr>
+    <a:masterClrMapping/>
+  </p:clrMapOvr>
+</p:sld>
+</file>
+
+<file path=ppt/slides/slide22.xml><?xml version="1.0" encoding="utf-8"?>
+<p:sld xmlns:a="http://schemas.openxmlformats.org/drawingml/2006/main" xmlns:p="http://schemas.openxmlformats.org/presentationml/2006/main" xmlns:r="http://schemas.openxmlformats.org/officeDocument/2006/relationships">
+  <p:cSld>
+    <p:spTree>
+      <p:nvGrpSpPr>
+        <p:cNvPr id="1" name=""/>
+        <p:cNvGrpSpPr/>
+        <p:nvPr/>
+      </p:nvGrpSpPr>
+      <p:grpSpPr/>
+      <p:sp>
+        <p:nvSpPr>
+          <p:cNvPr id="2" name="Title 1"/>
+          <p:cNvSpPr>
+            <a:spLocks noGrp="1"/>
+          </p:cNvSpPr>
+          <p:nvPr>
+            <p:ph type="title"/>
+          </p:nvPr>
+        </p:nvSpPr>
+        <p:spPr/>
+        <p:txBody>
+          <a:bodyPr/>
+          <a:lstStyle/>
+          <a:p>
+            <a:r>
+              <a:t>Symbolic Magnitude</a:t>
+            </a:r>
+          </a:p>
+        </p:txBody>
+      </p:sp>
+      <p:pic>
+        <p:nvPicPr>
+          <p:cNvPr id="3" name="Picture Placeholder 2" descr="symbolic-magnitude-ies-by-age.png"/>
+          <p:cNvPicPr>
+            <a:picLocks noGrp="1" noChangeAspect="1"/>
+          </p:cNvPicPr>
+          <p:nvPr>
+            <p:ph type="pic" idx="13" sz="quarter"/>
+          </p:nvPr>
+        </p:nvPicPr>
+        <p:blipFill>
+          <a:blip r:embed="rId2"/>
+          <a:srcRect l="14" r="14"/>
+          <a:stretch>
+            <a:fillRect/>
+          </a:stretch>
+        </p:blipFill>
+        <p:spPr/>
+      </p:pic>
+      <p:sp>
+        <p:nvSpPr>
+          <p:cNvPr id="4" name="Text Placeholder 3"/>
+          <p:cNvSpPr>
+            <a:spLocks noGrp="1"/>
+          </p:cNvSpPr>
+          <p:nvPr>
+            <p:ph type="body" idx="14" sz="quarter"/>
+          </p:nvPr>
+        </p:nvSpPr>
+        <p:spPr/>
+        <p:txBody>
+          <a:bodyPr/>
+          <a:lstStyle/>
+          <a:p>
+            <a:r>
+              <a:t>IES by age</a:t>
+            </a:r>
+          </a:p>
+        </p:txBody>
+      </p:sp>
+    </p:spTree>
+  </p:cSld>
+  <p:clrMapOvr>
+    <a:masterClrMapping/>
+  </p:clrMapOvr>
+</p:sld>
+</file>
+
+<file path=ppt/slides/slide23.xml><?xml version="1.0" encoding="utf-8"?>
+<p:sld xmlns:a="http://schemas.openxmlformats.org/drawingml/2006/main" xmlns:p="http://schemas.openxmlformats.org/presentationml/2006/main" xmlns:r="http://schemas.openxmlformats.org/officeDocument/2006/relationships">
+  <p:cSld>
+    <p:spTree>
+      <p:nvGrpSpPr>
+        <p:cNvPr id="1" name=""/>
+        <p:cNvGrpSpPr/>
+        <p:nvPr/>
+      </p:nvGrpSpPr>
+      <p:grpSpPr/>
+      <p:sp>
+        <p:nvSpPr>
+          <p:cNvPr id="2" name="Title 1"/>
+          <p:cNvSpPr>
+            <a:spLocks noGrp="1"/>
+          </p:cNvSpPr>
+          <p:nvPr>
+            <p:ph type="title"/>
+          </p:nvPr>
+        </p:nvSpPr>
+        <p:spPr/>
+        <p:txBody>
+          <a:bodyPr/>
+          <a:lstStyle/>
+          <a:p>
+            <a:r>
+              <a:t>Symbolic Magnitude</a:t>
+            </a:r>
+          </a:p>
+        </p:txBody>
+      </p:sp>
+      <p:pic>
+        <p:nvPicPr>
+          <p:cNvPr id="3" name="Picture Placeholder 2" descr="symbolic-magnitude-rcs-by-age.png"/>
+          <p:cNvPicPr>
+            <a:picLocks noGrp="1" noChangeAspect="1"/>
+          </p:cNvPicPr>
+          <p:nvPr>
+            <p:ph type="pic" idx="13" sz="quarter"/>
+          </p:nvPr>
+        </p:nvPicPr>
+        <p:blipFill>
+          <a:blip r:embed="rId2"/>
+          <a:srcRect l="14" r="14"/>
+          <a:stretch>
+            <a:fillRect/>
+          </a:stretch>
+        </p:blipFill>
+        <p:spPr/>
+      </p:pic>
+      <p:sp>
+        <p:nvSpPr>
+          <p:cNvPr id="4" name="Text Placeholder 3"/>
+          <p:cNvSpPr>
+            <a:spLocks noGrp="1"/>
+          </p:cNvSpPr>
+          <p:nvPr>
+            <p:ph type="body" idx="14" sz="quarter"/>
+          </p:nvPr>
+        </p:nvSpPr>
+        <p:spPr/>
+        <p:txBody>
+          <a:bodyPr/>
+          <a:lstStyle/>
+          <a:p>
+            <a:r>
+              <a:t>RCS by age</a:t>
+            </a:r>
+          </a:p>
+        </p:txBody>
+      </p:sp>
+    </p:spTree>
+  </p:cSld>
+  <p:clrMapOvr>
+    <a:masterClrMapping/>
+  </p:clrMapOvr>
+</p:sld>
+</file>
+
+<file path=ppt/slides/slide24.xml><?xml version="1.0" encoding="utf-8"?>
+<p:sld xmlns:a="http://schemas.openxmlformats.org/drawingml/2006/main" xmlns:p="http://schemas.openxmlformats.org/presentationml/2006/main" xmlns:r="http://schemas.openxmlformats.org/officeDocument/2006/relationships">
+  <p:cSld>
+    <p:spTree>
+      <p:nvGrpSpPr>
+        <p:cNvPr id="1" name=""/>
+        <p:cNvGrpSpPr/>
+        <p:nvPr/>
+      </p:nvGrpSpPr>
+      <p:grpSpPr/>
+      <p:sp>
+        <p:nvSpPr>
+          <p:cNvPr id="2" name="Title 1"/>
+          <p:cNvSpPr>
+            <a:spLocks noGrp="1"/>
+          </p:cNvSpPr>
+          <p:nvPr>
+            <p:ph type="title"/>
+          </p:nvPr>
+        </p:nvSpPr>
+        <p:spPr/>
+        <p:txBody>
+          <a:bodyPr/>
+          <a:lstStyle/>
+          <a:p>
+            <a:r>
+              <a:t>Symbolic Magnitude</a:t>
+            </a:r>
+          </a:p>
+        </p:txBody>
+      </p:sp>
+      <p:pic>
+        <p:nvPicPr>
+          <p:cNvPr id="3" name="Picture Placeholder 2" descr="symbolic-magnitude_general_rt.png"/>
+          <p:cNvPicPr>
+            <a:picLocks noGrp="1" noChangeAspect="1"/>
+          </p:cNvPicPr>
+          <p:nvPr>
+            <p:ph type="pic" idx="13" sz="quarter"/>
+          </p:nvPr>
+        </p:nvPicPr>
+        <p:blipFill>
+          <a:blip r:embed="rId2"/>
+          <a:srcRect l="14" r="14"/>
+          <a:stretch>
+            <a:fillRect/>
+          </a:stretch>
+        </p:blipFill>
+        <p:spPr/>
+      </p:pic>
+      <p:sp>
+        <p:nvSpPr>
+          <p:cNvPr id="4" name="Text Placeholder 3"/>
+          <p:cNvSpPr>
+            <a:spLocks noGrp="1"/>
+          </p:cNvSpPr>
+          <p:nvPr>
+            <p:ph type="body" idx="14" sz="quarter"/>
+          </p:nvPr>
+        </p:nvSpPr>
+        <p:spPr/>
+        <p:txBody>
+          <a:bodyPr/>
+          <a:lstStyle/>
+          <a:p>
+            <a:r>
+              <a:t>RT by age</a:t>
+            </a:r>
+          </a:p>
+        </p:txBody>
+      </p:sp>
+    </p:spTree>
+  </p:cSld>
+  <p:clrMapOvr>
+    <a:masterClrMapping/>
+  </p:clrMapOvr>
+</p:sld>
+</file>
+
+<file path=ppt/slides/slide25.xml><?xml version="1.0" encoding="utf-8"?>
+<p:sld xmlns:a="http://schemas.openxmlformats.org/drawingml/2006/main" xmlns:p="http://schemas.openxmlformats.org/presentationml/2006/main" xmlns:r="http://schemas.openxmlformats.org/officeDocument/2006/relationships">
+  <p:cSld>
+    <p:spTree>
+      <p:nvGrpSpPr>
+        <p:cNvPr id="1" name=""/>
+        <p:cNvGrpSpPr/>
+        <p:nvPr/>
+      </p:nvGrpSpPr>
+      <p:grpSpPr/>
+      <p:sp>
+        <p:nvSpPr>
+          <p:cNvPr id="2" name="Title 1"/>
+          <p:cNvSpPr>
+            <a:spLocks noGrp="1"/>
+          </p:cNvSpPr>
+          <p:nvPr>
+            <p:ph type="title"/>
+          </p:nvPr>
+        </p:nvSpPr>
+        <p:spPr/>
+        <p:txBody>
+          <a:bodyPr/>
+          <a:lstStyle/>
+          <a:p>
+            <a:r>
+              <a:t>Symbolic Magnitude</a:t>
+            </a:r>
+          </a:p>
+        </p:txBody>
+      </p:sp>
+      <p:pic>
+        <p:nvPicPr>
+          <p:cNvPr id="3" name="Picture Placeholder 2" descr="symbolic-magnitude_general_accuracy.png"/>
+          <p:cNvPicPr>
+            <a:picLocks noGrp="1" noChangeAspect="1"/>
+          </p:cNvPicPr>
+          <p:nvPr>
+            <p:ph type="pic" idx="13" sz="quarter"/>
+          </p:nvPr>
+        </p:nvPicPr>
+        <p:blipFill>
+          <a:blip r:embed="rId2"/>
+          <a:srcRect l="14" r="14"/>
+          <a:stretch>
+            <a:fillRect/>
+          </a:stretch>
+        </p:blipFill>
+        <p:spPr/>
+      </p:pic>
+      <p:sp>
+        <p:nvSpPr>
+          <p:cNvPr id="4" name="Text Placeholder 3"/>
+          <p:cNvSpPr>
+            <a:spLocks noGrp="1"/>
+          </p:cNvSpPr>
+          <p:nvPr>
+            <p:ph type="body" idx="14" sz="quarter"/>
+          </p:nvPr>
+        </p:nvSpPr>
+        <p:spPr/>
+        <p:txBody>
+          <a:bodyPr/>
+          <a:lstStyle/>
+          <a:p>
+            <a:r>
+              <a:t>Accuracy by age</a:t>
+            </a:r>
+          </a:p>
+        </p:txBody>
+      </p:sp>
+    </p:spTree>
+  </p:cSld>
+  <p:clrMapOvr>
+    <a:masterClrMapping/>
+  </p:clrMapOvr>
+</p:sld>
+</file>
+
+<file path=ppt/slides/slide26.xml><?xml version="1.0" encoding="utf-8"?>
+<p:sld xmlns:a="http://schemas.openxmlformats.org/drawingml/2006/main" xmlns:p="http://schemas.openxmlformats.org/presentationml/2006/main" xmlns:r="http://schemas.openxmlformats.org/officeDocument/2006/relationships">
+  <p:cSld>
+    <p:spTree>
+      <p:nvGrpSpPr>
+        <p:cNvPr id="1" name=""/>
+        <p:cNvGrpSpPr/>
+        <p:nvPr/>
+      </p:nvGrpSpPr>
+      <p:grpSpPr/>
+      <p:sp>
+        <p:nvSpPr>
+          <p:cNvPr id="2" name="Title 1"/>
+          <p:cNvSpPr>
+            <a:spLocks noGrp="1"/>
+          </p:cNvSpPr>
+          <p:nvPr>
+            <p:ph type="title"/>
+          </p:nvPr>
+        </p:nvSpPr>
+        <p:spPr/>
+        <p:txBody>
+          <a:bodyPr/>
+          <a:lstStyle/>
+          <a:p>
+            <a:r>
+              <a:t>Numeric Line</a:t>
+            </a:r>
+          </a:p>
+        </p:txBody>
+      </p:sp>
+      <p:pic>
+        <p:nvPicPr>
+          <p:cNvPr id="3" name="Picture Placeholder 2" descr="numeric-line-lisas-by-age.png"/>
+          <p:cNvPicPr>
+            <a:picLocks noGrp="1" noChangeAspect="1"/>
+          </p:cNvPicPr>
+          <p:nvPr>
+            <p:ph type="pic" idx="13" sz="quarter"/>
+          </p:nvPr>
+        </p:nvPicPr>
+        <p:blipFill>
+          <a:blip r:embed="rId2"/>
+          <a:srcRect l="14" r="14"/>
+          <a:stretch>
+            <a:fillRect/>
+          </a:stretch>
+        </p:blipFill>
+        <p:spPr/>
+      </p:pic>
+      <p:sp>
+        <p:nvSpPr>
+          <p:cNvPr id="4" name="Text Placeholder 3"/>
+          <p:cNvSpPr>
+            <a:spLocks noGrp="1"/>
+          </p:cNvSpPr>
+          <p:nvPr>
+            <p:ph type="body" idx="14" sz="quarter"/>
+          </p:nvPr>
+        </p:nvSpPr>
+        <p:spPr/>
+        <p:txBody>
+          <a:bodyPr/>
+          <a:lstStyle/>
+          <a:p>
+            <a:r>
+              <a:t>LISAS by age</a:t>
+            </a:r>
+          </a:p>
+        </p:txBody>
+      </p:sp>
+    </p:spTree>
+  </p:cSld>
+  <p:clrMapOvr>
+    <a:masterClrMapping/>
+  </p:clrMapOvr>
+</p:sld>
+</file>
+
+<file path=ppt/slides/slide27.xml><?xml version="1.0" encoding="utf-8"?>
+<p:sld xmlns:a="http://schemas.openxmlformats.org/drawingml/2006/main" xmlns:p="http://schemas.openxmlformats.org/presentationml/2006/main" xmlns:r="http://schemas.openxmlformats.org/officeDocument/2006/relationships">
+  <p:cSld>
+    <p:spTree>
+      <p:nvGrpSpPr>
+        <p:cNvPr id="1" name=""/>
+        <p:cNvGrpSpPr/>
+        <p:nvPr/>
+      </p:nvGrpSpPr>
+      <p:grpSpPr/>
+      <p:sp>
+        <p:nvSpPr>
+          <p:cNvPr id="2" name="Title 1"/>
+          <p:cNvSpPr>
+            <a:spLocks noGrp="1"/>
+          </p:cNvSpPr>
+          <p:nvPr>
+            <p:ph type="title"/>
+          </p:nvPr>
+        </p:nvSpPr>
+        <p:spPr/>
+        <p:txBody>
+          <a:bodyPr/>
+          <a:lstStyle/>
+          <a:p>
+            <a:r>
+              <a:t>Numeric Line</a:t>
+            </a:r>
+          </a:p>
+        </p:txBody>
+      </p:sp>
+      <p:pic>
+        <p:nvPicPr>
+          <p:cNvPr id="3" name="Picture Placeholder 2" descr="numeric-line-ies-by-age.png"/>
+          <p:cNvPicPr>
+            <a:picLocks noGrp="1" noChangeAspect="1"/>
+          </p:cNvPicPr>
+          <p:nvPr>
+            <p:ph type="pic" idx="13" sz="quarter"/>
+          </p:nvPr>
+        </p:nvPicPr>
+        <p:blipFill>
+          <a:blip r:embed="rId2"/>
+          <a:srcRect l="14" r="14"/>
+          <a:stretch>
+            <a:fillRect/>
+          </a:stretch>
+        </p:blipFill>
+        <p:spPr/>
+      </p:pic>
+      <p:sp>
+        <p:nvSpPr>
+          <p:cNvPr id="4" name="Text Placeholder 3"/>
+          <p:cNvSpPr>
+            <a:spLocks noGrp="1"/>
+          </p:cNvSpPr>
+          <p:nvPr>
+            <p:ph type="body" idx="14" sz="quarter"/>
+          </p:nvPr>
+        </p:nvSpPr>
+        <p:spPr/>
+        <p:txBody>
+          <a:bodyPr/>
+          <a:lstStyle/>
+          <a:p>
+            <a:r>
+              <a:t>IES by age</a:t>
+            </a:r>
+          </a:p>
+        </p:txBody>
+      </p:sp>
+    </p:spTree>
+  </p:cSld>
+  <p:clrMapOvr>
+    <a:masterClrMapping/>
+  </p:clrMapOvr>
+</p:sld>
+</file>
+
+<file path=ppt/slides/slide28.xml><?xml version="1.0" encoding="utf-8"?>
+<p:sld xmlns:a="http://schemas.openxmlformats.org/drawingml/2006/main" xmlns:p="http://schemas.openxmlformats.org/presentationml/2006/main" xmlns:r="http://schemas.openxmlformats.org/officeDocument/2006/relationships">
+  <p:cSld>
+    <p:spTree>
+      <p:nvGrpSpPr>
+        <p:cNvPr id="1" name=""/>
+        <p:cNvGrpSpPr/>
+        <p:nvPr/>
+      </p:nvGrpSpPr>
+      <p:grpSpPr/>
+      <p:sp>
+        <p:nvSpPr>
+          <p:cNvPr id="2" name="Title 1"/>
+          <p:cNvSpPr>
+            <a:spLocks noGrp="1"/>
+          </p:cNvSpPr>
+          <p:nvPr>
+            <p:ph type="title"/>
+          </p:nvPr>
+        </p:nvSpPr>
+        <p:spPr/>
+        <p:txBody>
+          <a:bodyPr/>
+          <a:lstStyle/>
+          <a:p>
+            <a:r>
+              <a:t>Numeric Line</a:t>
+            </a:r>
+          </a:p>
+        </p:txBody>
+      </p:sp>
+      <p:pic>
+        <p:nvPicPr>
+          <p:cNvPr id="3" name="Picture Placeholder 2" descr="numeric-line-rcs-by-age.png"/>
+          <p:cNvPicPr>
+            <a:picLocks noGrp="1" noChangeAspect="1"/>
+          </p:cNvPicPr>
+          <p:nvPr>
+            <p:ph type="pic" idx="13" sz="quarter"/>
+          </p:nvPr>
+        </p:nvPicPr>
+        <p:blipFill>
+          <a:blip r:embed="rId2"/>
+          <a:srcRect l="14" r="14"/>
+          <a:stretch>
+            <a:fillRect/>
+          </a:stretch>
+        </p:blipFill>
+        <p:spPr/>
+      </p:pic>
+      <p:sp>
+        <p:nvSpPr>
+          <p:cNvPr id="4" name="Text Placeholder 3"/>
+          <p:cNvSpPr>
+            <a:spLocks noGrp="1"/>
+          </p:cNvSpPr>
+          <p:nvPr>
+            <p:ph type="body" idx="14" sz="quarter"/>
+          </p:nvPr>
+        </p:nvSpPr>
+        <p:spPr/>
+        <p:txBody>
+          <a:bodyPr/>
+          <a:lstStyle/>
+          <a:p>
+            <a:r>
+              <a:t>RCS by age</a:t>
+            </a:r>
+          </a:p>
+        </p:txBody>
+      </p:sp>
+    </p:spTree>
+  </p:cSld>
+  <p:clrMapOvr>
+    <a:masterClrMapping/>
+  </p:clrMapOvr>
+</p:sld>
+</file>
+
+<file path=ppt/slides/slide29.xml><?xml version="1.0" encoding="utf-8"?>
+<p:sld xmlns:a="http://schemas.openxmlformats.org/drawingml/2006/main" xmlns:p="http://schemas.openxmlformats.org/presentationml/2006/main" xmlns:r="http://schemas.openxmlformats.org/officeDocument/2006/relationships">
+  <p:cSld>
+    <p:spTree>
+      <p:nvGrpSpPr>
+        <p:cNvPr id="1" name=""/>
+        <p:cNvGrpSpPr/>
+        <p:nvPr/>
+      </p:nvGrpSpPr>
+      <p:grpSpPr/>
+      <p:sp>
+        <p:nvSpPr>
+          <p:cNvPr id="2" name="Title 1"/>
+          <p:cNvSpPr>
+            <a:spLocks noGrp="1"/>
+          </p:cNvSpPr>
+          <p:nvPr>
+            <p:ph type="title"/>
+          </p:nvPr>
+        </p:nvSpPr>
+        <p:spPr/>
+        <p:txBody>
+          <a:bodyPr/>
+          <a:lstStyle/>
+          <a:p>
+            <a:r>
+              <a:t>Numeric Line</a:t>
+            </a:r>
+          </a:p>
+        </p:txBody>
+      </p:sp>
+      <p:pic>
+        <p:nvPicPr>
+          <p:cNvPr id="3" name="Picture Placeholder 2" descr="numeric-line_general_rt.png"/>
+          <p:cNvPicPr>
+            <a:picLocks noGrp="1" noChangeAspect="1"/>
+          </p:cNvPicPr>
+          <p:nvPr>
+            <p:ph type="pic" idx="13" sz="quarter"/>
+          </p:nvPr>
+        </p:nvPicPr>
+        <p:blipFill>
+          <a:blip r:embed="rId2"/>
+          <a:srcRect l="14" r="14"/>
+          <a:stretch>
+            <a:fillRect/>
+          </a:stretch>
+        </p:blipFill>
+        <p:spPr/>
+      </p:pic>
+      <p:sp>
+        <p:nvSpPr>
+          <p:cNvPr id="4" name="Text Placeholder 3"/>
+          <p:cNvSpPr>
+            <a:spLocks noGrp="1"/>
+          </p:cNvSpPr>
+          <p:nvPr>
+            <p:ph type="body" idx="14" sz="quarter"/>
+          </p:nvPr>
+        </p:nvSpPr>
+        <p:spPr/>
+        <p:txBody>
+          <a:bodyPr/>
+          <a:lstStyle/>
+          <a:p>
+            <a:r>
+              <a:t>RT by age</a:t>
+            </a:r>
+          </a:p>
+        </p:txBody>
+      </p:sp>
+    </p:spTree>
+  </p:cSld>
+  <p:clrMapOvr>
+    <a:masterClrMapping/>
+  </p:clrMapOvr>
+</p:sld>
+</file>
+
+<file path=ppt/slides/slide3.xml><?xml version="1.0" encoding="utf-8"?>
+<p:sld xmlns:a="http://schemas.openxmlformats.org/drawingml/2006/main" xmlns:p="http://schemas.openxmlformats.org/presentationml/2006/main" xmlns:r="http://schemas.openxmlformats.org/officeDocument/2006/relationships">
+  <p:cSld>
+    <p:spTree>
+      <p:nvGrpSpPr>
+        <p:cNvPr id="1" name=""/>
+        <p:cNvGrpSpPr/>
+        <p:nvPr/>
+      </p:nvGrpSpPr>
+      <p:grpSpPr/>
+      <p:sp>
+        <p:nvSpPr>
+          <p:cNvPr id="2" name="Title 1"/>
+          <p:cNvSpPr>
+            <a:spLocks noGrp="1"/>
+          </p:cNvSpPr>
+          <p:nvPr>
+            <p:ph type="title"/>
+          </p:nvPr>
+        </p:nvSpPr>
+        <p:spPr/>
+        <p:txBody>
+          <a:bodyPr/>
+          <a:lstStyle/>
+          <a:p>
+            <a:r>
+              <a:t>Dots Comparison</a:t>
+            </a:r>
+          </a:p>
+        </p:txBody>
+      </p:sp>
+      <p:pic>
+        <p:nvPicPr>
+          <p:cNvPr id="3" name="Picture Placeholder 2" descr="dots-comparison-rcs-by-age.png"/>
+          <p:cNvPicPr>
+            <a:picLocks noGrp="1" noChangeAspect="1"/>
+          </p:cNvPicPr>
+          <p:nvPr>
+            <p:ph type="pic" idx="13" sz="quarter"/>
+          </p:nvPr>
+        </p:nvPicPr>
+        <p:blipFill>
+          <a:blip r:embed="rId2"/>
+          <a:srcRect l="14" r="14"/>
+          <a:stretch>
+            <a:fillRect/>
+          </a:stretch>
+        </p:blipFill>
+        <p:spPr/>
+      </p:pic>
+      <p:sp>
+        <p:nvSpPr>
+          <p:cNvPr id="4" name="Text Placeholder 3"/>
+          <p:cNvSpPr>
+            <a:spLocks noGrp="1"/>
+          </p:cNvSpPr>
+          <p:nvPr>
+            <p:ph type="body" idx="14" sz="quarter"/>
+          </p:nvPr>
+        </p:nvSpPr>
+        <p:spPr/>
+        <p:txBody>
+          <a:bodyPr/>
+          <a:lstStyle/>
+          <a:p>
+            <a:r>
+              <a:t>RCS by age</a:t>
+            </a:r>
+          </a:p>
+        </p:txBody>
+      </p:sp>
+    </p:spTree>
+  </p:cSld>
+  <p:clrMapOvr>
+    <a:masterClrMapping/>
+  </p:clrMapOvr>
+</p:sld>
+</file>
+
+<file path=ppt/slides/slide30.xml><?xml version="1.0" encoding="utf-8"?>
+<p:sld xmlns:a="http://schemas.openxmlformats.org/drawingml/2006/main" xmlns:p="http://schemas.openxmlformats.org/presentationml/2006/main" xmlns:r="http://schemas.openxmlformats.org/officeDocument/2006/relationships">
+  <p:cSld>
+    <p:spTree>
+      <p:nvGrpSpPr>
+        <p:cNvPr id="1" name=""/>
+        <p:cNvGrpSpPr/>
+        <p:nvPr/>
+      </p:nvGrpSpPr>
+      <p:grpSpPr/>
+      <p:sp>
+        <p:nvSpPr>
+          <p:cNvPr id="2" name="Title 1"/>
+          <p:cNvSpPr>
+            <a:spLocks noGrp="1"/>
+          </p:cNvSpPr>
+          <p:nvPr>
+            <p:ph type="title"/>
+          </p:nvPr>
+        </p:nvSpPr>
+        <p:spPr/>
+        <p:txBody>
+          <a:bodyPr/>
+          <a:lstStyle/>
+          <a:p>
+            <a:r>
+              <a:t>Numeric Line</a:t>
+            </a:r>
+          </a:p>
+        </p:txBody>
+      </p:sp>
+      <p:pic>
+        <p:nvPicPr>
+          <p:cNvPr id="3" name="Picture Placeholder 2" descr="numeric-line_general_accuracy.png"/>
+          <p:cNvPicPr>
+            <a:picLocks noGrp="1" noChangeAspect="1"/>
+          </p:cNvPicPr>
+          <p:nvPr>
+            <p:ph type="pic" idx="13" sz="quarter"/>
+          </p:nvPr>
+        </p:nvPicPr>
+        <p:blipFill>
+          <a:blip r:embed="rId2"/>
+          <a:srcRect l="14" r="14"/>
+          <a:stretch>
+            <a:fillRect/>
+          </a:stretch>
+        </p:blipFill>
+        <p:spPr/>
+      </p:pic>
+      <p:sp>
+        <p:nvSpPr>
+          <p:cNvPr id="4" name="Text Placeholder 3"/>
+          <p:cNvSpPr>
+            <a:spLocks noGrp="1"/>
+          </p:cNvSpPr>
+          <p:nvPr>
+            <p:ph type="body" idx="14" sz="quarter"/>
+          </p:nvPr>
+        </p:nvSpPr>
+        <p:spPr/>
+        <p:txBody>
+          <a:bodyPr/>
+          <a:lstStyle/>
+          <a:p>
+            <a:r>
+              <a:t>Accuracy by age</a:t>
+            </a:r>
+          </a:p>
+        </p:txBody>
+      </p:sp>
+    </p:spTree>
+  </p:cSld>
+  <p:clrMapOvr>
+    <a:masterClrMapping/>
+  </p:clrMapOvr>
+</p:sld>
+</file>
+
+<file path=ppt/slides/slide31.xml><?xml version="1.0" encoding="utf-8"?>
+<p:sld xmlns:a="http://schemas.openxmlformats.org/drawingml/2006/main" xmlns:p="http://schemas.openxmlformats.org/presentationml/2006/main" xmlns:r="http://schemas.openxmlformats.org/officeDocument/2006/relationships">
+  <p:cSld>
+    <p:spTree>
+      <p:nvGrpSpPr>
+        <p:cNvPr id="1" name=""/>
+        <p:cNvGrpSpPr/>
+        <p:nvPr/>
+      </p:nvGrpSpPr>
+      <p:grpSpPr/>
+      <p:sp>
+        <p:nvSpPr>
+          <p:cNvPr id="2" name="Title 1"/>
+          <p:cNvSpPr>
+            <a:spLocks noGrp="1"/>
+          </p:cNvSpPr>
+          <p:nvPr>
+            <p:ph type="title"/>
+          </p:nvPr>
+        </p:nvSpPr>
+        <p:spPr/>
+        <p:txBody>
+          <a:bodyPr/>
+          <a:lstStyle/>
+          <a:p>
+            <a:r>
+              <a:t>Counting Forward</a:t>
+            </a:r>
+          </a:p>
+        </p:txBody>
+      </p:sp>
+      <p:pic>
+        <p:nvPicPr>
+          <p:cNvPr id="3" name="Picture Placeholder 2" descr="counting-forward-lisas-by-age.png"/>
+          <p:cNvPicPr>
+            <a:picLocks noGrp="1" noChangeAspect="1"/>
+          </p:cNvPicPr>
+          <p:nvPr>
+            <p:ph type="pic" idx="13" sz="quarter"/>
+          </p:nvPr>
+        </p:nvPicPr>
+        <p:blipFill>
+          <a:blip r:embed="rId2"/>
+          <a:srcRect l="14" r="14"/>
+          <a:stretch>
+            <a:fillRect/>
+          </a:stretch>
+        </p:blipFill>
+        <p:spPr/>
+      </p:pic>
+      <p:sp>
+        <p:nvSpPr>
+          <p:cNvPr id="4" name="Text Placeholder 3"/>
+          <p:cNvSpPr>
+            <a:spLocks noGrp="1"/>
+          </p:cNvSpPr>
+          <p:nvPr>
+            <p:ph type="body" idx="14" sz="quarter"/>
+          </p:nvPr>
+        </p:nvSpPr>
+        <p:spPr/>
+        <p:txBody>
+          <a:bodyPr/>
+          <a:lstStyle/>
+          <a:p>
+            <a:r>
+              <a:t>LISAS by age</a:t>
+            </a:r>
+          </a:p>
+        </p:txBody>
+      </p:sp>
+    </p:spTree>
+  </p:cSld>
+  <p:clrMapOvr>
+    <a:masterClrMapping/>
+  </p:clrMapOvr>
+</p:sld>
+</file>
+
+<file path=ppt/slides/slide32.xml><?xml version="1.0" encoding="utf-8"?>
+<p:sld xmlns:a="http://schemas.openxmlformats.org/drawingml/2006/main" xmlns:p="http://schemas.openxmlformats.org/presentationml/2006/main" xmlns:r="http://schemas.openxmlformats.org/officeDocument/2006/relationships">
+  <p:cSld>
+    <p:spTree>
+      <p:nvGrpSpPr>
+        <p:cNvPr id="1" name=""/>
+        <p:cNvGrpSpPr/>
+        <p:nvPr/>
+      </p:nvGrpSpPr>
+      <p:grpSpPr/>
+      <p:sp>
+        <p:nvSpPr>
+          <p:cNvPr id="2" name="Title 1"/>
+          <p:cNvSpPr>
+            <a:spLocks noGrp="1"/>
+          </p:cNvSpPr>
+          <p:nvPr>
+            <p:ph type="title"/>
+          </p:nvPr>
+        </p:nvSpPr>
+        <p:spPr/>
+        <p:txBody>
+          <a:bodyPr/>
+          <a:lstStyle/>
+          <a:p>
+            <a:r>
+              <a:t>Counting Forward</a:t>
+            </a:r>
+          </a:p>
+        </p:txBody>
+      </p:sp>
+      <p:pic>
+        <p:nvPicPr>
+          <p:cNvPr id="3" name="Picture Placeholder 2" descr="counting-forward-ies-by-age.png"/>
+          <p:cNvPicPr>
+            <a:picLocks noGrp="1" noChangeAspect="1"/>
+          </p:cNvPicPr>
+          <p:nvPr>
+            <p:ph type="pic" idx="13" sz="quarter"/>
+          </p:nvPr>
+        </p:nvPicPr>
+        <p:blipFill>
+          <a:blip r:embed="rId2"/>
+          <a:srcRect l="14" r="14"/>
+          <a:stretch>
+            <a:fillRect/>
+          </a:stretch>
+        </p:blipFill>
+        <p:spPr/>
+      </p:pic>
+      <p:sp>
+        <p:nvSpPr>
+          <p:cNvPr id="4" name="Text Placeholder 3"/>
+          <p:cNvSpPr>
+            <a:spLocks noGrp="1"/>
+          </p:cNvSpPr>
+          <p:nvPr>
+            <p:ph type="body" idx="14" sz="quarter"/>
+          </p:nvPr>
+        </p:nvSpPr>
+        <p:spPr/>
+        <p:txBody>
+          <a:bodyPr/>
+          <a:lstStyle/>
+          <a:p>
+            <a:r>
+              <a:t>IES by age</a:t>
+            </a:r>
+          </a:p>
+        </p:txBody>
+      </p:sp>
+    </p:spTree>
+  </p:cSld>
+  <p:clrMapOvr>
+    <a:masterClrMapping/>
+  </p:clrMapOvr>
+</p:sld>
+</file>
+
+<file path=ppt/slides/slide33.xml><?xml version="1.0" encoding="utf-8"?>
+<p:sld xmlns:a="http://schemas.openxmlformats.org/drawingml/2006/main" xmlns:p="http://schemas.openxmlformats.org/presentationml/2006/main" xmlns:r="http://schemas.openxmlformats.org/officeDocument/2006/relationships">
+  <p:cSld>
+    <p:spTree>
+      <p:nvGrpSpPr>
+        <p:cNvPr id="1" name=""/>
+        <p:cNvGrpSpPr/>
+        <p:nvPr/>
+      </p:nvGrpSpPr>
+      <p:grpSpPr/>
+      <p:sp>
+        <p:nvSpPr>
+          <p:cNvPr id="2" name="Title 1"/>
+          <p:cNvSpPr>
+            <a:spLocks noGrp="1"/>
+          </p:cNvSpPr>
+          <p:nvPr>
+            <p:ph type="title"/>
+          </p:nvPr>
+        </p:nvSpPr>
+        <p:spPr/>
+        <p:txBody>
+          <a:bodyPr/>
+          <a:lstStyle/>
+          <a:p>
+            <a:r>
+              <a:t>Counting Forward</a:t>
+            </a:r>
+          </a:p>
+        </p:txBody>
+      </p:sp>
+      <p:pic>
+        <p:nvPicPr>
+          <p:cNvPr id="3" name="Picture Placeholder 2" descr="counting-forward-rcs-by-age.png"/>
+          <p:cNvPicPr>
+            <a:picLocks noGrp="1" noChangeAspect="1"/>
+          </p:cNvPicPr>
+          <p:nvPr>
+            <p:ph type="pic" idx="13" sz="quarter"/>
+          </p:nvPr>
+        </p:nvPicPr>
+        <p:blipFill>
+          <a:blip r:embed="rId2"/>
+          <a:srcRect l="14" r="14"/>
+          <a:stretch>
+            <a:fillRect/>
+          </a:stretch>
+        </p:blipFill>
+        <p:spPr/>
+      </p:pic>
+      <p:sp>
+        <p:nvSpPr>
+          <p:cNvPr id="4" name="Text Placeholder 3"/>
+          <p:cNvSpPr>
+            <a:spLocks noGrp="1"/>
+          </p:cNvSpPr>
+          <p:nvPr>
+            <p:ph type="body" idx="14" sz="quarter"/>
+          </p:nvPr>
+        </p:nvSpPr>
+        <p:spPr/>
+        <p:txBody>
+          <a:bodyPr/>
+          <a:lstStyle/>
+          <a:p>
+            <a:r>
+              <a:t>RCS by age</a:t>
+            </a:r>
+          </a:p>
+        </p:txBody>
+      </p:sp>
+    </p:spTree>
+  </p:cSld>
+  <p:clrMapOvr>
+    <a:masterClrMapping/>
+  </p:clrMapOvr>
+</p:sld>
+</file>
+
+<file path=ppt/slides/slide34.xml><?xml version="1.0" encoding="utf-8"?>
+<p:sld xmlns:a="http://schemas.openxmlformats.org/drawingml/2006/main" xmlns:p="http://schemas.openxmlformats.org/presentationml/2006/main" xmlns:r="http://schemas.openxmlformats.org/officeDocument/2006/relationships">
+  <p:cSld>
+    <p:spTree>
+      <p:nvGrpSpPr>
+        <p:cNvPr id="1" name=""/>
+        <p:cNvGrpSpPr/>
+        <p:nvPr/>
+      </p:nvGrpSpPr>
+      <p:grpSpPr/>
+      <p:sp>
+        <p:nvSpPr>
+          <p:cNvPr id="2" name="Title 1"/>
+          <p:cNvSpPr>
+            <a:spLocks noGrp="1"/>
+          </p:cNvSpPr>
+          <p:nvPr>
+            <p:ph type="title"/>
+          </p:nvPr>
+        </p:nvSpPr>
+        <p:spPr/>
+        <p:txBody>
+          <a:bodyPr/>
+          <a:lstStyle/>
+          <a:p>
+            <a:r>
+              <a:t>Counting Forward</a:t>
+            </a:r>
+          </a:p>
+        </p:txBody>
+      </p:sp>
+      <p:pic>
+        <p:nvPicPr>
+          <p:cNvPr id="3" name="Picture Placeholder 2" descr="counting-forward_general_rt.png"/>
+          <p:cNvPicPr>
+            <a:picLocks noGrp="1" noChangeAspect="1"/>
+          </p:cNvPicPr>
+          <p:nvPr>
+            <p:ph type="pic" idx="13" sz="quarter"/>
+          </p:nvPr>
+        </p:nvPicPr>
+        <p:blipFill>
+          <a:blip r:embed="rId2"/>
+          <a:srcRect l="14" r="14"/>
+          <a:stretch>
+            <a:fillRect/>
+          </a:stretch>
+        </p:blipFill>
+        <p:spPr/>
+      </p:pic>
+      <p:sp>
+        <p:nvSpPr>
+          <p:cNvPr id="4" name="Text Placeholder 3"/>
+          <p:cNvSpPr>
+            <a:spLocks noGrp="1"/>
+          </p:cNvSpPr>
+          <p:nvPr>
+            <p:ph type="body" idx="14" sz="quarter"/>
+          </p:nvPr>
+        </p:nvSpPr>
+        <p:spPr/>
+        <p:txBody>
+          <a:bodyPr/>
+          <a:lstStyle/>
+          <a:p>
+            <a:r>
+              <a:t>RT by age</a:t>
+            </a:r>
+          </a:p>
+        </p:txBody>
+      </p:sp>
+    </p:spTree>
+  </p:cSld>
+  <p:clrMapOvr>
+    <a:masterClrMapping/>
+  </p:clrMapOvr>
+</p:sld>
+</file>
+
+<file path=ppt/slides/slide35.xml><?xml version="1.0" encoding="utf-8"?>
+<p:sld xmlns:a="http://schemas.openxmlformats.org/drawingml/2006/main" xmlns:p="http://schemas.openxmlformats.org/presentationml/2006/main" xmlns:r="http://schemas.openxmlformats.org/officeDocument/2006/relationships">
+  <p:cSld>
+    <p:spTree>
+      <p:nvGrpSpPr>
+        <p:cNvPr id="1" name=""/>
+        <p:cNvGrpSpPr/>
+        <p:nvPr/>
+      </p:nvGrpSpPr>
+      <p:grpSpPr/>
+      <p:sp>
+        <p:nvSpPr>
+          <p:cNvPr id="2" name="Title 1"/>
+          <p:cNvSpPr>
+            <a:spLocks noGrp="1"/>
+          </p:cNvSpPr>
+          <p:nvPr>
+            <p:ph type="title"/>
+          </p:nvPr>
+        </p:nvSpPr>
+        <p:spPr/>
+        <p:txBody>
+          <a:bodyPr/>
+          <a:lstStyle/>
+          <a:p>
+            <a:r>
+              <a:t>Counting Forward</a:t>
+            </a:r>
+          </a:p>
+        </p:txBody>
+      </p:sp>
+      <p:pic>
+        <p:nvPicPr>
+          <p:cNvPr id="3" name="Picture Placeholder 2" descr="counting-forward_general_accuracy.png"/>
+          <p:cNvPicPr>
+            <a:picLocks noGrp="1" noChangeAspect="1"/>
+          </p:cNvPicPr>
+          <p:nvPr>
+            <p:ph type="pic" idx="13" sz="quarter"/>
+          </p:nvPr>
+        </p:nvPicPr>
+        <p:blipFill>
+          <a:blip r:embed="rId2"/>
+          <a:srcRect l="14" r="14"/>
+          <a:stretch>
+            <a:fillRect/>
+          </a:stretch>
+        </p:blipFill>
+        <p:spPr/>
+      </p:pic>
+      <p:sp>
+        <p:nvSpPr>
+          <p:cNvPr id="4" name="Text Placeholder 3"/>
+          <p:cNvSpPr>
+            <a:spLocks noGrp="1"/>
+          </p:cNvSpPr>
+          <p:nvPr>
+            <p:ph type="body" idx="14" sz="quarter"/>
+          </p:nvPr>
+        </p:nvSpPr>
+        <p:spPr/>
+        <p:txBody>
+          <a:bodyPr/>
+          <a:lstStyle/>
+          <a:p>
+            <a:r>
+              <a:t>Accuracy by age</a:t>
+            </a:r>
+          </a:p>
+        </p:txBody>
+      </p:sp>
+    </p:spTree>
+  </p:cSld>
+  <p:clrMapOvr>
+    <a:masterClrMapping/>
+  </p:clrMapOvr>
+</p:sld>
+</file>
+
+<file path=ppt/slides/slide36.xml><?xml version="1.0" encoding="utf-8"?>
+<p:sld xmlns:a="http://schemas.openxmlformats.org/drawingml/2006/main" xmlns:p="http://schemas.openxmlformats.org/presentationml/2006/main" xmlns:r="http://schemas.openxmlformats.org/officeDocument/2006/relationships">
+  <p:cSld>
+    <p:spTree>
+      <p:nvGrpSpPr>
+        <p:cNvPr id="1" name=""/>
+        <p:cNvGrpSpPr/>
+        <p:nvPr/>
+      </p:nvGrpSpPr>
+      <p:grpSpPr/>
+      <p:sp>
+        <p:nvSpPr>
+          <p:cNvPr id="2" name="Title 1"/>
+          <p:cNvSpPr>
+            <a:spLocks noGrp="1"/>
+          </p:cNvSpPr>
+          <p:nvPr>
+            <p:ph type="title"/>
+          </p:nvPr>
+        </p:nvSpPr>
+        <p:spPr/>
+        <p:txBody>
+          <a:bodyPr/>
+          <a:lstStyle/>
+          <a:p>
+            <a:r>
+              <a:t>Counting Backward</a:t>
+            </a:r>
+          </a:p>
+        </p:txBody>
+      </p:sp>
+      <p:pic>
+        <p:nvPicPr>
+          <p:cNvPr id="3" name="Picture Placeholder 2" descr="counting-backward-lisas-by-age.png"/>
+          <p:cNvPicPr>
+            <a:picLocks noGrp="1" noChangeAspect="1"/>
+          </p:cNvPicPr>
+          <p:nvPr>
+            <p:ph type="pic" idx="13" sz="quarter"/>
+          </p:nvPr>
+        </p:nvPicPr>
+        <p:blipFill>
+          <a:blip r:embed="rId2"/>
+          <a:srcRect l="14" r="14"/>
+          <a:stretch>
+            <a:fillRect/>
+          </a:stretch>
+        </p:blipFill>
+        <p:spPr/>
+      </p:pic>
+      <p:sp>
+        <p:nvSpPr>
+          <p:cNvPr id="4" name="Text Placeholder 3"/>
+          <p:cNvSpPr>
+            <a:spLocks noGrp="1"/>
+          </p:cNvSpPr>
+          <p:nvPr>
+            <p:ph type="body" idx="14" sz="quarter"/>
+          </p:nvPr>
+        </p:nvSpPr>
+        <p:spPr/>
+        <p:txBody>
+          <a:bodyPr/>
+          <a:lstStyle/>
+          <a:p>
+            <a:r>
+              <a:t>LISAS by age</a:t>
+            </a:r>
+          </a:p>
+        </p:txBody>
+      </p:sp>
+    </p:spTree>
+  </p:cSld>
+  <p:clrMapOvr>
+    <a:masterClrMapping/>
+  </p:clrMapOvr>
+</p:sld>
+</file>
+
+<file path=ppt/slides/slide37.xml><?xml version="1.0" encoding="utf-8"?>
+<p:sld xmlns:a="http://schemas.openxmlformats.org/drawingml/2006/main" xmlns:p="http://schemas.openxmlformats.org/presentationml/2006/main" xmlns:r="http://schemas.openxmlformats.org/officeDocument/2006/relationships">
+  <p:cSld>
+    <p:spTree>
+      <p:nvGrpSpPr>
+        <p:cNvPr id="1" name=""/>
+        <p:cNvGrpSpPr/>
+        <p:nvPr/>
+      </p:nvGrpSpPr>
+      <p:grpSpPr/>
+      <p:sp>
+        <p:nvSpPr>
+          <p:cNvPr id="2" name="Title 1"/>
+          <p:cNvSpPr>
+            <a:spLocks noGrp="1"/>
+          </p:cNvSpPr>
+          <p:nvPr>
+            <p:ph type="title"/>
+          </p:nvPr>
+        </p:nvSpPr>
+        <p:spPr/>
+        <p:txBody>
+          <a:bodyPr/>
+          <a:lstStyle/>
+          <a:p>
+            <a:r>
+              <a:t>Counting Backward</a:t>
+            </a:r>
+          </a:p>
+        </p:txBody>
+      </p:sp>
+      <p:pic>
+        <p:nvPicPr>
+          <p:cNvPr id="3" name="Picture Placeholder 2" descr="counting-backward-ies-by-age.png"/>
+          <p:cNvPicPr>
+            <a:picLocks noGrp="1" noChangeAspect="1"/>
+          </p:cNvPicPr>
+          <p:nvPr>
+            <p:ph type="pic" idx="13" sz="quarter"/>
+          </p:nvPr>
+        </p:nvPicPr>
+        <p:blipFill>
+          <a:blip r:embed="rId2"/>
+          <a:srcRect l="14" r="14"/>
+          <a:stretch>
+            <a:fillRect/>
+          </a:stretch>
+        </p:blipFill>
+        <p:spPr/>
+      </p:pic>
+      <p:sp>
+        <p:nvSpPr>
+          <p:cNvPr id="4" name="Text Placeholder 3"/>
+          <p:cNvSpPr>
+            <a:spLocks noGrp="1"/>
+          </p:cNvSpPr>
+          <p:nvPr>
+            <p:ph type="body" idx="14" sz="quarter"/>
+          </p:nvPr>
+        </p:nvSpPr>
+        <p:spPr/>
+        <p:txBody>
+          <a:bodyPr/>
+          <a:lstStyle/>
+          <a:p>
+            <a:r>
+              <a:t>IES by age</a:t>
+            </a:r>
+          </a:p>
+        </p:txBody>
+      </p:sp>
+    </p:spTree>
+  </p:cSld>
+  <p:clrMapOvr>
+    <a:masterClrMapping/>
+  </p:clrMapOvr>
+</p:sld>
+</file>
+
+<file path=ppt/slides/slide38.xml><?xml version="1.0" encoding="utf-8"?>
+<p:sld xmlns:a="http://schemas.openxmlformats.org/drawingml/2006/main" xmlns:p="http://schemas.openxmlformats.org/presentationml/2006/main" xmlns:r="http://schemas.openxmlformats.org/officeDocument/2006/relationships">
+  <p:cSld>
+    <p:spTree>
+      <p:nvGrpSpPr>
+        <p:cNvPr id="1" name=""/>
+        <p:cNvGrpSpPr/>
+        <p:nvPr/>
+      </p:nvGrpSpPr>
+      <p:grpSpPr/>
+      <p:sp>
+        <p:nvSpPr>
+          <p:cNvPr id="2" name="Title 1"/>
+          <p:cNvSpPr>
+            <a:spLocks noGrp="1"/>
+          </p:cNvSpPr>
+          <p:nvPr>
+            <p:ph type="title"/>
+          </p:nvPr>
+        </p:nvSpPr>
+        <p:spPr/>
+        <p:txBody>
+          <a:bodyPr/>
+          <a:lstStyle/>
+          <a:p>
+            <a:r>
+              <a:t>Counting Backward</a:t>
+            </a:r>
+          </a:p>
+        </p:txBody>
+      </p:sp>
+      <p:pic>
+        <p:nvPicPr>
+          <p:cNvPr id="3" name="Picture Placeholder 2" descr="counting-backward-rcs-by-age.png"/>
+          <p:cNvPicPr>
+            <a:picLocks noGrp="1" noChangeAspect="1"/>
+          </p:cNvPicPr>
+          <p:nvPr>
+            <p:ph type="pic" idx="13" sz="quarter"/>
+          </p:nvPr>
+        </p:nvPicPr>
+        <p:blipFill>
+          <a:blip r:embed="rId2"/>
+          <a:srcRect l="14" r="14"/>
+          <a:stretch>
+            <a:fillRect/>
+          </a:stretch>
+        </p:blipFill>
+        <p:spPr/>
+      </p:pic>
+      <p:sp>
+        <p:nvSpPr>
+          <p:cNvPr id="4" name="Text Placeholder 3"/>
+          <p:cNvSpPr>
+            <a:spLocks noGrp="1"/>
+          </p:cNvSpPr>
+          <p:nvPr>
+            <p:ph type="body" idx="14" sz="quarter"/>
+          </p:nvPr>
+        </p:nvSpPr>
+        <p:spPr/>
+        <p:txBody>
+          <a:bodyPr/>
+          <a:lstStyle/>
+          <a:p>
+            <a:r>
+              <a:t>RCS by age</a:t>
+            </a:r>
+          </a:p>
+        </p:txBody>
+      </p:sp>
+    </p:spTree>
+  </p:cSld>
+  <p:clrMapOvr>
+    <a:masterClrMapping/>
+  </p:clrMapOvr>
+</p:sld>
+</file>
+
+<file path=ppt/slides/slide39.xml><?xml version="1.0" encoding="utf-8"?>
+<p:sld xmlns:a="http://schemas.openxmlformats.org/drawingml/2006/main" xmlns:p="http://schemas.openxmlformats.org/presentationml/2006/main" xmlns:r="http://schemas.openxmlformats.org/officeDocument/2006/relationships">
+  <p:cSld>
+    <p:spTree>
+      <p:nvGrpSpPr>
+        <p:cNvPr id="1" name=""/>
+        <p:cNvGrpSpPr/>
+        <p:nvPr/>
+      </p:nvGrpSpPr>
+      <p:grpSpPr/>
+      <p:sp>
+        <p:nvSpPr>
+          <p:cNvPr id="2" name="Title 1"/>
+          <p:cNvSpPr>
+            <a:spLocks noGrp="1"/>
+          </p:cNvSpPr>
+          <p:nvPr>
+            <p:ph type="title"/>
+          </p:nvPr>
+        </p:nvSpPr>
+        <p:spPr/>
+        <p:txBody>
+          <a:bodyPr/>
+          <a:lstStyle/>
+          <a:p>
+            <a:r>
+              <a:t>Counting Backward</a:t>
+            </a:r>
+          </a:p>
+        </p:txBody>
+      </p:sp>
+      <p:pic>
+        <p:nvPicPr>
+          <p:cNvPr id="3" name="Picture Placeholder 2" descr="counting-backward_general_rt.png"/>
+          <p:cNvPicPr>
+            <a:picLocks noGrp="1" noChangeAspect="1"/>
+          </p:cNvPicPr>
+          <p:nvPr>
+            <p:ph type="pic" idx="13" sz="quarter"/>
+          </p:nvPr>
+        </p:nvPicPr>
+        <p:blipFill>
+          <a:blip r:embed="rId2"/>
+          <a:srcRect l="14" r="14"/>
+          <a:stretch>
+            <a:fillRect/>
+          </a:stretch>
+        </p:blipFill>
+        <p:spPr/>
+      </p:pic>
+      <p:sp>
+        <p:nvSpPr>
+          <p:cNvPr id="4" name="Text Placeholder 3"/>
+          <p:cNvSpPr>
+            <a:spLocks noGrp="1"/>
+          </p:cNvSpPr>
+          <p:nvPr>
+            <p:ph type="body" idx="14" sz="quarter"/>
+          </p:nvPr>
+        </p:nvSpPr>
+        <p:spPr/>
+        <p:txBody>
+          <a:bodyPr/>
+          <a:lstStyle/>
+          <a:p>
+            <a:r>
+              <a:t>RT by age</a:t>
+            </a:r>
+          </a:p>
+        </p:txBody>
+      </p:sp>
+    </p:spTree>
+  </p:cSld>
+  <p:clrMapOvr>
+    <a:masterClrMapping/>
+  </p:clrMapOvr>
+</p:sld>
+</file>
+
+<file path=ppt/slides/slide4.xml><?xml version="1.0" encoding="utf-8"?>
+<p:sld xmlns:a="http://schemas.openxmlformats.org/drawingml/2006/main" xmlns:p="http://schemas.openxmlformats.org/presentationml/2006/main" xmlns:r="http://schemas.openxmlformats.org/officeDocument/2006/relationships">
+  <p:cSld>
+    <p:spTree>
+      <p:nvGrpSpPr>
+        <p:cNvPr id="1" name=""/>
+        <p:cNvGrpSpPr/>
+        <p:nvPr/>
+      </p:nvGrpSpPr>
+      <p:grpSpPr/>
+      <p:sp>
+        <p:nvSpPr>
+          <p:cNvPr id="2" name="Title 1"/>
+          <p:cNvSpPr>
+            <a:spLocks noGrp="1"/>
+          </p:cNvSpPr>
+          <p:nvPr>
+            <p:ph type="title"/>
+          </p:nvPr>
+        </p:nvSpPr>
+        <p:spPr/>
+        <p:txBody>
+          <a:bodyPr/>
+          <a:lstStyle/>
+          <a:p>
+            <a:r>
+              <a:t>Dots Comparison</a:t>
+            </a:r>
+          </a:p>
+        </p:txBody>
+      </p:sp>
+      <p:pic>
+        <p:nvPicPr>
+          <p:cNvPr id="3" name="Picture Placeholder 2" descr="dots-comparison_general_rt.png"/>
+          <p:cNvPicPr>
+            <a:picLocks noGrp="1" noChangeAspect="1"/>
+          </p:cNvPicPr>
+          <p:nvPr>
+            <p:ph type="pic" idx="13" sz="quarter"/>
+          </p:nvPr>
+        </p:nvPicPr>
+        <p:blipFill>
+          <a:blip r:embed="rId2"/>
+          <a:srcRect l="14" r="14"/>
+          <a:stretch>
+            <a:fillRect/>
+          </a:stretch>
+        </p:blipFill>
+        <p:spPr/>
+      </p:pic>
+      <p:sp>
+        <p:nvSpPr>
+          <p:cNvPr id="4" name="Text Placeholder 3"/>
+          <p:cNvSpPr>
+            <a:spLocks noGrp="1"/>
+          </p:cNvSpPr>
+          <p:nvPr>
+            <p:ph type="body" idx="14" sz="quarter"/>
+          </p:nvPr>
+        </p:nvSpPr>
+        <p:spPr/>
+        <p:txBody>
+          <a:bodyPr/>
+          <a:lstStyle/>
+          <a:p>
+            <a:r>
+              <a:t>RT by age</a:t>
+            </a:r>
+          </a:p>
+        </p:txBody>
+      </p:sp>
+    </p:spTree>
+  </p:cSld>
+  <p:clrMapOvr>
+    <a:masterClrMapping/>
+  </p:clrMapOvr>
+</p:sld>
+</file>
+
+<file path=ppt/slides/slide40.xml><?xml version="1.0" encoding="utf-8"?>
+<p:sld xmlns:a="http://schemas.openxmlformats.org/drawingml/2006/main" xmlns:p="http://schemas.openxmlformats.org/presentationml/2006/main" xmlns:r="http://schemas.openxmlformats.org/officeDocument/2006/relationships">
+  <p:cSld>
+    <p:spTree>
+      <p:nvGrpSpPr>
+        <p:cNvPr id="1" name=""/>
+        <p:cNvGrpSpPr/>
+        <p:nvPr/>
+      </p:nvGrpSpPr>
+      <p:grpSpPr/>
+      <p:sp>
+        <p:nvSpPr>
+          <p:cNvPr id="2" name="Title 1"/>
+          <p:cNvSpPr>
+            <a:spLocks noGrp="1"/>
+          </p:cNvSpPr>
+          <p:nvPr>
+            <p:ph type="title"/>
+          </p:nvPr>
+        </p:nvSpPr>
+        <p:spPr/>
+        <p:txBody>
+          <a:bodyPr/>
+          <a:lstStyle/>
+          <a:p>
+            <a:r>
+              <a:t>Counting Backward</a:t>
+            </a:r>
+          </a:p>
+        </p:txBody>
+      </p:sp>
+      <p:pic>
+        <p:nvPicPr>
+          <p:cNvPr id="3" name="Picture Placeholder 2" descr="counting-backward_general_accuracy.png"/>
+          <p:cNvPicPr>
+            <a:picLocks noGrp="1" noChangeAspect="1"/>
+          </p:cNvPicPr>
+          <p:nvPr>
+            <p:ph type="pic" idx="13" sz="quarter"/>
+          </p:nvPr>
+        </p:nvPicPr>
+        <p:blipFill>
+          <a:blip r:embed="rId2"/>
+          <a:srcRect l="14" r="14"/>
+          <a:stretch>
+            <a:fillRect/>
+          </a:stretch>
+        </p:blipFill>
+        <p:spPr/>
+      </p:pic>
+      <p:sp>
+        <p:nvSpPr>
+          <p:cNvPr id="4" name="Text Placeholder 3"/>
+          <p:cNvSpPr>
+            <a:spLocks noGrp="1"/>
+          </p:cNvSpPr>
+          <p:nvPr>
+            <p:ph type="body" idx="14" sz="quarter"/>
+          </p:nvPr>
+        </p:nvSpPr>
+        <p:spPr/>
+        <p:txBody>
+          <a:bodyPr/>
+          <a:lstStyle/>
+          <a:p>
+            <a:r>
+              <a:t>Accuracy by age</a:t>
+            </a:r>
+          </a:p>
+        </p:txBody>
+      </p:sp>
+    </p:spTree>
+  </p:cSld>
+  <p:clrMapOvr>
+    <a:masterClrMapping/>
+  </p:clrMapOvr>
+</p:sld>
+</file>
+
+<file path=ppt/slides/slide41.xml><?xml version="1.0" encoding="utf-8"?>
+<p:sld xmlns:a="http://schemas.openxmlformats.org/drawingml/2006/main" xmlns:p="http://schemas.openxmlformats.org/presentationml/2006/main" xmlns:r="http://schemas.openxmlformats.org/officeDocument/2006/relationships">
+  <p:cSld>
+    <p:spTree>
+      <p:nvGrpSpPr>
+        <p:cNvPr id="1" name=""/>
+        <p:cNvGrpSpPr/>
+        <p:nvPr/>
+      </p:nvGrpSpPr>
+      <p:grpSpPr/>
+      <p:sp>
+        <p:nvSpPr>
+          <p:cNvPr id="2" name="Title 1"/>
+          <p:cNvSpPr>
+            <a:spLocks noGrp="1"/>
+          </p:cNvSpPr>
+          <p:nvPr>
+            <p:ph type="title"/>
+          </p:nvPr>
+        </p:nvSpPr>
+        <p:spPr/>
+        <p:txBody>
+          <a:bodyPr/>
+          <a:lstStyle/>
+          <a:p>
+            <a:r>
+              <a:t>Simple Arithmetic Plus</a:t>
+            </a:r>
+          </a:p>
+        </p:txBody>
+      </p:sp>
+      <p:pic>
+        <p:nvPicPr>
+          <p:cNvPr id="3" name="Picture Placeholder 2" descr="simple-arithmetic-plus-lisas-by-age.png"/>
+          <p:cNvPicPr>
+            <a:picLocks noGrp="1" noChangeAspect="1"/>
+          </p:cNvPicPr>
+          <p:nvPr>
+            <p:ph type="pic" idx="13" sz="quarter"/>
+          </p:nvPr>
+        </p:nvPicPr>
+        <p:blipFill>
+          <a:blip r:embed="rId2"/>
+          <a:srcRect l="14" r="14"/>
+          <a:stretch>
+            <a:fillRect/>
+          </a:stretch>
+        </p:blipFill>
+        <p:spPr/>
+      </p:pic>
+      <p:sp>
+        <p:nvSpPr>
+          <p:cNvPr id="4" name="Text Placeholder 3"/>
+          <p:cNvSpPr>
+            <a:spLocks noGrp="1"/>
+          </p:cNvSpPr>
+          <p:nvPr>
+            <p:ph type="body" idx="14" sz="quarter"/>
+          </p:nvPr>
+        </p:nvSpPr>
+        <p:spPr/>
+        <p:txBody>
+          <a:bodyPr/>
+          <a:lstStyle/>
+          <a:p>
+            <a:r>
+              <a:t>LISAS by age</a:t>
+            </a:r>
+          </a:p>
+        </p:txBody>
+      </p:sp>
+    </p:spTree>
+  </p:cSld>
+  <p:clrMapOvr>
+    <a:masterClrMapping/>
+  </p:clrMapOvr>
+</p:sld>
+</file>
+
+<file path=ppt/slides/slide42.xml><?xml version="1.0" encoding="utf-8"?>
+<p:sld xmlns:a="http://schemas.openxmlformats.org/drawingml/2006/main" xmlns:p="http://schemas.openxmlformats.org/presentationml/2006/main" xmlns:r="http://schemas.openxmlformats.org/officeDocument/2006/relationships">
+  <p:cSld>
+    <p:spTree>
+      <p:nvGrpSpPr>
+        <p:cNvPr id="1" name=""/>
+        <p:cNvGrpSpPr/>
+        <p:nvPr/>
+      </p:nvGrpSpPr>
+      <p:grpSpPr/>
+      <p:sp>
+        <p:nvSpPr>
+          <p:cNvPr id="2" name="Title 1"/>
+          <p:cNvSpPr>
+            <a:spLocks noGrp="1"/>
+          </p:cNvSpPr>
+          <p:nvPr>
+            <p:ph type="title"/>
+          </p:nvPr>
+        </p:nvSpPr>
+        <p:spPr/>
+        <p:txBody>
+          <a:bodyPr/>
+          <a:lstStyle/>
+          <a:p>
+            <a:r>
+              <a:t>Simple Arithmetic Plus</a:t>
+            </a:r>
+          </a:p>
+        </p:txBody>
+      </p:sp>
+      <p:pic>
+        <p:nvPicPr>
+          <p:cNvPr id="3" name="Picture Placeholder 2" descr="simple-arithmetic-plus-ies-by-age.png"/>
+          <p:cNvPicPr>
+            <a:picLocks noGrp="1" noChangeAspect="1"/>
+          </p:cNvPicPr>
+          <p:nvPr>
+            <p:ph type="pic" idx="13" sz="quarter"/>
+          </p:nvPr>
+        </p:nvPicPr>
+        <p:blipFill>
+          <a:blip r:embed="rId2"/>
+          <a:srcRect l="14" r="14"/>
+          <a:stretch>
+            <a:fillRect/>
+          </a:stretch>
+        </p:blipFill>
+        <p:spPr/>
+      </p:pic>
+      <p:sp>
+        <p:nvSpPr>
+          <p:cNvPr id="4" name="Text Placeholder 3"/>
+          <p:cNvSpPr>
+            <a:spLocks noGrp="1"/>
+          </p:cNvSpPr>
+          <p:nvPr>
+            <p:ph type="body" idx="14" sz="quarter"/>
+          </p:nvPr>
+        </p:nvSpPr>
+        <p:spPr/>
+        <p:txBody>
+          <a:bodyPr/>
+          <a:lstStyle/>
+          <a:p>
+            <a:r>
+              <a:t>IES by age</a:t>
+            </a:r>
+          </a:p>
+        </p:txBody>
+      </p:sp>
+    </p:spTree>
+  </p:cSld>
+  <p:clrMapOvr>
+    <a:masterClrMapping/>
+  </p:clrMapOvr>
+</p:sld>
+</file>
+
+<file path=ppt/slides/slide43.xml><?xml version="1.0" encoding="utf-8"?>
+<p:sld xmlns:a="http://schemas.openxmlformats.org/drawingml/2006/main" xmlns:p="http://schemas.openxmlformats.org/presentationml/2006/main" xmlns:r="http://schemas.openxmlformats.org/officeDocument/2006/relationships">
+  <p:cSld>
+    <p:spTree>
+      <p:nvGrpSpPr>
+        <p:cNvPr id="1" name=""/>
+        <p:cNvGrpSpPr/>
+        <p:nvPr/>
+      </p:nvGrpSpPr>
+      <p:grpSpPr/>
+      <p:sp>
+        <p:nvSpPr>
+          <p:cNvPr id="2" name="Title 1"/>
+          <p:cNvSpPr>
+            <a:spLocks noGrp="1"/>
+          </p:cNvSpPr>
+          <p:nvPr>
+            <p:ph type="title"/>
+          </p:nvPr>
+        </p:nvSpPr>
+        <p:spPr/>
+        <p:txBody>
+          <a:bodyPr/>
+          <a:lstStyle/>
+          <a:p>
+            <a:r>
+              <a:t>Simple Arithmetic Plus</a:t>
+            </a:r>
+          </a:p>
+        </p:txBody>
+      </p:sp>
+      <p:pic>
+        <p:nvPicPr>
+          <p:cNvPr id="3" name="Picture Placeholder 2" descr="simple-arithmetic-plus-rcs-by-age.png"/>
+          <p:cNvPicPr>
+            <a:picLocks noGrp="1" noChangeAspect="1"/>
+          </p:cNvPicPr>
+          <p:nvPr>
+            <p:ph type="pic" idx="13" sz="quarter"/>
+          </p:nvPr>
+        </p:nvPicPr>
+        <p:blipFill>
+          <a:blip r:embed="rId2"/>
+          <a:srcRect l="14" r="14"/>
+          <a:stretch>
+            <a:fillRect/>
+          </a:stretch>
+        </p:blipFill>
+        <p:spPr/>
+      </p:pic>
+      <p:sp>
+        <p:nvSpPr>
+          <p:cNvPr id="4" name="Text Placeholder 3"/>
+          <p:cNvSpPr>
+            <a:spLocks noGrp="1"/>
+          </p:cNvSpPr>
+          <p:nvPr>
+            <p:ph type="body" idx="14" sz="quarter"/>
+          </p:nvPr>
+        </p:nvSpPr>
+        <p:spPr/>
+        <p:txBody>
+          <a:bodyPr/>
+          <a:lstStyle/>
+          <a:p>
+            <a:r>
+              <a:t>RCS by age</a:t>
+            </a:r>
+          </a:p>
+        </p:txBody>
+      </p:sp>
+    </p:spTree>
+  </p:cSld>
+  <p:clrMapOvr>
+    <a:masterClrMapping/>
+  </p:clrMapOvr>
+</p:sld>
+</file>
+
+<file path=ppt/slides/slide44.xml><?xml version="1.0" encoding="utf-8"?>
+<p:sld xmlns:a="http://schemas.openxmlformats.org/drawingml/2006/main" xmlns:p="http://schemas.openxmlformats.org/presentationml/2006/main" xmlns:r="http://schemas.openxmlformats.org/officeDocument/2006/relationships">
+  <p:cSld>
+    <p:spTree>
+      <p:nvGrpSpPr>
+        <p:cNvPr id="1" name=""/>
+        <p:cNvGrpSpPr/>
+        <p:nvPr/>
+      </p:nvGrpSpPr>
+      <p:grpSpPr/>
+      <p:sp>
+        <p:nvSpPr>
+          <p:cNvPr id="2" name="Title 1"/>
+          <p:cNvSpPr>
+            <a:spLocks noGrp="1"/>
+          </p:cNvSpPr>
+          <p:nvPr>
+            <p:ph type="title"/>
+          </p:nvPr>
+        </p:nvSpPr>
+        <p:spPr/>
+        <p:txBody>
+          <a:bodyPr/>
+          <a:lstStyle/>
+          <a:p>
+            <a:r>
+              <a:t>Simple Arithmetic Plus</a:t>
+            </a:r>
+          </a:p>
+        </p:txBody>
+      </p:sp>
+      <p:pic>
+        <p:nvPicPr>
+          <p:cNvPr id="3" name="Picture Placeholder 2" descr="simple-arithmetic-plus_general_rt.png"/>
+          <p:cNvPicPr>
+            <a:picLocks noGrp="1" noChangeAspect="1"/>
+          </p:cNvPicPr>
+          <p:nvPr>
+            <p:ph type="pic" idx="13" sz="quarter"/>
+          </p:nvPr>
+        </p:nvPicPr>
+        <p:blipFill>
+          <a:blip r:embed="rId2"/>
+          <a:srcRect l="14" r="14"/>
+          <a:stretch>
+            <a:fillRect/>
+          </a:stretch>
+        </p:blipFill>
+        <p:spPr/>
+      </p:pic>
+      <p:sp>
+        <p:nvSpPr>
+          <p:cNvPr id="4" name="Text Placeholder 3"/>
+          <p:cNvSpPr>
+            <a:spLocks noGrp="1"/>
+          </p:cNvSpPr>
+          <p:nvPr>
+            <p:ph type="body" idx="14" sz="quarter"/>
+          </p:nvPr>
+        </p:nvSpPr>
+        <p:spPr/>
+        <p:txBody>
+          <a:bodyPr/>
+          <a:lstStyle/>
+          <a:p>
+            <a:r>
+              <a:t>RT by age</a:t>
+            </a:r>
+          </a:p>
+        </p:txBody>
+      </p:sp>
+    </p:spTree>
+  </p:cSld>
+  <p:clrMapOvr>
+    <a:masterClrMapping/>
+  </p:clrMapOvr>
+</p:sld>
+</file>
+
+<file path=ppt/slides/slide45.xml><?xml version="1.0" encoding="utf-8"?>
+<p:sld xmlns:a="http://schemas.openxmlformats.org/drawingml/2006/main" xmlns:p="http://schemas.openxmlformats.org/presentationml/2006/main" xmlns:r="http://schemas.openxmlformats.org/officeDocument/2006/relationships">
+  <p:cSld>
+    <p:spTree>
+      <p:nvGrpSpPr>
+        <p:cNvPr id="1" name=""/>
+        <p:cNvGrpSpPr/>
+        <p:nvPr/>
+      </p:nvGrpSpPr>
+      <p:grpSpPr/>
+      <p:sp>
+        <p:nvSpPr>
+          <p:cNvPr id="2" name="Title 1"/>
+          <p:cNvSpPr>
+            <a:spLocks noGrp="1"/>
+          </p:cNvSpPr>
+          <p:nvPr>
+            <p:ph type="title"/>
+          </p:nvPr>
+        </p:nvSpPr>
+        <p:spPr/>
+        <p:txBody>
+          <a:bodyPr/>
+          <a:lstStyle/>
+          <a:p>
+            <a:r>
+              <a:t>Simple Arithmetic Plus</a:t>
+            </a:r>
+          </a:p>
+        </p:txBody>
+      </p:sp>
+      <p:pic>
+        <p:nvPicPr>
+          <p:cNvPr id="3" name="Picture Placeholder 2" descr="simple-arithmetic-plus_general_accuracy.png"/>
+          <p:cNvPicPr>
+            <a:picLocks noGrp="1" noChangeAspect="1"/>
+          </p:cNvPicPr>
+          <p:nvPr>
+            <p:ph type="pic" idx="13" sz="quarter"/>
+          </p:nvPr>
+        </p:nvPicPr>
+        <p:blipFill>
+          <a:blip r:embed="rId2"/>
+          <a:srcRect l="14" r="14"/>
+          <a:stretch>
+            <a:fillRect/>
+          </a:stretch>
+        </p:blipFill>
+        <p:spPr/>
+      </p:pic>
+      <p:sp>
+        <p:nvSpPr>
+          <p:cNvPr id="4" name="Text Placeholder 3"/>
+          <p:cNvSpPr>
+            <a:spLocks noGrp="1"/>
+          </p:cNvSpPr>
+          <p:nvPr>
+            <p:ph type="body" idx="14" sz="quarter"/>
+          </p:nvPr>
+        </p:nvSpPr>
+        <p:spPr/>
+        <p:txBody>
+          <a:bodyPr/>
+          <a:lstStyle/>
+          <a:p>
+            <a:r>
+              <a:t>Accuracy by age</a:t>
+            </a:r>
+          </a:p>
+        </p:txBody>
+      </p:sp>
+    </p:spTree>
+  </p:cSld>
+  <p:clrMapOvr>
+    <a:masterClrMapping/>
+  </p:clrMapOvr>
+</p:sld>
+</file>
+
+<file path=ppt/slides/slide46.xml><?xml version="1.0" encoding="utf-8"?>
+<p:sld xmlns:a="http://schemas.openxmlformats.org/drawingml/2006/main" xmlns:p="http://schemas.openxmlformats.org/presentationml/2006/main" xmlns:r="http://schemas.openxmlformats.org/officeDocument/2006/relationships">
+  <p:cSld>
+    <p:spTree>
+      <p:nvGrpSpPr>
+        <p:cNvPr id="1" name=""/>
+        <p:cNvGrpSpPr/>
+        <p:nvPr/>
+      </p:nvGrpSpPr>
+      <p:grpSpPr/>
+      <p:sp>
+        <p:nvSpPr>
+          <p:cNvPr id="2" name="Title 1"/>
+          <p:cNvSpPr>
+            <a:spLocks noGrp="1"/>
+          </p:cNvSpPr>
+          <p:nvPr>
+            <p:ph type="title"/>
+          </p:nvPr>
+        </p:nvSpPr>
+        <p:spPr/>
+        <p:txBody>
+          <a:bodyPr/>
+          <a:lstStyle/>
+          <a:p>
+            <a:r>
+              <a:t>Simple Arithmetic Minus</a:t>
+            </a:r>
+          </a:p>
+        </p:txBody>
+      </p:sp>
+      <p:pic>
+        <p:nvPicPr>
+          <p:cNvPr id="3" name="Picture Placeholder 2" descr="simple-arithmetic-minus-lisas-by-age.png"/>
+          <p:cNvPicPr>
+            <a:picLocks noGrp="1" noChangeAspect="1"/>
+          </p:cNvPicPr>
+          <p:nvPr>
+            <p:ph type="pic" idx="13" sz="quarter"/>
+          </p:nvPr>
+        </p:nvPicPr>
+        <p:blipFill>
+          <a:blip r:embed="rId2"/>
+          <a:srcRect l="14" r="14"/>
+          <a:stretch>
+            <a:fillRect/>
+          </a:stretch>
+        </p:blipFill>
+        <p:spPr/>
+      </p:pic>
+      <p:sp>
+        <p:nvSpPr>
+          <p:cNvPr id="4" name="Text Placeholder 3"/>
+          <p:cNvSpPr>
+            <a:spLocks noGrp="1"/>
+          </p:cNvSpPr>
+          <p:nvPr>
+            <p:ph type="body" idx="14" sz="quarter"/>
+          </p:nvPr>
+        </p:nvSpPr>
+        <p:spPr/>
+        <p:txBody>
+          <a:bodyPr/>
+          <a:lstStyle/>
+          <a:p>
+            <a:r>
+              <a:t>LISAS by age</a:t>
+            </a:r>
+          </a:p>
+        </p:txBody>
+      </p:sp>
+    </p:spTree>
+  </p:cSld>
+  <p:clrMapOvr>
+    <a:masterClrMapping/>
+  </p:clrMapOvr>
+</p:sld>
+</file>
+
+<file path=ppt/slides/slide47.xml><?xml version="1.0" encoding="utf-8"?>
+<p:sld xmlns:a="http://schemas.openxmlformats.org/drawingml/2006/main" xmlns:p="http://schemas.openxmlformats.org/presentationml/2006/main" xmlns:r="http://schemas.openxmlformats.org/officeDocument/2006/relationships">
+  <p:cSld>
+    <p:spTree>
+      <p:nvGrpSpPr>
+        <p:cNvPr id="1" name=""/>
+        <p:cNvGrpSpPr/>
+        <p:nvPr/>
+      </p:nvGrpSpPr>
+      <p:grpSpPr/>
+      <p:sp>
+        <p:nvSpPr>
+          <p:cNvPr id="2" name="Title 1"/>
+          <p:cNvSpPr>
+            <a:spLocks noGrp="1"/>
+          </p:cNvSpPr>
+          <p:nvPr>
+            <p:ph type="title"/>
+          </p:nvPr>
+        </p:nvSpPr>
+        <p:spPr/>
+        <p:txBody>
+          <a:bodyPr/>
+          <a:lstStyle/>
+          <a:p>
+            <a:r>
+              <a:t>Simple Arithmetic Minus</a:t>
+            </a:r>
+          </a:p>
+        </p:txBody>
+      </p:sp>
+      <p:pic>
+        <p:nvPicPr>
+          <p:cNvPr id="3" name="Picture Placeholder 2" descr="simple-arithmetic-minus-ies-by-age.png"/>
+          <p:cNvPicPr>
+            <a:picLocks noGrp="1" noChangeAspect="1"/>
+          </p:cNvPicPr>
+          <p:nvPr>
+            <p:ph type="pic" idx="13" sz="quarter"/>
+          </p:nvPr>
+        </p:nvPicPr>
+        <p:blipFill>
+          <a:blip r:embed="rId2"/>
+          <a:srcRect l="14" r="14"/>
+          <a:stretch>
+            <a:fillRect/>
+          </a:stretch>
+        </p:blipFill>
+        <p:spPr/>
+      </p:pic>
+      <p:sp>
+        <p:nvSpPr>
+          <p:cNvPr id="4" name="Text Placeholder 3"/>
+          <p:cNvSpPr>
+            <a:spLocks noGrp="1"/>
+          </p:cNvSpPr>
+          <p:nvPr>
+            <p:ph type="body" idx="14" sz="quarter"/>
+          </p:nvPr>
+        </p:nvSpPr>
+        <p:spPr/>
+        <p:txBody>
+          <a:bodyPr/>
+          <a:lstStyle/>
+          <a:p>
+            <a:r>
+              <a:t>IES by age</a:t>
+            </a:r>
+          </a:p>
+        </p:txBody>
+      </p:sp>
+    </p:spTree>
+  </p:cSld>
+  <p:clrMapOvr>
+    <a:masterClrMapping/>
+  </p:clrMapOvr>
+</p:sld>
+</file>
+
+<file path=ppt/slides/slide48.xml><?xml version="1.0" encoding="utf-8"?>
+<p:sld xmlns:a="http://schemas.openxmlformats.org/drawingml/2006/main" xmlns:p="http://schemas.openxmlformats.org/presentationml/2006/main" xmlns:r="http://schemas.openxmlformats.org/officeDocument/2006/relationships">
+  <p:cSld>
+    <p:spTree>
+      <p:nvGrpSpPr>
+        <p:cNvPr id="1" name=""/>
+        <p:cNvGrpSpPr/>
+        <p:nvPr/>
+      </p:nvGrpSpPr>
+      <p:grpSpPr/>
+      <p:sp>
+        <p:nvSpPr>
+          <p:cNvPr id="2" name="Title 1"/>
+          <p:cNvSpPr>
+            <a:spLocks noGrp="1"/>
+          </p:cNvSpPr>
+          <p:nvPr>
+            <p:ph type="title"/>
+          </p:nvPr>
+        </p:nvSpPr>
+        <p:spPr/>
+        <p:txBody>
+          <a:bodyPr/>
+          <a:lstStyle/>
+          <a:p>
+            <a:r>
+              <a:t>Simple Arithmetic Minus</a:t>
+            </a:r>
+          </a:p>
+        </p:txBody>
+      </p:sp>
+      <p:pic>
+        <p:nvPicPr>
+          <p:cNvPr id="3" name="Picture Placeholder 2" descr="simple-arithmetic-minus-rcs-by-age.png"/>
+          <p:cNvPicPr>
+            <a:picLocks noGrp="1" noChangeAspect="1"/>
+          </p:cNvPicPr>
+          <p:nvPr>
+            <p:ph type="pic" idx="13" sz="quarter"/>
+          </p:nvPr>
+        </p:nvPicPr>
+        <p:blipFill>
+          <a:blip r:embed="rId2"/>
+          <a:srcRect l="14" r="14"/>
+          <a:stretch>
+            <a:fillRect/>
+          </a:stretch>
+        </p:blipFill>
+        <p:spPr/>
+      </p:pic>
+      <p:sp>
+        <p:nvSpPr>
+          <p:cNvPr id="4" name="Text Placeholder 3"/>
+          <p:cNvSpPr>
+            <a:spLocks noGrp="1"/>
+          </p:cNvSpPr>
+          <p:nvPr>
+            <p:ph type="body" idx="14" sz="quarter"/>
+          </p:nvPr>
+        </p:nvSpPr>
+        <p:spPr/>
+        <p:txBody>
+          <a:bodyPr/>
+          <a:lstStyle/>
+          <a:p>
+            <a:r>
+              <a:t>RCS by age</a:t>
+            </a:r>
+          </a:p>
+        </p:txBody>
+      </p:sp>
+    </p:spTree>
+  </p:cSld>
+  <p:clrMapOvr>
+    <a:masterClrMapping/>
+  </p:clrMapOvr>
+</p:sld>
+</file>
+
+<file path=ppt/slides/slide49.xml><?xml version="1.0" encoding="utf-8"?>
+<p:sld xmlns:a="http://schemas.openxmlformats.org/drawingml/2006/main" xmlns:p="http://schemas.openxmlformats.org/presentationml/2006/main" xmlns:r="http://schemas.openxmlformats.org/officeDocument/2006/relationships">
+  <p:cSld>
+    <p:spTree>
+      <p:nvGrpSpPr>
+        <p:cNvPr id="1" name=""/>
+        <p:cNvGrpSpPr/>
+        <p:nvPr/>
+      </p:nvGrpSpPr>
+      <p:grpSpPr/>
+      <p:sp>
+        <p:nvSpPr>
+          <p:cNvPr id="2" name="Title 1"/>
+          <p:cNvSpPr>
+            <a:spLocks noGrp="1"/>
+          </p:cNvSpPr>
+          <p:nvPr>
+            <p:ph type="title"/>
+          </p:nvPr>
+        </p:nvSpPr>
+        <p:spPr/>
+        <p:txBody>
+          <a:bodyPr/>
+          <a:lstStyle/>
+          <a:p>
+            <a:r>
+              <a:t>Simple Arithmetic Minus</a:t>
+            </a:r>
+          </a:p>
+        </p:txBody>
+      </p:sp>
+      <p:pic>
+        <p:nvPicPr>
+          <p:cNvPr id="3" name="Picture Placeholder 2" descr="simple-arithmetic-minus_general_rt.png"/>
+          <p:cNvPicPr>
+            <a:picLocks noGrp="1" noChangeAspect="1"/>
+          </p:cNvPicPr>
+          <p:nvPr>
+            <p:ph type="pic" idx="13" sz="quarter"/>
+          </p:nvPr>
+        </p:nvPicPr>
+        <p:blipFill>
+          <a:blip r:embed="rId2"/>
+          <a:srcRect l="14" r="14"/>
+          <a:stretch>
+            <a:fillRect/>
+          </a:stretch>
+        </p:blipFill>
+        <p:spPr/>
+      </p:pic>
+      <p:sp>
+        <p:nvSpPr>
+          <p:cNvPr id="4" name="Text Placeholder 3"/>
+          <p:cNvSpPr>
+            <a:spLocks noGrp="1"/>
+          </p:cNvSpPr>
+          <p:nvPr>
+            <p:ph type="body" idx="14" sz="quarter"/>
+          </p:nvPr>
+        </p:nvSpPr>
+        <p:spPr/>
+        <p:txBody>
+          <a:bodyPr/>
+          <a:lstStyle/>
+          <a:p>
+            <a:r>
+              <a:t>RT by age</a:t>
+            </a:r>
+          </a:p>
+        </p:txBody>
+      </p:sp>
+    </p:spTree>
+  </p:cSld>
+  <p:clrMapOvr>
+    <a:masterClrMapping/>
+  </p:clrMapOvr>
+</p:sld>
+</file>
+
+<file path=ppt/slides/slide5.xml><?xml version="1.0" encoding="utf-8"?>
+<p:sld xmlns:a="http://schemas.openxmlformats.org/drawingml/2006/main" xmlns:p="http://schemas.openxmlformats.org/presentationml/2006/main" xmlns:r="http://schemas.openxmlformats.org/officeDocument/2006/relationships">
+  <p:cSld>
+    <p:spTree>
+      <p:nvGrpSpPr>
+        <p:cNvPr id="1" name=""/>
+        <p:cNvGrpSpPr/>
+        <p:nvPr/>
+      </p:nvGrpSpPr>
+      <p:grpSpPr/>
+      <p:sp>
+        <p:nvSpPr>
+          <p:cNvPr id="2" name="Title 1"/>
+          <p:cNvSpPr>
+            <a:spLocks noGrp="1"/>
+          </p:cNvSpPr>
+          <p:nvPr>
+            <p:ph type="title"/>
+          </p:nvPr>
+        </p:nvSpPr>
+        <p:spPr/>
+        <p:txBody>
+          <a:bodyPr/>
+          <a:lstStyle/>
+          <a:p>
+            <a:r>
+              <a:t>Dots Comparison</a:t>
+            </a:r>
+          </a:p>
+        </p:txBody>
+      </p:sp>
+      <p:pic>
+        <p:nvPicPr>
+          <p:cNvPr id="3" name="Picture Placeholder 2" descr="dots-comparison_general_accuracy.png"/>
+          <p:cNvPicPr>
+            <a:picLocks noGrp="1" noChangeAspect="1"/>
+          </p:cNvPicPr>
+          <p:nvPr>
+            <p:ph type="pic" idx="13" sz="quarter"/>
+          </p:nvPr>
+        </p:nvPicPr>
+        <p:blipFill>
+          <a:blip r:embed="rId2"/>
+          <a:srcRect l="14" r="14"/>
+          <a:stretch>
+            <a:fillRect/>
+          </a:stretch>
+        </p:blipFill>
+        <p:spPr/>
+      </p:pic>
+      <p:sp>
+        <p:nvSpPr>
+          <p:cNvPr id="4" name="Text Placeholder 3"/>
+          <p:cNvSpPr>
+            <a:spLocks noGrp="1"/>
+          </p:cNvSpPr>
+          <p:nvPr>
+            <p:ph type="body" idx="14" sz="quarter"/>
+          </p:nvPr>
+        </p:nvSpPr>
+        <p:spPr/>
+        <p:txBody>
+          <a:bodyPr/>
+          <a:lstStyle/>
+          <a:p>
+            <a:r>
+              <a:t>Accuracy by age</a:t>
+            </a:r>
+          </a:p>
+        </p:txBody>
+      </p:sp>
+    </p:spTree>
+  </p:cSld>
+  <p:clrMapOvr>
+    <a:masterClrMapping/>
+  </p:clrMapOvr>
+</p:sld>
+</file>
+
+<file path=ppt/slides/slide50.xml><?xml version="1.0" encoding="utf-8"?>
+<p:sld xmlns:a="http://schemas.openxmlformats.org/drawingml/2006/main" xmlns:p="http://schemas.openxmlformats.org/presentationml/2006/main" xmlns:r="http://schemas.openxmlformats.org/officeDocument/2006/relationships">
+  <p:cSld>
+    <p:spTree>
+      <p:nvGrpSpPr>
+        <p:cNvPr id="1" name=""/>
+        <p:cNvGrpSpPr/>
+        <p:nvPr/>
+      </p:nvGrpSpPr>
+      <p:grpSpPr/>
+      <p:sp>
+        <p:nvSpPr>
+          <p:cNvPr id="2" name="Title 1"/>
+          <p:cNvSpPr>
+            <a:spLocks noGrp="1"/>
+          </p:cNvSpPr>
+          <p:nvPr>
+            <p:ph type="title"/>
+          </p:nvPr>
+        </p:nvSpPr>
+        <p:spPr/>
+        <p:txBody>
+          <a:bodyPr/>
+          <a:lstStyle/>
+          <a:p>
+            <a:r>
+              <a:t>Simple Arithmetic Minus</a:t>
+            </a:r>
+          </a:p>
+        </p:txBody>
+      </p:sp>
+      <p:pic>
+        <p:nvPicPr>
+          <p:cNvPr id="3" name="Picture Placeholder 2" descr="simple-arithmetic-minus_general_accuracy.png"/>
+          <p:cNvPicPr>
+            <a:picLocks noGrp="1" noChangeAspect="1"/>
+          </p:cNvPicPr>
+          <p:nvPr>
+            <p:ph type="pic" idx="13" sz="quarter"/>
+          </p:nvPr>
+        </p:nvPicPr>
+        <p:blipFill>
+          <a:blip r:embed="rId2"/>
+          <a:srcRect l="14" r="14"/>
+          <a:stretch>
+            <a:fillRect/>
+          </a:stretch>
+        </p:blipFill>
+        <p:spPr/>
+      </p:pic>
+      <p:sp>
+        <p:nvSpPr>
+          <p:cNvPr id="4" name="Text Placeholder 3"/>
+          <p:cNvSpPr>
+            <a:spLocks noGrp="1"/>
+          </p:cNvSpPr>
+          <p:nvPr>
+            <p:ph type="body" idx="14" sz="quarter"/>
+          </p:nvPr>
+        </p:nvSpPr>
+        <p:spPr/>
+        <p:txBody>
+          <a:bodyPr/>
+          <a:lstStyle/>
+          <a:p>
+            <a:r>
+              <a:t>Accuracy by age</a:t>
+            </a:r>
+          </a:p>
+        </p:txBody>
+      </p:sp>
+    </p:spTree>
+  </p:cSld>
+  <p:clrMapOvr>
+    <a:masterClrMapping/>
+  </p:clrMapOvr>
+</p:sld>
+</file>
+
+<file path=ppt/slides/slide51.xml><?xml version="1.0" encoding="utf-8"?>
+<p:sld xmlns:a="http://schemas.openxmlformats.org/drawingml/2006/main" xmlns:p="http://schemas.openxmlformats.org/presentationml/2006/main" xmlns:r="http://schemas.openxmlformats.org/officeDocument/2006/relationships">
+  <p:cSld>
+    <p:spTree>
+      <p:nvGrpSpPr>
+        <p:cNvPr id="1" name=""/>
+        <p:cNvGrpSpPr/>
+        <p:nvPr/>
+      </p:nvGrpSpPr>
+      <p:grpSpPr/>
+      <p:sp>
+        <p:nvSpPr>
+          <p:cNvPr id="2" name="Title 1"/>
+          <p:cNvSpPr>
+            <a:spLocks noGrp="1"/>
+          </p:cNvSpPr>
+          <p:nvPr>
+            <p:ph type="title"/>
+          </p:nvPr>
+        </p:nvSpPr>
+        <p:spPr/>
+        <p:txBody>
+          <a:bodyPr/>
+          <a:lstStyle/>
+          <a:p>
+            <a:r>
+              <a:t>LISAS</a:t>
+            </a:r>
+          </a:p>
+        </p:txBody>
+      </p:sp>
+      <p:pic>
+        <p:nvPicPr>
+          <p:cNvPr id="3" name="Picture Placeholder 2" descr="LISAS_boxplot.png"/>
+          <p:cNvPicPr>
+            <a:picLocks noGrp="1" noChangeAspect="1"/>
+          </p:cNvPicPr>
+          <p:nvPr>
+            <p:ph type="pic" idx="13" sz="quarter"/>
+          </p:nvPr>
+        </p:nvPicPr>
+        <p:blipFill>
+          <a:blip r:embed="rId2"/>
+          <a:srcRect l="9" r="9"/>
+          <a:stretch>
+            <a:fillRect/>
+          </a:stretch>
+        </p:blipFill>
+        <p:spPr/>
+      </p:pic>
+      <p:sp>
+        <p:nvSpPr>
+          <p:cNvPr id="4" name="Text Placeholder 3"/>
+          <p:cNvSpPr>
+            <a:spLocks noGrp="1"/>
+          </p:cNvSpPr>
+          <p:nvPr>
+            <p:ph type="body" idx="14" sz="quarter"/>
+          </p:nvPr>
+        </p:nvSpPr>
+        <p:spPr/>
+        <p:txBody>
+          <a:bodyPr/>
+          <a:lstStyle/>
+          <a:p>
+            <a:r>
+              <a:t>Boxplot by subtest</a:t>
+            </a:r>
+          </a:p>
+        </p:txBody>
+      </p:sp>
+    </p:spTree>
+  </p:cSld>
+  <p:clrMapOvr>
+    <a:masterClrMapping/>
+  </p:clrMapOvr>
+</p:sld>
+</file>
+
+<file path=ppt/slides/slide52.xml><?xml version="1.0" encoding="utf-8"?>
+<p:sld xmlns:a="http://schemas.openxmlformats.org/drawingml/2006/main" xmlns:p="http://schemas.openxmlformats.org/presentationml/2006/main" xmlns:r="http://schemas.openxmlformats.org/officeDocument/2006/relationships">
+  <p:cSld>
+    <p:spTree>
+      <p:nvGrpSpPr>
+        <p:cNvPr id="1" name=""/>
+        <p:cNvGrpSpPr/>
+        <p:nvPr/>
+      </p:nvGrpSpPr>
+      <p:grpSpPr/>
+      <p:sp>
+        <p:nvSpPr>
+          <p:cNvPr id="2" name="Title 1"/>
+          <p:cNvSpPr>
+            <a:spLocks noGrp="1"/>
+          </p:cNvSpPr>
+          <p:nvPr>
+            <p:ph type="title"/>
+          </p:nvPr>
+        </p:nvSpPr>
+        <p:spPr/>
+        <p:txBody>
+          <a:bodyPr/>
+          <a:lstStyle/>
+          <a:p>
+            <a:r>
+              <a:t>LISAS correct</a:t>
+            </a:r>
+          </a:p>
+        </p:txBody>
+      </p:sp>
+      <p:pic>
+        <p:nvPicPr>
+          <p:cNvPr id="3" name="Picture Placeholder 2" descr="LISAS_correct_boxplot.png"/>
+          <p:cNvPicPr>
+            <a:picLocks noGrp="1" noChangeAspect="1"/>
+          </p:cNvPicPr>
+          <p:nvPr>
+            <p:ph type="pic" idx="13" sz="quarter"/>
+          </p:nvPr>
+        </p:nvPicPr>
+        <p:blipFill>
+          <a:blip r:embed="rId2"/>
+          <a:srcRect l="9" r="9"/>
+          <a:stretch>
+            <a:fillRect/>
+          </a:stretch>
+        </p:blipFill>
+        <p:spPr/>
+      </p:pic>
+      <p:sp>
+        <p:nvSpPr>
+          <p:cNvPr id="4" name="Text Placeholder 3"/>
+          <p:cNvSpPr>
+            <a:spLocks noGrp="1"/>
+          </p:cNvSpPr>
+          <p:nvPr>
+            <p:ph type="body" idx="14" sz="quarter"/>
+          </p:nvPr>
+        </p:nvSpPr>
+        <p:spPr/>
+        <p:txBody>
+          <a:bodyPr/>
+          <a:lstStyle/>
+          <a:p>
+            <a:r>
+              <a:t>Boxplot by subtest</a:t>
+            </a:r>
+          </a:p>
+        </p:txBody>
+      </p:sp>
+    </p:spTree>
+  </p:cSld>
+  <p:clrMapOvr>
+    <a:masterClrMapping/>
+  </p:clrMapOvr>
+</p:sld>
+</file>
+
+<file path=ppt/slides/slide53.xml><?xml version="1.0" encoding="utf-8"?>
+<p:sld xmlns:a="http://schemas.openxmlformats.org/drawingml/2006/main" xmlns:p="http://schemas.openxmlformats.org/presentationml/2006/main" xmlns:r="http://schemas.openxmlformats.org/officeDocument/2006/relationships">
+  <p:cSld>
+    <p:spTree>
+      <p:nvGrpSpPr>
+        <p:cNvPr id="1" name=""/>
+        <p:cNvGrpSpPr/>
+        <p:nvPr/>
+      </p:nvGrpSpPr>
+      <p:grpSpPr/>
+      <p:sp>
+        <p:nvSpPr>
+          <p:cNvPr id="2" name="Title 1"/>
+          <p:cNvSpPr>
+            <a:spLocks noGrp="1"/>
+          </p:cNvSpPr>
+          <p:nvPr>
+            <p:ph type="title"/>
+          </p:nvPr>
+        </p:nvSpPr>
+        <p:spPr/>
+        <p:txBody>
+          <a:bodyPr/>
+          <a:lstStyle/>
+          <a:p>
+            <a:r>
+              <a:t>IES</a:t>
+            </a:r>
+          </a:p>
+        </p:txBody>
+      </p:sp>
+      <p:pic>
+        <p:nvPicPr>
+          <p:cNvPr id="3" name="Picture Placeholder 2" descr="IES_boxplot.png"/>
+          <p:cNvPicPr>
+            <a:picLocks noGrp="1" noChangeAspect="1"/>
+          </p:cNvPicPr>
+          <p:nvPr>
+            <p:ph type="pic" idx="13" sz="quarter"/>
+          </p:nvPr>
+        </p:nvPicPr>
+        <p:blipFill>
+          <a:blip r:embed="rId2"/>
+          <a:srcRect l="9" r="9"/>
+          <a:stretch>
+            <a:fillRect/>
+          </a:stretch>
+        </p:blipFill>
+        <p:spPr/>
+      </p:pic>
+      <p:sp>
+        <p:nvSpPr>
+          <p:cNvPr id="4" name="Text Placeholder 3"/>
+          <p:cNvSpPr>
+            <a:spLocks noGrp="1"/>
+          </p:cNvSpPr>
+          <p:nvPr>
+            <p:ph type="body" idx="14" sz="quarter"/>
+          </p:nvPr>
+        </p:nvSpPr>
+        <p:spPr/>
+        <p:txBody>
+          <a:bodyPr/>
+          <a:lstStyle/>
+          <a:p>
+            <a:r>
+              <a:t>Boxplot by subtest</a:t>
+            </a:r>
+          </a:p>
+        </p:txBody>
+      </p:sp>
+    </p:spTree>
+  </p:cSld>
+  <p:clrMapOvr>
+    <a:masterClrMapping/>
+  </p:clrMapOvr>
+</p:sld>
+</file>
+
+<file path=ppt/slides/slide54.xml><?xml version="1.0" encoding="utf-8"?>
+<p:sld xmlns:a="http://schemas.openxmlformats.org/drawingml/2006/main" xmlns:p="http://schemas.openxmlformats.org/presentationml/2006/main" xmlns:r="http://schemas.openxmlformats.org/officeDocument/2006/relationships">
+  <p:cSld>
+    <p:spTree>
+      <p:nvGrpSpPr>
+        <p:cNvPr id="1" name=""/>
+        <p:cNvGrpSpPr/>
+        <p:nvPr/>
+      </p:nvGrpSpPr>
+      <p:grpSpPr/>
+      <p:sp>
+        <p:nvSpPr>
+          <p:cNvPr id="2" name="Title 1"/>
+          <p:cNvSpPr>
+            <a:spLocks noGrp="1"/>
+          </p:cNvSpPr>
+          <p:nvPr>
+            <p:ph type="title"/>
+          </p:nvPr>
+        </p:nvSpPr>
+        <p:spPr/>
+        <p:txBody>
+          <a:bodyPr/>
+          <a:lstStyle/>
+          <a:p>
+            <a:r>
+              <a:t>IES correct</a:t>
+            </a:r>
+          </a:p>
+        </p:txBody>
+      </p:sp>
+      <p:pic>
+        <p:nvPicPr>
+          <p:cNvPr id="3" name="Picture Placeholder 2" descr="IES_correct_boxplot.png"/>
+          <p:cNvPicPr>
+            <a:picLocks noGrp="1" noChangeAspect="1"/>
+          </p:cNvPicPr>
+          <p:nvPr>
+            <p:ph type="pic" idx="13" sz="quarter"/>
+          </p:nvPr>
+        </p:nvPicPr>
+        <p:blipFill>
+          <a:blip r:embed="rId2"/>
+          <a:srcRect l="9" r="9"/>
+          <a:stretch>
+            <a:fillRect/>
+          </a:stretch>
+        </p:blipFill>
+        <p:spPr/>
+      </p:pic>
+      <p:sp>
+        <p:nvSpPr>
+          <p:cNvPr id="4" name="Text Placeholder 3"/>
+          <p:cNvSpPr>
+            <a:spLocks noGrp="1"/>
+          </p:cNvSpPr>
+          <p:nvPr>
+            <p:ph type="body" idx="14" sz="quarter"/>
+          </p:nvPr>
+        </p:nvSpPr>
+        <p:spPr/>
+        <p:txBody>
+          <a:bodyPr/>
+          <a:lstStyle/>
+          <a:p>
+            <a:r>
+              <a:t>Boxplot by subtest</a:t>
+            </a:r>
+          </a:p>
+        </p:txBody>
+      </p:sp>
+    </p:spTree>
+  </p:cSld>
+  <p:clrMapOvr>
+    <a:masterClrMapping/>
+  </p:clrMapOvr>
+</p:sld>
+</file>
+
+<file path=ppt/slides/slide55.xml><?xml version="1.0" encoding="utf-8"?>
+<p:sld xmlns:a="http://schemas.openxmlformats.org/drawingml/2006/main" xmlns:p="http://schemas.openxmlformats.org/presentationml/2006/main" xmlns:r="http://schemas.openxmlformats.org/officeDocument/2006/relationships">
+  <p:cSld>
+    <p:spTree>
+      <p:nvGrpSpPr>
+        <p:cNvPr id="1" name=""/>
+        <p:cNvGrpSpPr/>
+        <p:nvPr/>
+      </p:nvGrpSpPr>
+      <p:grpSpPr/>
+      <p:sp>
+        <p:nvSpPr>
+          <p:cNvPr id="2" name="Title 1"/>
+          <p:cNvSpPr>
+            <a:spLocks noGrp="1"/>
+          </p:cNvSpPr>
+          <p:nvPr>
+            <p:ph type="title"/>
+          </p:nvPr>
+        </p:nvSpPr>
+        <p:spPr/>
+        <p:txBody>
+          <a:bodyPr/>
+          <a:lstStyle/>
+          <a:p>
+            <a:r>
+              <a:t>RCS</a:t>
+            </a:r>
+          </a:p>
+        </p:txBody>
+      </p:sp>
+      <p:pic>
+        <p:nvPicPr>
+          <p:cNvPr id="3" name="Picture Placeholder 2" descr="RCS_boxplot.png"/>
+          <p:cNvPicPr>
+            <a:picLocks noGrp="1" noChangeAspect="1"/>
+          </p:cNvPicPr>
+          <p:nvPr>
+            <p:ph type="pic" idx="13" sz="quarter"/>
+          </p:nvPr>
+        </p:nvPicPr>
+        <p:blipFill>
+          <a:blip r:embed="rId2"/>
+          <a:srcRect l="9" r="9"/>
+          <a:stretch>
+            <a:fillRect/>
+          </a:stretch>
+        </p:blipFill>
+        <p:spPr/>
+      </p:pic>
+      <p:sp>
+        <p:nvSpPr>
+          <p:cNvPr id="4" name="Text Placeholder 3"/>
+          <p:cNvSpPr>
+            <a:spLocks noGrp="1"/>
+          </p:cNvSpPr>
+          <p:nvPr>
+            <p:ph type="body" idx="14" sz="quarter"/>
+          </p:nvPr>
+        </p:nvSpPr>
+        <p:spPr/>
+        <p:txBody>
+          <a:bodyPr/>
+          <a:lstStyle/>
+          <a:p>
+            <a:r>
+              <a:t>Boxplot by subtest</a:t>
+            </a:r>
+          </a:p>
+        </p:txBody>
+      </p:sp>
+    </p:spTree>
+  </p:cSld>
+  <p:clrMapOvr>
+    <a:masterClrMapping/>
+  </p:clrMapOvr>
+</p:sld>
+</file>
+
+<file path=ppt/slides/slide56.xml><?xml version="1.0" encoding="utf-8"?>
+<p:sld xmlns:a="http://schemas.openxmlformats.org/drawingml/2006/main" xmlns:p="http://schemas.openxmlformats.org/presentationml/2006/main" xmlns:r="http://schemas.openxmlformats.org/officeDocument/2006/relationships">
+  <p:cSld>
+    <p:spTree>
+      <p:nvGrpSpPr>
+        <p:cNvPr id="1" name=""/>
+        <p:cNvGrpSpPr/>
+        <p:nvPr/>
+      </p:nvGrpSpPr>
+      <p:grpSpPr/>
+      <p:sp>
+        <p:nvSpPr>
+          <p:cNvPr id="2" name="Title 1"/>
+          <p:cNvSpPr>
+            <a:spLocks noGrp="1"/>
+          </p:cNvSpPr>
+          <p:nvPr>
+            <p:ph type="title"/>
+          </p:nvPr>
+        </p:nvSpPr>
+        <p:spPr/>
+        <p:txBody>
+          <a:bodyPr/>
+          <a:lstStyle/>
+          <a:p>
+            <a:r>
+              <a:t>Dots Comparison</a:t>
+            </a:r>
+          </a:p>
+        </p:txBody>
+      </p:sp>
+      <p:pic>
+        <p:nvPicPr>
+          <p:cNvPr id="3" name="Picture Placeholder 2" descr="image.png"/>
+          <p:cNvPicPr>
+            <a:picLocks noGrp="1" noChangeAspect="1"/>
+          </p:cNvPicPr>
+          <p:nvPr>
+            <p:ph type="pic" idx="13" sz="quarter"/>
+          </p:nvPr>
+        </p:nvPicPr>
+        <p:blipFill>
+          <a:blip r:embed="rId2"/>
+          <a:srcRect l="14" r="14"/>
+          <a:stretch>
+            <a:fillRect/>
+          </a:stretch>
+        </p:blipFill>
+        <p:spPr/>
+      </p:pic>
+      <p:sp>
+        <p:nvSpPr>
+          <p:cNvPr id="4" name="Text Placeholder 3"/>
+          <p:cNvSpPr>
+            <a:spLocks noGrp="1"/>
+          </p:cNvSpPr>
+          <p:nvPr>
+            <p:ph type="body" idx="14" sz="quarter"/>
+          </p:nvPr>
+        </p:nvSpPr>
+        <p:spPr/>
+        <p:txBody>
+          <a:bodyPr/>
+          <a:lstStyle/>
+          <a:p>
+            <a:r>
+              <a:t>LISAS by age</a:t>
+            </a:r>
+          </a:p>
+        </p:txBody>
+      </p:sp>
+    </p:spTree>
+  </p:cSld>
+  <p:clrMapOvr>
+    <a:masterClrMapping/>
+  </p:clrMapOvr>
+</p:sld>
+</file>
+
+<file path=ppt/slides/slide57.xml><?xml version="1.0" encoding="utf-8"?>
+<p:sld xmlns:a="http://schemas.openxmlformats.org/drawingml/2006/main" xmlns:p="http://schemas.openxmlformats.org/presentationml/2006/main" xmlns:r="http://schemas.openxmlformats.org/officeDocument/2006/relationships">
+  <p:cSld>
+    <p:spTree>
+      <p:nvGrpSpPr>
+        <p:cNvPr id="1" name=""/>
+        <p:cNvGrpSpPr/>
+        <p:nvPr/>
+      </p:nvGrpSpPr>
+      <p:grpSpPr/>
+      <p:sp>
+        <p:nvSpPr>
+          <p:cNvPr id="2" name="Title 1"/>
+          <p:cNvSpPr>
+            <a:spLocks noGrp="1"/>
+          </p:cNvSpPr>
+          <p:nvPr>
+            <p:ph type="title"/>
+          </p:nvPr>
+        </p:nvSpPr>
+        <p:spPr/>
+        <p:txBody>
+          <a:bodyPr/>
+          <a:lstStyle/>
+          <a:p>
+            <a:r>
+              <a:t>Dots Comparison</a:t>
+            </a:r>
+          </a:p>
+        </p:txBody>
+      </p:sp>
+      <p:pic>
+        <p:nvPicPr>
+          <p:cNvPr id="3" name="Picture Placeholder 2" descr="image.png"/>
+          <p:cNvPicPr>
+            <a:picLocks noGrp="1" noChangeAspect="1"/>
+          </p:cNvPicPr>
+          <p:nvPr>
+            <p:ph type="pic" idx="13" sz="quarter"/>
+          </p:nvPr>
+        </p:nvPicPr>
+        <p:blipFill>
+          <a:blip r:embed="rId2"/>
+          <a:srcRect l="14" r="14"/>
+          <a:stretch>
+            <a:fillRect/>
+          </a:stretch>
+        </p:blipFill>
+        <p:spPr/>
+      </p:pic>
+      <p:sp>
+        <p:nvSpPr>
+          <p:cNvPr id="4" name="Text Placeholder 3"/>
+          <p:cNvSpPr>
+            <a:spLocks noGrp="1"/>
+          </p:cNvSpPr>
+          <p:nvPr>
+            <p:ph type="body" idx="14" sz="quarter"/>
+          </p:nvPr>
+        </p:nvSpPr>
+        <p:spPr/>
+        <p:txBody>
+          <a:bodyPr/>
+          <a:lstStyle/>
+          <a:p>
+            <a:r>
+              <a:t>IES by age</a:t>
+            </a:r>
+          </a:p>
+        </p:txBody>
+      </p:sp>
+    </p:spTree>
+  </p:cSld>
+  <p:clrMapOvr>
+    <a:masterClrMapping/>
+  </p:clrMapOvr>
+</p:sld>
+</file>
+
+<file path=ppt/slides/slide58.xml><?xml version="1.0" encoding="utf-8"?>
+<p:sld xmlns:a="http://schemas.openxmlformats.org/drawingml/2006/main" xmlns:p="http://schemas.openxmlformats.org/presentationml/2006/main" xmlns:r="http://schemas.openxmlformats.org/officeDocument/2006/relationships">
+  <p:cSld>
+    <p:spTree>
+      <p:nvGrpSpPr>
+        <p:cNvPr id="1" name=""/>
+        <p:cNvGrpSpPr/>
+        <p:nvPr/>
+      </p:nvGrpSpPr>
+      <p:grpSpPr/>
+      <p:sp>
+        <p:nvSpPr>
+          <p:cNvPr id="2" name="Title 1"/>
+          <p:cNvSpPr>
+            <a:spLocks noGrp="1"/>
+          </p:cNvSpPr>
+          <p:nvPr>
+            <p:ph type="title"/>
+          </p:nvPr>
+        </p:nvSpPr>
+        <p:spPr/>
+        <p:txBody>
+          <a:bodyPr/>
+          <a:lstStyle/>
+          <a:p>
+            <a:r>
+              <a:t>Dots Comparison</a:t>
+            </a:r>
+          </a:p>
+        </p:txBody>
+      </p:sp>
+      <p:pic>
+        <p:nvPicPr>
+          <p:cNvPr id="3" name="Picture Placeholder 2" descr="image.png"/>
+          <p:cNvPicPr>
+            <a:picLocks noGrp="1" noChangeAspect="1"/>
+          </p:cNvPicPr>
+          <p:nvPr>
+            <p:ph type="pic" idx="13" sz="quarter"/>
+          </p:nvPr>
+        </p:nvPicPr>
+        <p:blipFill>
+          <a:blip r:embed="rId2"/>
+          <a:srcRect l="14" r="14"/>
+          <a:stretch>
+            <a:fillRect/>
+          </a:stretch>
+        </p:blipFill>
+        <p:spPr/>
+      </p:pic>
+      <p:sp>
+        <p:nvSpPr>
+          <p:cNvPr id="4" name="Text Placeholder 3"/>
+          <p:cNvSpPr>
+            <a:spLocks noGrp="1"/>
+          </p:cNvSpPr>
+          <p:nvPr>
+            <p:ph type="body" idx="14" sz="quarter"/>
+          </p:nvPr>
+        </p:nvSpPr>
+        <p:spPr/>
+        <p:txBody>
+          <a:bodyPr/>
+          <a:lstStyle/>
+          <a:p>
+            <a:r>
+              <a:t>RCS by age</a:t>
+            </a:r>
+          </a:p>
+        </p:txBody>
+      </p:sp>
+    </p:spTree>
+  </p:cSld>
+  <p:clrMapOvr>
+    <a:masterClrMapping/>
+  </p:clrMapOvr>
+</p:sld>
+</file>
+
+<file path=ppt/slides/slide59.xml><?xml version="1.0" encoding="utf-8"?>
+<p:sld xmlns:a="http://schemas.openxmlformats.org/drawingml/2006/main" xmlns:p="http://schemas.openxmlformats.org/presentationml/2006/main" xmlns:r="http://schemas.openxmlformats.org/officeDocument/2006/relationships">
+  <p:cSld>
+    <p:spTree>
+      <p:nvGrpSpPr>
+        <p:cNvPr id="1" name=""/>
+        <p:cNvGrpSpPr/>
+        <p:nvPr/>
+      </p:nvGrpSpPr>
+      <p:grpSpPr/>
+      <p:sp>
+        <p:nvSpPr>
+          <p:cNvPr id="2" name="Title 1"/>
+          <p:cNvSpPr>
+            <a:spLocks noGrp="1"/>
+          </p:cNvSpPr>
+          <p:nvPr>
+            <p:ph type="title"/>
+          </p:nvPr>
+        </p:nvSpPr>
+        <p:spPr/>
+        <p:txBody>
+          <a:bodyPr/>
+          <a:lstStyle/>
+          <a:p>
+            <a:r>
+              <a:t>Dots Comparison</a:t>
+            </a:r>
+          </a:p>
+        </p:txBody>
+      </p:sp>
+      <p:pic>
+        <p:nvPicPr>
+          <p:cNvPr id="3" name="Picture Placeholder 2" descr="image.png"/>
+          <p:cNvPicPr>
+            <a:picLocks noGrp="1" noChangeAspect="1"/>
+          </p:cNvPicPr>
+          <p:nvPr>
+            <p:ph type="pic" idx="13" sz="quarter"/>
+          </p:nvPr>
+        </p:nvPicPr>
+        <p:blipFill>
+          <a:blip r:embed="rId2"/>
+          <a:srcRect l="14" r="14"/>
+          <a:stretch>
+            <a:fillRect/>
+          </a:stretch>
+        </p:blipFill>
+        <p:spPr/>
+      </p:pic>
+      <p:sp>
+        <p:nvSpPr>
+          <p:cNvPr id="4" name="Text Placeholder 3"/>
+          <p:cNvSpPr>
+            <a:spLocks noGrp="1"/>
+          </p:cNvSpPr>
+          <p:nvPr>
+            <p:ph type="body" idx="14" sz="quarter"/>
+          </p:nvPr>
+        </p:nvSpPr>
+        <p:spPr/>
+        <p:txBody>
+          <a:bodyPr/>
+          <a:lstStyle/>
+          <a:p>
+            <a:r>
+              <a:t>RT by age</a:t>
+            </a:r>
+          </a:p>
+        </p:txBody>
+      </p:sp>
+    </p:spTree>
+  </p:cSld>
+  <p:clrMapOvr>
+    <a:masterClrMapping/>
+  </p:clrMapOvr>
+</p:sld>
+</file>
+
+<file path=ppt/slides/slide6.xml><?xml version="1.0" encoding="utf-8"?>
+<p:sld xmlns:a="http://schemas.openxmlformats.org/drawingml/2006/main" xmlns:p="http://schemas.openxmlformats.org/presentationml/2006/main" xmlns:r="http://schemas.openxmlformats.org/officeDocument/2006/relationships">
+  <p:cSld>
+    <p:spTree>
+      <p:nvGrpSpPr>
+        <p:cNvPr id="1" name=""/>
+        <p:cNvGrpSpPr/>
+        <p:nvPr/>
+      </p:nvGrpSpPr>
+      <p:grpSpPr/>
+      <p:sp>
+        <p:nvSpPr>
+          <p:cNvPr id="2" name="Title 1"/>
+          <p:cNvSpPr>
+            <a:spLocks noGrp="1"/>
+          </p:cNvSpPr>
+          <p:nvPr>
+            <p:ph type="title"/>
+          </p:nvPr>
+        </p:nvSpPr>
+        <p:spPr/>
+        <p:txBody>
+          <a:bodyPr/>
+          <a:lstStyle/>
+          <a:p>
+            <a:r>
+              <a:t>Match Sample</a:t>
+            </a:r>
+          </a:p>
+        </p:txBody>
+      </p:sp>
+      <p:pic>
+        <p:nvPicPr>
+          <p:cNvPr id="3" name="Picture Placeholder 2" descr="match-sample-lisas-by-age.png"/>
+          <p:cNvPicPr>
+            <a:picLocks noGrp="1" noChangeAspect="1"/>
+          </p:cNvPicPr>
+          <p:nvPr>
+            <p:ph type="pic" idx="13" sz="quarter"/>
+          </p:nvPr>
+        </p:nvPicPr>
+        <p:blipFill>
+          <a:blip r:embed="rId2"/>
+          <a:srcRect l="14" r="14"/>
+          <a:stretch>
+            <a:fillRect/>
+          </a:stretch>
+        </p:blipFill>
+        <p:spPr/>
+      </p:pic>
+      <p:sp>
+        <p:nvSpPr>
+          <p:cNvPr id="4" name="Text Placeholder 3"/>
+          <p:cNvSpPr>
+            <a:spLocks noGrp="1"/>
+          </p:cNvSpPr>
+          <p:nvPr>
+            <p:ph type="body" idx="14" sz="quarter"/>
+          </p:nvPr>
+        </p:nvSpPr>
+        <p:spPr/>
+        <p:txBody>
+          <a:bodyPr/>
+          <a:lstStyle/>
+          <a:p>
+            <a:r>
+              <a:t>LISAS by age</a:t>
+            </a:r>
+          </a:p>
+        </p:txBody>
+      </p:sp>
+    </p:spTree>
+  </p:cSld>
+  <p:clrMapOvr>
+    <a:masterClrMapping/>
+  </p:clrMapOvr>
+</p:sld>
+</file>
+
+<file path=ppt/slides/slide60.xml><?xml version="1.0" encoding="utf-8"?>
+<p:sld xmlns:a="http://schemas.openxmlformats.org/drawingml/2006/main" xmlns:p="http://schemas.openxmlformats.org/presentationml/2006/main" xmlns:r="http://schemas.openxmlformats.org/officeDocument/2006/relationships">
+  <p:cSld>
+    <p:spTree>
+      <p:nvGrpSpPr>
+        <p:cNvPr id="1" name=""/>
+        <p:cNvGrpSpPr/>
+        <p:nvPr/>
+      </p:nvGrpSpPr>
+      <p:grpSpPr/>
+      <p:sp>
+        <p:nvSpPr>
+          <p:cNvPr id="2" name="Title 1"/>
+          <p:cNvSpPr>
+            <a:spLocks noGrp="1"/>
+          </p:cNvSpPr>
+          <p:nvPr>
+            <p:ph type="title"/>
+          </p:nvPr>
+        </p:nvSpPr>
+        <p:spPr/>
+        <p:txBody>
+          <a:bodyPr/>
+          <a:lstStyle/>
+          <a:p>
+            <a:r>
+              <a:t>Dots Comparison</a:t>
+            </a:r>
+          </a:p>
+        </p:txBody>
+      </p:sp>
+      <p:pic>
+        <p:nvPicPr>
+          <p:cNvPr id="3" name="Picture Placeholder 2" descr="image.png"/>
+          <p:cNvPicPr>
+            <a:picLocks noGrp="1" noChangeAspect="1"/>
+          </p:cNvPicPr>
+          <p:nvPr>
+            <p:ph type="pic" idx="13" sz="quarter"/>
+          </p:nvPr>
+        </p:nvPicPr>
+        <p:blipFill>
+          <a:blip r:embed="rId2"/>
+          <a:srcRect l="14" r="14"/>
+          <a:stretch>
+            <a:fillRect/>
+          </a:stretch>
+        </p:blipFill>
+        <p:spPr/>
+      </p:pic>
+      <p:sp>
+        <p:nvSpPr>
+          <p:cNvPr id="4" name="Text Placeholder 3"/>
+          <p:cNvSpPr>
+            <a:spLocks noGrp="1"/>
+          </p:cNvSpPr>
+          <p:nvPr>
+            <p:ph type="body" idx="14" sz="quarter"/>
+          </p:nvPr>
+        </p:nvSpPr>
+        <p:spPr/>
+        <p:txBody>
+          <a:bodyPr/>
+          <a:lstStyle/>
+          <a:p>
+            <a:r>
+              <a:t>Accuracy by age</a:t>
+            </a:r>
+          </a:p>
+        </p:txBody>
+      </p:sp>
+    </p:spTree>
+  </p:cSld>
+  <p:clrMapOvr>
+    <a:masterClrMapping/>
+  </p:clrMapOvr>
+</p:sld>
+</file>
+
+<file path=ppt/slides/slide61.xml><?xml version="1.0" encoding="utf-8"?>
+<p:sld xmlns:a="http://schemas.openxmlformats.org/drawingml/2006/main" xmlns:p="http://schemas.openxmlformats.org/presentationml/2006/main" xmlns:r="http://schemas.openxmlformats.org/officeDocument/2006/relationships">
+  <p:cSld>
+    <p:spTree>
+      <p:nvGrpSpPr>
+        <p:cNvPr id="1" name=""/>
+        <p:cNvGrpSpPr/>
+        <p:nvPr/>
+      </p:nvGrpSpPr>
+      <p:grpSpPr/>
+      <p:sp>
+        <p:nvSpPr>
+          <p:cNvPr id="2" name="Title 1"/>
+          <p:cNvSpPr>
+            <a:spLocks noGrp="1"/>
+          </p:cNvSpPr>
+          <p:nvPr>
+            <p:ph type="title"/>
+          </p:nvPr>
+        </p:nvSpPr>
+        <p:spPr/>
+        <p:txBody>
+          <a:bodyPr/>
+          <a:lstStyle/>
+          <a:p>
+            <a:r>
+              <a:t>Match Sample</a:t>
+            </a:r>
+          </a:p>
+        </p:txBody>
+      </p:sp>
+      <p:pic>
+        <p:nvPicPr>
+          <p:cNvPr id="3" name="Picture Placeholder 2" descr="image.png"/>
+          <p:cNvPicPr>
+            <a:picLocks noGrp="1" noChangeAspect="1"/>
+          </p:cNvPicPr>
+          <p:nvPr>
+            <p:ph type="pic" idx="13" sz="quarter"/>
+          </p:nvPr>
+        </p:nvPicPr>
+        <p:blipFill>
+          <a:blip r:embed="rId2"/>
+          <a:srcRect l="14" r="14"/>
+          <a:stretch>
+            <a:fillRect/>
+          </a:stretch>
+        </p:blipFill>
+        <p:spPr/>
+      </p:pic>
+      <p:sp>
+        <p:nvSpPr>
+          <p:cNvPr id="4" name="Text Placeholder 3"/>
+          <p:cNvSpPr>
+            <a:spLocks noGrp="1"/>
+          </p:cNvSpPr>
+          <p:nvPr>
+            <p:ph type="body" idx="14" sz="quarter"/>
+          </p:nvPr>
+        </p:nvSpPr>
+        <p:spPr/>
+        <p:txBody>
+          <a:bodyPr/>
+          <a:lstStyle/>
+          <a:p>
+            <a:r>
+              <a:t>LISAS by age</a:t>
+            </a:r>
+          </a:p>
+        </p:txBody>
+      </p:sp>
+    </p:spTree>
+  </p:cSld>
+  <p:clrMapOvr>
+    <a:masterClrMapping/>
+  </p:clrMapOvr>
+</p:sld>
+</file>
+
+<file path=ppt/slides/slide62.xml><?xml version="1.0" encoding="utf-8"?>
+<p:sld xmlns:a="http://schemas.openxmlformats.org/drawingml/2006/main" xmlns:p="http://schemas.openxmlformats.org/presentationml/2006/main" xmlns:r="http://schemas.openxmlformats.org/officeDocument/2006/relationships">
+  <p:cSld>
+    <p:spTree>
+      <p:nvGrpSpPr>
+        <p:cNvPr id="1" name=""/>
+        <p:cNvGrpSpPr/>
+        <p:nvPr/>
+      </p:nvGrpSpPr>
+      <p:grpSpPr/>
+      <p:sp>
+        <p:nvSpPr>
+          <p:cNvPr id="2" name="Title 1"/>
+          <p:cNvSpPr>
+            <a:spLocks noGrp="1"/>
+          </p:cNvSpPr>
+          <p:nvPr>
+            <p:ph type="title"/>
+          </p:nvPr>
+        </p:nvSpPr>
+        <p:spPr/>
+        <p:txBody>
+          <a:bodyPr/>
+          <a:lstStyle/>
+          <a:p>
+            <a:r>
+              <a:t>Match Sample</a:t>
+            </a:r>
+          </a:p>
+        </p:txBody>
+      </p:sp>
+      <p:pic>
+        <p:nvPicPr>
+          <p:cNvPr id="3" name="Picture Placeholder 2" descr="image.png"/>
+          <p:cNvPicPr>
+            <a:picLocks noGrp="1" noChangeAspect="1"/>
+          </p:cNvPicPr>
+          <p:nvPr>
+            <p:ph type="pic" idx="13" sz="quarter"/>
+          </p:nvPr>
+        </p:nvPicPr>
+        <p:blipFill>
+          <a:blip r:embed="rId2"/>
+          <a:srcRect l="14" r="14"/>
+          <a:stretch>
+            <a:fillRect/>
+          </a:stretch>
+        </p:blipFill>
+        <p:spPr/>
+      </p:pic>
+      <p:sp>
+        <p:nvSpPr>
+          <p:cNvPr id="4" name="Text Placeholder 3"/>
+          <p:cNvSpPr>
+            <a:spLocks noGrp="1"/>
+          </p:cNvSpPr>
+          <p:nvPr>
+            <p:ph type="body" idx="14" sz="quarter"/>
+          </p:nvPr>
+        </p:nvSpPr>
+        <p:spPr/>
+        <p:txBody>
+          <a:bodyPr/>
+          <a:lstStyle/>
+          <a:p>
+            <a:r>
+              <a:t>IES by age</a:t>
+            </a:r>
+          </a:p>
+        </p:txBody>
+      </p:sp>
+    </p:spTree>
+  </p:cSld>
+  <p:clrMapOvr>
+    <a:masterClrMapping/>
+  </p:clrMapOvr>
+</p:sld>
+</file>
+
+<file path=ppt/slides/slide63.xml><?xml version="1.0" encoding="utf-8"?>
+<p:sld xmlns:a="http://schemas.openxmlformats.org/drawingml/2006/main" xmlns:p="http://schemas.openxmlformats.org/presentationml/2006/main" xmlns:r="http://schemas.openxmlformats.org/officeDocument/2006/relationships">
+  <p:cSld>
+    <p:spTree>
+      <p:nvGrpSpPr>
+        <p:cNvPr id="1" name=""/>
+        <p:cNvGrpSpPr/>
+        <p:nvPr/>
+      </p:nvGrpSpPr>
+      <p:grpSpPr/>
+      <p:sp>
+        <p:nvSpPr>
+          <p:cNvPr id="2" name="Title 1"/>
+          <p:cNvSpPr>
+            <a:spLocks noGrp="1"/>
+          </p:cNvSpPr>
+          <p:nvPr>
+            <p:ph type="title"/>
+          </p:nvPr>
+        </p:nvSpPr>
+        <p:spPr/>
+        <p:txBody>
+          <a:bodyPr/>
+          <a:lstStyle/>
+          <a:p>
+            <a:r>
+              <a:t>Match Sample</a:t>
+            </a:r>
+          </a:p>
+        </p:txBody>
+      </p:sp>
+      <p:pic>
+        <p:nvPicPr>
+          <p:cNvPr id="3" name="Picture Placeholder 2" descr="image.png"/>
+          <p:cNvPicPr>
+            <a:picLocks noGrp="1" noChangeAspect="1"/>
+          </p:cNvPicPr>
+          <p:nvPr>
+            <p:ph type="pic" idx="13" sz="quarter"/>
+          </p:nvPr>
+        </p:nvPicPr>
+        <p:blipFill>
+          <a:blip r:embed="rId2"/>
+          <a:srcRect l="14" r="14"/>
+          <a:stretch>
+            <a:fillRect/>
+          </a:stretch>
+        </p:blipFill>
+        <p:spPr/>
+      </p:pic>
+      <p:sp>
+        <p:nvSpPr>
+          <p:cNvPr id="4" name="Text Placeholder 3"/>
+          <p:cNvSpPr>
+            <a:spLocks noGrp="1"/>
+          </p:cNvSpPr>
+          <p:nvPr>
+            <p:ph type="body" idx="14" sz="quarter"/>
+          </p:nvPr>
+        </p:nvSpPr>
+        <p:spPr/>
+        <p:txBody>
+          <a:bodyPr/>
+          <a:lstStyle/>
+          <a:p>
+            <a:r>
+              <a:t>RCS by age</a:t>
+            </a:r>
+          </a:p>
+        </p:txBody>
+      </p:sp>
+    </p:spTree>
+  </p:cSld>
+  <p:clrMapOvr>
+    <a:masterClrMapping/>
+  </p:clrMapOvr>
+</p:sld>
+</file>
+
+<file path=ppt/slides/slide64.xml><?xml version="1.0" encoding="utf-8"?>
+<p:sld xmlns:a="http://schemas.openxmlformats.org/drawingml/2006/main" xmlns:p="http://schemas.openxmlformats.org/presentationml/2006/main" xmlns:r="http://schemas.openxmlformats.org/officeDocument/2006/relationships">
+  <p:cSld>
+    <p:spTree>
+      <p:nvGrpSpPr>
+        <p:cNvPr id="1" name=""/>
+        <p:cNvGrpSpPr/>
+        <p:nvPr/>
+      </p:nvGrpSpPr>
+      <p:grpSpPr/>
+      <p:sp>
+        <p:nvSpPr>
+          <p:cNvPr id="2" name="Title 1"/>
+          <p:cNvSpPr>
+            <a:spLocks noGrp="1"/>
+          </p:cNvSpPr>
+          <p:nvPr>
+            <p:ph type="title"/>
+          </p:nvPr>
+        </p:nvSpPr>
+        <p:spPr/>
+        <p:txBody>
+          <a:bodyPr/>
+          <a:lstStyle/>
+          <a:p>
+            <a:r>
+              <a:t>Match Sample</a:t>
+            </a:r>
+          </a:p>
+        </p:txBody>
+      </p:sp>
+      <p:pic>
+        <p:nvPicPr>
+          <p:cNvPr id="3" name="Picture Placeholder 2" descr="image.png"/>
+          <p:cNvPicPr>
+            <a:picLocks noGrp="1" noChangeAspect="1"/>
+          </p:cNvPicPr>
+          <p:nvPr>
+            <p:ph type="pic" idx="13" sz="quarter"/>
+          </p:nvPr>
+        </p:nvPicPr>
+        <p:blipFill>
+          <a:blip r:embed="rId2"/>
+          <a:srcRect l="14" r="14"/>
+          <a:stretch>
+            <a:fillRect/>
+          </a:stretch>
+        </p:blipFill>
+        <p:spPr/>
+      </p:pic>
+      <p:sp>
+        <p:nvSpPr>
+          <p:cNvPr id="4" name="Text Placeholder 3"/>
+          <p:cNvSpPr>
+            <a:spLocks noGrp="1"/>
+          </p:cNvSpPr>
+          <p:nvPr>
+            <p:ph type="body" idx="14" sz="quarter"/>
+          </p:nvPr>
+        </p:nvSpPr>
+        <p:spPr/>
+        <p:txBody>
+          <a:bodyPr/>
+          <a:lstStyle/>
+          <a:p>
+            <a:r>
+              <a:t>RT by age</a:t>
+            </a:r>
+          </a:p>
+        </p:txBody>
+      </p:sp>
+    </p:spTree>
+  </p:cSld>
+  <p:clrMapOvr>
+    <a:masterClrMapping/>
+  </p:clrMapOvr>
+</p:sld>
+</file>
+
+<file path=ppt/slides/slide65.xml><?xml version="1.0" encoding="utf-8"?>
+<p:sld xmlns:a="http://schemas.openxmlformats.org/drawingml/2006/main" xmlns:p="http://schemas.openxmlformats.org/presentationml/2006/main" xmlns:r="http://schemas.openxmlformats.org/officeDocument/2006/relationships">
+  <p:cSld>
+    <p:spTree>
+      <p:nvGrpSpPr>
+        <p:cNvPr id="1" name=""/>
+        <p:cNvGrpSpPr/>
+        <p:nvPr/>
+      </p:nvGrpSpPr>
+      <p:grpSpPr/>
+      <p:sp>
+        <p:nvSpPr>
+          <p:cNvPr id="2" name="Title 1"/>
+          <p:cNvSpPr>
+            <a:spLocks noGrp="1"/>
+          </p:cNvSpPr>
+          <p:nvPr>
+            <p:ph type="title"/>
+          </p:nvPr>
+        </p:nvSpPr>
+        <p:spPr/>
+        <p:txBody>
+          <a:bodyPr/>
+          <a:lstStyle/>
+          <a:p>
+            <a:r>
+              <a:t>Match Sample</a:t>
+            </a:r>
+          </a:p>
+        </p:txBody>
+      </p:sp>
+      <p:pic>
+        <p:nvPicPr>
+          <p:cNvPr id="3" name="Picture Placeholder 2" descr="image.png"/>
+          <p:cNvPicPr>
+            <a:picLocks noGrp="1" noChangeAspect="1"/>
+          </p:cNvPicPr>
+          <p:nvPr>
+            <p:ph type="pic" idx="13" sz="quarter"/>
+          </p:nvPr>
+        </p:nvPicPr>
+        <p:blipFill>
+          <a:blip r:embed="rId2"/>
+          <a:srcRect l="14" r="14"/>
+          <a:stretch>
+            <a:fillRect/>
+          </a:stretch>
+        </p:blipFill>
+        <p:spPr/>
+      </p:pic>
+      <p:sp>
+        <p:nvSpPr>
+          <p:cNvPr id="4" name="Text Placeholder 3"/>
+          <p:cNvSpPr>
+            <a:spLocks noGrp="1"/>
+          </p:cNvSpPr>
+          <p:nvPr>
+            <p:ph type="body" idx="14" sz="quarter"/>
+          </p:nvPr>
+        </p:nvSpPr>
+        <p:spPr/>
+        <p:txBody>
+          <a:bodyPr/>
+          <a:lstStyle/>
+          <a:p>
+            <a:r>
+              <a:t>Accuracy by age</a:t>
+            </a:r>
+          </a:p>
+        </p:txBody>
+      </p:sp>
+    </p:spTree>
+  </p:cSld>
+  <p:clrMapOvr>
+    <a:masterClrMapping/>
+  </p:clrMapOvr>
+</p:sld>
+</file>
+
+<file path=ppt/slides/slide66.xml><?xml version="1.0" encoding="utf-8"?>
+<p:sld xmlns:a="http://schemas.openxmlformats.org/drawingml/2006/main" xmlns:p="http://schemas.openxmlformats.org/presentationml/2006/main" xmlns:r="http://schemas.openxmlformats.org/officeDocument/2006/relationships">
+  <p:cSld>
+    <p:spTree>
+      <p:nvGrpSpPr>
+        <p:cNvPr id="1" name=""/>
+        <p:cNvGrpSpPr/>
+        <p:nvPr/>
+      </p:nvGrpSpPr>
+      <p:grpSpPr/>
+      <p:sp>
+        <p:nvSpPr>
+          <p:cNvPr id="2" name="Title 1"/>
+          <p:cNvSpPr>
+            <a:spLocks noGrp="1"/>
+          </p:cNvSpPr>
+          <p:nvPr>
+            <p:ph type="title"/>
+          </p:nvPr>
+        </p:nvSpPr>
+        <p:spPr/>
+        <p:txBody>
+          <a:bodyPr/>
+          <a:lstStyle/>
+          <a:p>
+            <a:r>
+              <a:t>Match Sample Rotate</a:t>
+            </a:r>
+          </a:p>
+        </p:txBody>
+      </p:sp>
+      <p:pic>
+        <p:nvPicPr>
+          <p:cNvPr id="3" name="Picture Placeholder 2" descr="image.png"/>
+          <p:cNvPicPr>
+            <a:picLocks noGrp="1" noChangeAspect="1"/>
+          </p:cNvPicPr>
+          <p:nvPr>
+            <p:ph type="pic" idx="13" sz="quarter"/>
+          </p:nvPr>
+        </p:nvPicPr>
+        <p:blipFill>
+          <a:blip r:embed="rId2"/>
+          <a:srcRect l="14" r="14"/>
+          <a:stretch>
+            <a:fillRect/>
+          </a:stretch>
+        </p:blipFill>
+        <p:spPr/>
+      </p:pic>
+      <p:sp>
+        <p:nvSpPr>
+          <p:cNvPr id="4" name="Text Placeholder 3"/>
+          <p:cNvSpPr>
+            <a:spLocks noGrp="1"/>
+          </p:cNvSpPr>
+          <p:nvPr>
+            <p:ph type="body" idx="14" sz="quarter"/>
+          </p:nvPr>
+        </p:nvSpPr>
+        <p:spPr/>
+        <p:txBody>
+          <a:bodyPr/>
+          <a:lstStyle/>
+          <a:p>
+            <a:r>
+              <a:t>LISAS by age</a:t>
+            </a:r>
+          </a:p>
+        </p:txBody>
+      </p:sp>
+    </p:spTree>
+  </p:cSld>
+  <p:clrMapOvr>
+    <a:masterClrMapping/>
+  </p:clrMapOvr>
+</p:sld>
+</file>
+
+<file path=ppt/slides/slide67.xml><?xml version="1.0" encoding="utf-8"?>
+<p:sld xmlns:a="http://schemas.openxmlformats.org/drawingml/2006/main" xmlns:p="http://schemas.openxmlformats.org/presentationml/2006/main" xmlns:r="http://schemas.openxmlformats.org/officeDocument/2006/relationships">
+  <p:cSld>
+    <p:spTree>
+      <p:nvGrpSpPr>
+        <p:cNvPr id="1" name=""/>
+        <p:cNvGrpSpPr/>
+        <p:nvPr/>
+      </p:nvGrpSpPr>
+      <p:grpSpPr/>
+      <p:sp>
+        <p:nvSpPr>
+          <p:cNvPr id="2" name="Title 1"/>
+          <p:cNvSpPr>
+            <a:spLocks noGrp="1"/>
+          </p:cNvSpPr>
+          <p:nvPr>
+            <p:ph type="title"/>
+          </p:nvPr>
+        </p:nvSpPr>
+        <p:spPr/>
+        <p:txBody>
+          <a:bodyPr/>
+          <a:lstStyle/>
+          <a:p>
+            <a:r>
+              <a:t>Match Sample Rotate</a:t>
+            </a:r>
+          </a:p>
+        </p:txBody>
+      </p:sp>
+      <p:pic>
+        <p:nvPicPr>
+          <p:cNvPr id="3" name="Picture Placeholder 2" descr="image.png"/>
+          <p:cNvPicPr>
+            <a:picLocks noGrp="1" noChangeAspect="1"/>
+          </p:cNvPicPr>
+          <p:nvPr>
+            <p:ph type="pic" idx="13" sz="quarter"/>
+          </p:nvPr>
+        </p:nvPicPr>
+        <p:blipFill>
+          <a:blip r:embed="rId2"/>
+          <a:srcRect l="14" r="14"/>
+          <a:stretch>
+            <a:fillRect/>
+          </a:stretch>
+        </p:blipFill>
+        <p:spPr/>
+      </p:pic>
+      <p:sp>
+        <p:nvSpPr>
+          <p:cNvPr id="4" name="Text Placeholder 3"/>
+          <p:cNvSpPr>
+            <a:spLocks noGrp="1"/>
+          </p:cNvSpPr>
+          <p:nvPr>
+            <p:ph type="body" idx="14" sz="quarter"/>
+          </p:nvPr>
+        </p:nvSpPr>
+        <p:spPr/>
+        <p:txBody>
+          <a:bodyPr/>
+          <a:lstStyle/>
+          <a:p>
+            <a:r>
+              <a:t>IES by age</a:t>
+            </a:r>
+          </a:p>
+        </p:txBody>
+      </p:sp>
+    </p:spTree>
+  </p:cSld>
+  <p:clrMapOvr>
+    <a:masterClrMapping/>
+  </p:clrMapOvr>
+</p:sld>
+</file>
+
+<file path=ppt/slides/slide68.xml><?xml version="1.0" encoding="utf-8"?>
+<p:sld xmlns:a="http://schemas.openxmlformats.org/drawingml/2006/main" xmlns:p="http://schemas.openxmlformats.org/presentationml/2006/main" xmlns:r="http://schemas.openxmlformats.org/officeDocument/2006/relationships">
+  <p:cSld>
+    <p:spTree>
+      <p:nvGrpSpPr>
+        <p:cNvPr id="1" name=""/>
+        <p:cNvGrpSpPr/>
+        <p:nvPr/>
+      </p:nvGrpSpPr>
+      <p:grpSpPr/>
+      <p:sp>
+        <p:nvSpPr>
+          <p:cNvPr id="2" name="Title 1"/>
+          <p:cNvSpPr>
+            <a:spLocks noGrp="1"/>
+          </p:cNvSpPr>
+          <p:nvPr>
+            <p:ph type="title"/>
+          </p:nvPr>
+        </p:nvSpPr>
+        <p:spPr/>
+        <p:txBody>
+          <a:bodyPr/>
+          <a:lstStyle/>
+          <a:p>
+            <a:r>
+              <a:t>Match Sample Rotate</a:t>
+            </a:r>
+          </a:p>
+        </p:txBody>
+      </p:sp>
+      <p:pic>
+        <p:nvPicPr>
+          <p:cNvPr id="3" name="Picture Placeholder 2" descr="image.png"/>
+          <p:cNvPicPr>
+            <a:picLocks noGrp="1" noChangeAspect="1"/>
+          </p:cNvPicPr>
+          <p:nvPr>
+            <p:ph type="pic" idx="13" sz="quarter"/>
+          </p:nvPr>
+        </p:nvPicPr>
+        <p:blipFill>
+          <a:blip r:embed="rId2"/>
+          <a:srcRect l="14" r="14"/>
+          <a:stretch>
+            <a:fillRect/>
+          </a:stretch>
+        </p:blipFill>
+        <p:spPr/>
+      </p:pic>
+      <p:sp>
+        <p:nvSpPr>
+          <p:cNvPr id="4" name="Text Placeholder 3"/>
+          <p:cNvSpPr>
+            <a:spLocks noGrp="1"/>
+          </p:cNvSpPr>
+          <p:nvPr>
+            <p:ph type="body" idx="14" sz="quarter"/>
+          </p:nvPr>
+        </p:nvSpPr>
+        <p:spPr/>
+        <p:txBody>
+          <a:bodyPr/>
+          <a:lstStyle/>
+          <a:p>
+            <a:r>
+              <a:t>RCS by age</a:t>
+            </a:r>
+          </a:p>
+        </p:txBody>
+      </p:sp>
+    </p:spTree>
+  </p:cSld>
+  <p:clrMapOvr>
+    <a:masterClrMapping/>
+  </p:clrMapOvr>
+</p:sld>
+</file>
+
+<file path=ppt/slides/slide69.xml><?xml version="1.0" encoding="utf-8"?>
+<p:sld xmlns:a="http://schemas.openxmlformats.org/drawingml/2006/main" xmlns:p="http://schemas.openxmlformats.org/presentationml/2006/main" xmlns:r="http://schemas.openxmlformats.org/officeDocument/2006/relationships">
+  <p:cSld>
+    <p:spTree>
+      <p:nvGrpSpPr>
+        <p:cNvPr id="1" name=""/>
+        <p:cNvGrpSpPr/>
+        <p:nvPr/>
+      </p:nvGrpSpPr>
+      <p:grpSpPr/>
+      <p:sp>
+        <p:nvSpPr>
+          <p:cNvPr id="2" name="Title 1"/>
+          <p:cNvSpPr>
+            <a:spLocks noGrp="1"/>
+          </p:cNvSpPr>
+          <p:nvPr>
+            <p:ph type="title"/>
+          </p:nvPr>
+        </p:nvSpPr>
+        <p:spPr/>
+        <p:txBody>
+          <a:bodyPr/>
+          <a:lstStyle/>
+          <a:p>
+            <a:r>
+              <a:t>Match Sample Rotate</a:t>
+            </a:r>
+          </a:p>
+        </p:txBody>
+      </p:sp>
+      <p:pic>
+        <p:nvPicPr>
+          <p:cNvPr id="3" name="Picture Placeholder 2" descr="image.png"/>
+          <p:cNvPicPr>
+            <a:picLocks noGrp="1" noChangeAspect="1"/>
+          </p:cNvPicPr>
+          <p:nvPr>
+            <p:ph type="pic" idx="13" sz="quarter"/>
+          </p:nvPr>
+        </p:nvPicPr>
+        <p:blipFill>
+          <a:blip r:embed="rId2"/>
+          <a:srcRect l="14" r="14"/>
+          <a:stretch>
+            <a:fillRect/>
+          </a:stretch>
+        </p:blipFill>
+        <p:spPr/>
+      </p:pic>
+      <p:sp>
+        <p:nvSpPr>
+          <p:cNvPr id="4" name="Text Placeholder 3"/>
+          <p:cNvSpPr>
+            <a:spLocks noGrp="1"/>
+          </p:cNvSpPr>
+          <p:nvPr>
+            <p:ph type="body" idx="14" sz="quarter"/>
+          </p:nvPr>
+        </p:nvSpPr>
+        <p:spPr/>
+        <p:txBody>
+          <a:bodyPr/>
+          <a:lstStyle/>
+          <a:p>
+            <a:r>
+              <a:t>RT by age</a:t>
+            </a:r>
+          </a:p>
+        </p:txBody>
+      </p:sp>
+    </p:spTree>
+  </p:cSld>
+  <p:clrMapOvr>
+    <a:masterClrMapping/>
+  </p:clrMapOvr>
+</p:sld>
+</file>
+
+<file path=ppt/slides/slide7.xml><?xml version="1.0" encoding="utf-8"?>
+<p:sld xmlns:a="http://schemas.openxmlformats.org/drawingml/2006/main" xmlns:p="http://schemas.openxmlformats.org/presentationml/2006/main" xmlns:r="http://schemas.openxmlformats.org/officeDocument/2006/relationships">
+  <p:cSld>
+    <p:spTree>
+      <p:nvGrpSpPr>
+        <p:cNvPr id="1" name=""/>
+        <p:cNvGrpSpPr/>
+        <p:nvPr/>
+      </p:nvGrpSpPr>
+      <p:grpSpPr/>
+      <p:sp>
+        <p:nvSpPr>
+          <p:cNvPr id="2" name="Title 1"/>
+          <p:cNvSpPr>
+            <a:spLocks noGrp="1"/>
+          </p:cNvSpPr>
+          <p:nvPr>
+            <p:ph type="title"/>
+          </p:nvPr>
+        </p:nvSpPr>
+        <p:spPr/>
+        <p:txBody>
+          <a:bodyPr/>
+          <a:lstStyle/>
+          <a:p>
+            <a:r>
+              <a:t>Match Sample</a:t>
+            </a:r>
+          </a:p>
+        </p:txBody>
+      </p:sp>
+      <p:pic>
+        <p:nvPicPr>
+          <p:cNvPr id="3" name="Picture Placeholder 2" descr="match-sample-ies-by-age.png"/>
+          <p:cNvPicPr>
+            <a:picLocks noGrp="1" noChangeAspect="1"/>
+          </p:cNvPicPr>
+          <p:nvPr>
+            <p:ph type="pic" idx="13" sz="quarter"/>
+          </p:nvPr>
+        </p:nvPicPr>
+        <p:blipFill>
+          <a:blip r:embed="rId2"/>
+          <a:srcRect l="14" r="14"/>
+          <a:stretch>
+            <a:fillRect/>
+          </a:stretch>
+        </p:blipFill>
+        <p:spPr/>
+      </p:pic>
+      <p:sp>
+        <p:nvSpPr>
+          <p:cNvPr id="4" name="Text Placeholder 3"/>
+          <p:cNvSpPr>
+            <a:spLocks noGrp="1"/>
+          </p:cNvSpPr>
+          <p:nvPr>
+            <p:ph type="body" idx="14" sz="quarter"/>
+          </p:nvPr>
+        </p:nvSpPr>
+        <p:spPr/>
+        <p:txBody>
+          <a:bodyPr/>
+          <a:lstStyle/>
+          <a:p>
+            <a:r>
+              <a:t>IES by age</a:t>
+            </a:r>
+          </a:p>
+        </p:txBody>
+      </p:sp>
+    </p:spTree>
+  </p:cSld>
+  <p:clrMapOvr>
+    <a:masterClrMapping/>
+  </p:clrMapOvr>
+</p:sld>
+</file>
+
+<file path=ppt/slides/slide70.xml><?xml version="1.0" encoding="utf-8"?>
+<p:sld xmlns:a="http://schemas.openxmlformats.org/drawingml/2006/main" xmlns:p="http://schemas.openxmlformats.org/presentationml/2006/main" xmlns:r="http://schemas.openxmlformats.org/officeDocument/2006/relationships">
+  <p:cSld>
+    <p:spTree>
+      <p:nvGrpSpPr>
+        <p:cNvPr id="1" name=""/>
+        <p:cNvGrpSpPr/>
+        <p:nvPr/>
+      </p:nvGrpSpPr>
+      <p:grpSpPr/>
+      <p:sp>
+        <p:nvSpPr>
+          <p:cNvPr id="2" name="Title 1"/>
+          <p:cNvSpPr>
+            <a:spLocks noGrp="1"/>
+          </p:cNvSpPr>
+          <p:nvPr>
+            <p:ph type="title"/>
+          </p:nvPr>
+        </p:nvSpPr>
+        <p:spPr/>
+        <p:txBody>
+          <a:bodyPr/>
+          <a:lstStyle/>
+          <a:p>
+            <a:r>
+              <a:t>Match Sample Rotate</a:t>
+            </a:r>
+          </a:p>
+        </p:txBody>
+      </p:sp>
+      <p:pic>
+        <p:nvPicPr>
+          <p:cNvPr id="3" name="Picture Placeholder 2" descr="image.png"/>
+          <p:cNvPicPr>
+            <a:picLocks noGrp="1" noChangeAspect="1"/>
+          </p:cNvPicPr>
+          <p:nvPr>
+            <p:ph type="pic" idx="13" sz="quarter"/>
+          </p:nvPr>
+        </p:nvPicPr>
+        <p:blipFill>
+          <a:blip r:embed="rId2"/>
+          <a:srcRect l="14" r="14"/>
+          <a:stretch>
+            <a:fillRect/>
+          </a:stretch>
+        </p:blipFill>
+        <p:spPr/>
+      </p:pic>
+      <p:sp>
+        <p:nvSpPr>
+          <p:cNvPr id="4" name="Text Placeholder 3"/>
+          <p:cNvSpPr>
+            <a:spLocks noGrp="1"/>
+          </p:cNvSpPr>
+          <p:nvPr>
+            <p:ph type="body" idx="14" sz="quarter"/>
+          </p:nvPr>
+        </p:nvSpPr>
+        <p:spPr/>
+        <p:txBody>
+          <a:bodyPr/>
+          <a:lstStyle/>
+          <a:p>
+            <a:r>
+              <a:t>Accuracy by age</a:t>
+            </a:r>
+          </a:p>
+        </p:txBody>
+      </p:sp>
+    </p:spTree>
+  </p:cSld>
+  <p:clrMapOvr>
+    <a:masterClrMapping/>
+  </p:clrMapOvr>
+</p:sld>
+</file>
+
+<file path=ppt/slides/slide71.xml><?xml version="1.0" encoding="utf-8"?>
+<p:sld xmlns:a="http://schemas.openxmlformats.org/drawingml/2006/main" xmlns:p="http://schemas.openxmlformats.org/presentationml/2006/main" xmlns:r="http://schemas.openxmlformats.org/officeDocument/2006/relationships">
+  <p:cSld>
+    <p:spTree>
+      <p:nvGrpSpPr>
+        <p:cNvPr id="1" name=""/>
+        <p:cNvGrpSpPr/>
+        <p:nvPr/>
+      </p:nvGrpSpPr>
+      <p:grpSpPr/>
+      <p:sp>
+        <p:nvSpPr>
+          <p:cNvPr id="2" name="Title 1"/>
+          <p:cNvSpPr>
+            <a:spLocks noGrp="1"/>
+          </p:cNvSpPr>
+          <p:nvPr>
+            <p:ph type="title"/>
+          </p:nvPr>
+        </p:nvSpPr>
+        <p:spPr/>
+        <p:txBody>
+          <a:bodyPr/>
+          <a:lstStyle/>
+          <a:p>
+            <a:r>
+              <a:t>Match Points Number</a:t>
+            </a:r>
+          </a:p>
+        </p:txBody>
+      </p:sp>
+      <p:pic>
+        <p:nvPicPr>
+          <p:cNvPr id="3" name="Picture Placeholder 2" descr="image.png"/>
+          <p:cNvPicPr>
+            <a:picLocks noGrp="1" noChangeAspect="1"/>
+          </p:cNvPicPr>
+          <p:nvPr>
+            <p:ph type="pic" idx="13" sz="quarter"/>
+          </p:nvPr>
+        </p:nvPicPr>
+        <p:blipFill>
+          <a:blip r:embed="rId2"/>
+          <a:srcRect l="14" r="14"/>
+          <a:stretch>
+            <a:fillRect/>
+          </a:stretch>
+        </p:blipFill>
+        <p:spPr/>
+      </p:pic>
+      <p:sp>
+        <p:nvSpPr>
+          <p:cNvPr id="4" name="Text Placeholder 3"/>
+          <p:cNvSpPr>
+            <a:spLocks noGrp="1"/>
+          </p:cNvSpPr>
+          <p:nvPr>
+            <p:ph type="body" idx="14" sz="quarter"/>
+          </p:nvPr>
+        </p:nvSpPr>
+        <p:spPr/>
+        <p:txBody>
+          <a:bodyPr/>
+          <a:lstStyle/>
+          <a:p>
+            <a:r>
+              <a:t>LISAS by age</a:t>
+            </a:r>
+          </a:p>
+        </p:txBody>
+      </p:sp>
+    </p:spTree>
+  </p:cSld>
+  <p:clrMapOvr>
+    <a:masterClrMapping/>
+  </p:clrMapOvr>
+</p:sld>
+</file>
+
+<file path=ppt/slides/slide72.xml><?xml version="1.0" encoding="utf-8"?>
+<p:sld xmlns:a="http://schemas.openxmlformats.org/drawingml/2006/main" xmlns:p="http://schemas.openxmlformats.org/presentationml/2006/main" xmlns:r="http://schemas.openxmlformats.org/officeDocument/2006/relationships">
+  <p:cSld>
+    <p:spTree>
+      <p:nvGrpSpPr>
+        <p:cNvPr id="1" name=""/>
+        <p:cNvGrpSpPr/>
+        <p:nvPr/>
+      </p:nvGrpSpPr>
+      <p:grpSpPr/>
+      <p:sp>
+        <p:nvSpPr>
+          <p:cNvPr id="2" name="Title 1"/>
+          <p:cNvSpPr>
+            <a:spLocks noGrp="1"/>
+          </p:cNvSpPr>
+          <p:nvPr>
+            <p:ph type="title"/>
+          </p:nvPr>
+        </p:nvSpPr>
+        <p:spPr/>
+        <p:txBody>
+          <a:bodyPr/>
+          <a:lstStyle/>
+          <a:p>
+            <a:r>
+              <a:t>Match Points Number</a:t>
+            </a:r>
+          </a:p>
+        </p:txBody>
+      </p:sp>
+      <p:pic>
+        <p:nvPicPr>
+          <p:cNvPr id="3" name="Picture Placeholder 2" descr="image.png"/>
+          <p:cNvPicPr>
+            <a:picLocks noGrp="1" noChangeAspect="1"/>
+          </p:cNvPicPr>
+          <p:nvPr>
+            <p:ph type="pic" idx="13" sz="quarter"/>
+          </p:nvPr>
+        </p:nvPicPr>
+        <p:blipFill>
+          <a:blip r:embed="rId2"/>
+          <a:srcRect l="14" r="14"/>
+          <a:stretch>
+            <a:fillRect/>
+          </a:stretch>
+        </p:blipFill>
+        <p:spPr/>
+      </p:pic>
+      <p:sp>
+        <p:nvSpPr>
+          <p:cNvPr id="4" name="Text Placeholder 3"/>
+          <p:cNvSpPr>
+            <a:spLocks noGrp="1"/>
+          </p:cNvSpPr>
+          <p:nvPr>
+            <p:ph type="body" idx="14" sz="quarter"/>
+          </p:nvPr>
+        </p:nvSpPr>
+        <p:spPr/>
+        <p:txBody>
+          <a:bodyPr/>
+          <a:lstStyle/>
+          <a:p>
+            <a:r>
+              <a:t>IES by age</a:t>
+            </a:r>
+          </a:p>
+        </p:txBody>
+      </p:sp>
+    </p:spTree>
+  </p:cSld>
+  <p:clrMapOvr>
+    <a:masterClrMapping/>
+  </p:clrMapOvr>
+</p:sld>
+</file>
+
+<file path=ppt/slides/slide73.xml><?xml version="1.0" encoding="utf-8"?>
+<p:sld xmlns:a="http://schemas.openxmlformats.org/drawingml/2006/main" xmlns:p="http://schemas.openxmlformats.org/presentationml/2006/main" xmlns:r="http://schemas.openxmlformats.org/officeDocument/2006/relationships">
+  <p:cSld>
+    <p:spTree>
+      <p:nvGrpSpPr>
+        <p:cNvPr id="1" name=""/>
+        <p:cNvGrpSpPr/>
+        <p:nvPr/>
+      </p:nvGrpSpPr>
+      <p:grpSpPr/>
+      <p:sp>
+        <p:nvSpPr>
+          <p:cNvPr id="2" name="Title 1"/>
+          <p:cNvSpPr>
+            <a:spLocks noGrp="1"/>
+          </p:cNvSpPr>
+          <p:nvPr>
+            <p:ph type="title"/>
+          </p:nvPr>
+        </p:nvSpPr>
+        <p:spPr/>
+        <p:txBody>
+          <a:bodyPr/>
+          <a:lstStyle/>
+          <a:p>
+            <a:r>
+              <a:t>Match Points Number</a:t>
+            </a:r>
+          </a:p>
+        </p:txBody>
+      </p:sp>
+      <p:pic>
+        <p:nvPicPr>
+          <p:cNvPr id="3" name="Picture Placeholder 2" descr="image.png"/>
+          <p:cNvPicPr>
+            <a:picLocks noGrp="1" noChangeAspect="1"/>
+          </p:cNvPicPr>
+          <p:nvPr>
+            <p:ph type="pic" idx="13" sz="quarter"/>
+          </p:nvPr>
+        </p:nvPicPr>
+        <p:blipFill>
+          <a:blip r:embed="rId2"/>
+          <a:srcRect l="14" r="14"/>
+          <a:stretch>
+            <a:fillRect/>
+          </a:stretch>
+        </p:blipFill>
+        <p:spPr/>
+      </p:pic>
+      <p:sp>
+        <p:nvSpPr>
+          <p:cNvPr id="4" name="Text Placeholder 3"/>
+          <p:cNvSpPr>
+            <a:spLocks noGrp="1"/>
+          </p:cNvSpPr>
+          <p:nvPr>
+            <p:ph type="body" idx="14" sz="quarter"/>
+          </p:nvPr>
+        </p:nvSpPr>
+        <p:spPr/>
+        <p:txBody>
+          <a:bodyPr/>
+          <a:lstStyle/>
+          <a:p>
+            <a:r>
+              <a:t>RCS by age</a:t>
+            </a:r>
+          </a:p>
+        </p:txBody>
+      </p:sp>
+    </p:spTree>
+  </p:cSld>
+  <p:clrMapOvr>
+    <a:masterClrMapping/>
+  </p:clrMapOvr>
+</p:sld>
+</file>
+
+<file path=ppt/slides/slide74.xml><?xml version="1.0" encoding="utf-8"?>
+<p:sld xmlns:a="http://schemas.openxmlformats.org/drawingml/2006/main" xmlns:p="http://schemas.openxmlformats.org/presentationml/2006/main" xmlns:r="http://schemas.openxmlformats.org/officeDocument/2006/relationships">
+  <p:cSld>
+    <p:spTree>
+      <p:nvGrpSpPr>
+        <p:cNvPr id="1" name=""/>
+        <p:cNvGrpSpPr/>
+        <p:nvPr/>
+      </p:nvGrpSpPr>
+      <p:grpSpPr/>
+      <p:sp>
+        <p:nvSpPr>
+          <p:cNvPr id="2" name="Title 1"/>
+          <p:cNvSpPr>
+            <a:spLocks noGrp="1"/>
+          </p:cNvSpPr>
+          <p:nvPr>
+            <p:ph type="title"/>
+          </p:nvPr>
+        </p:nvSpPr>
+        <p:spPr/>
+        <p:txBody>
+          <a:bodyPr/>
+          <a:lstStyle/>
+          <a:p>
+            <a:r>
+              <a:t>Match Points Number</a:t>
+            </a:r>
+          </a:p>
+        </p:txBody>
+      </p:sp>
+      <p:pic>
+        <p:nvPicPr>
+          <p:cNvPr id="3" name="Picture Placeholder 2" descr="image.png"/>
+          <p:cNvPicPr>
+            <a:picLocks noGrp="1" noChangeAspect="1"/>
+          </p:cNvPicPr>
+          <p:nvPr>
+            <p:ph type="pic" idx="13" sz="quarter"/>
+          </p:nvPr>
+        </p:nvPicPr>
+        <p:blipFill>
+          <a:blip r:embed="rId2"/>
+          <a:srcRect l="14" r="14"/>
+          <a:stretch>
+            <a:fillRect/>
+          </a:stretch>
+        </p:blipFill>
+        <p:spPr/>
+      </p:pic>
+      <p:sp>
+        <p:nvSpPr>
+          <p:cNvPr id="4" name="Text Placeholder 3"/>
+          <p:cNvSpPr>
+            <a:spLocks noGrp="1"/>
+          </p:cNvSpPr>
+          <p:nvPr>
+            <p:ph type="body" idx="14" sz="quarter"/>
+          </p:nvPr>
+        </p:nvSpPr>
+        <p:spPr/>
+        <p:txBody>
+          <a:bodyPr/>
+          <a:lstStyle/>
+          <a:p>
+            <a:r>
+              <a:t>RT by age</a:t>
+            </a:r>
+          </a:p>
+        </p:txBody>
+      </p:sp>
+    </p:spTree>
+  </p:cSld>
+  <p:clrMapOvr>
+    <a:masterClrMapping/>
+  </p:clrMapOvr>
+</p:sld>
+</file>
+
+<file path=ppt/slides/slide75.xml><?xml version="1.0" encoding="utf-8"?>
+<p:sld xmlns:a="http://schemas.openxmlformats.org/drawingml/2006/main" xmlns:p="http://schemas.openxmlformats.org/presentationml/2006/main" xmlns:r="http://schemas.openxmlformats.org/officeDocument/2006/relationships">
+  <p:cSld>
+    <p:spTree>
+      <p:nvGrpSpPr>
+        <p:cNvPr id="1" name=""/>
+        <p:cNvGrpSpPr/>
+        <p:nvPr/>
+      </p:nvGrpSpPr>
+      <p:grpSpPr/>
+      <p:sp>
+        <p:nvSpPr>
+          <p:cNvPr id="2" name="Title 1"/>
+          <p:cNvSpPr>
+            <a:spLocks noGrp="1"/>
+          </p:cNvSpPr>
+          <p:nvPr>
+            <p:ph type="title"/>
+          </p:nvPr>
+        </p:nvSpPr>
+        <p:spPr/>
+        <p:txBody>
+          <a:bodyPr/>
+          <a:lstStyle/>
+          <a:p>
+            <a:r>
+              <a:t>Match Points Number</a:t>
+            </a:r>
+          </a:p>
+        </p:txBody>
+      </p:sp>
+      <p:pic>
+        <p:nvPicPr>
+          <p:cNvPr id="3" name="Picture Placeholder 2" descr="image.png"/>
+          <p:cNvPicPr>
+            <a:picLocks noGrp="1" noChangeAspect="1"/>
+          </p:cNvPicPr>
+          <p:nvPr>
+            <p:ph type="pic" idx="13" sz="quarter"/>
+          </p:nvPr>
+        </p:nvPicPr>
+        <p:blipFill>
+          <a:blip r:embed="rId2"/>
+          <a:srcRect l="14" r="14"/>
+          <a:stretch>
+            <a:fillRect/>
+          </a:stretch>
+        </p:blipFill>
+        <p:spPr/>
+      </p:pic>
+      <p:sp>
+        <p:nvSpPr>
+          <p:cNvPr id="4" name="Text Placeholder 3"/>
+          <p:cNvSpPr>
+            <a:spLocks noGrp="1"/>
+          </p:cNvSpPr>
+          <p:nvPr>
+            <p:ph type="body" idx="14" sz="quarter"/>
+          </p:nvPr>
+        </p:nvSpPr>
+        <p:spPr/>
+        <p:txBody>
+          <a:bodyPr/>
+          <a:lstStyle/>
+          <a:p>
+            <a:r>
+              <a:t>Accuracy by age</a:t>
+            </a:r>
+          </a:p>
+        </p:txBody>
+      </p:sp>
+    </p:spTree>
+  </p:cSld>
+  <p:clrMapOvr>
+    <a:masterClrMapping/>
+  </p:clrMapOvr>
+</p:sld>
+</file>
+
+<file path=ppt/slides/slide76.xml><?xml version="1.0" encoding="utf-8"?>
+<p:sld xmlns:a="http://schemas.openxmlformats.org/drawingml/2006/main" xmlns:p="http://schemas.openxmlformats.org/presentationml/2006/main" xmlns:r="http://schemas.openxmlformats.org/officeDocument/2006/relationships">
+  <p:cSld>
+    <p:spTree>
+      <p:nvGrpSpPr>
+        <p:cNvPr id="1" name=""/>
+        <p:cNvGrpSpPr/>
+        <p:nvPr/>
+      </p:nvGrpSpPr>
+      <p:grpSpPr/>
+      <p:sp>
+        <p:nvSpPr>
+          <p:cNvPr id="2" name="Title 1"/>
+          <p:cNvSpPr>
+            <a:spLocks noGrp="1"/>
+          </p:cNvSpPr>
+          <p:nvPr>
+            <p:ph type="title"/>
+          </p:nvPr>
+        </p:nvSpPr>
+        <p:spPr/>
+        <p:txBody>
+          <a:bodyPr/>
+          <a:lstStyle/>
+          <a:p>
+            <a:r>
+              <a:t>Symbolic Magnitude</a:t>
+            </a:r>
+          </a:p>
+        </p:txBody>
+      </p:sp>
+      <p:pic>
+        <p:nvPicPr>
+          <p:cNvPr id="3" name="Picture Placeholder 2" descr="image.png"/>
+          <p:cNvPicPr>
+            <a:picLocks noGrp="1" noChangeAspect="1"/>
+          </p:cNvPicPr>
+          <p:nvPr>
+            <p:ph type="pic" idx="13" sz="quarter"/>
+          </p:nvPr>
+        </p:nvPicPr>
+        <p:blipFill>
+          <a:blip r:embed="rId2"/>
+          <a:srcRect l="14" r="14"/>
+          <a:stretch>
+            <a:fillRect/>
+          </a:stretch>
+        </p:blipFill>
+        <p:spPr/>
+      </p:pic>
+      <p:sp>
+        <p:nvSpPr>
+          <p:cNvPr id="4" name="Text Placeholder 3"/>
+          <p:cNvSpPr>
+            <a:spLocks noGrp="1"/>
+          </p:cNvSpPr>
+          <p:nvPr>
+            <p:ph type="body" idx="14" sz="quarter"/>
+          </p:nvPr>
+        </p:nvSpPr>
+        <p:spPr/>
+        <p:txBody>
+          <a:bodyPr/>
+          <a:lstStyle/>
+          <a:p>
+            <a:r>
+              <a:t>LISAS by age</a:t>
+            </a:r>
+          </a:p>
+        </p:txBody>
+      </p:sp>
+    </p:spTree>
+  </p:cSld>
+  <p:clrMapOvr>
+    <a:masterClrMapping/>
+  </p:clrMapOvr>
+</p:sld>
+</file>
+
+<file path=ppt/slides/slide77.xml><?xml version="1.0" encoding="utf-8"?>
+<p:sld xmlns:a="http://schemas.openxmlformats.org/drawingml/2006/main" xmlns:p="http://schemas.openxmlformats.org/presentationml/2006/main" xmlns:r="http://schemas.openxmlformats.org/officeDocument/2006/relationships">
+  <p:cSld>
+    <p:spTree>
+      <p:nvGrpSpPr>
+        <p:cNvPr id="1" name=""/>
+        <p:cNvGrpSpPr/>
+        <p:nvPr/>
+      </p:nvGrpSpPr>
+      <p:grpSpPr/>
+      <p:sp>
+        <p:nvSpPr>
+          <p:cNvPr id="2" name="Title 1"/>
+          <p:cNvSpPr>
+            <a:spLocks noGrp="1"/>
+          </p:cNvSpPr>
+          <p:nvPr>
+            <p:ph type="title"/>
+          </p:nvPr>
+        </p:nvSpPr>
+        <p:spPr/>
+        <p:txBody>
+          <a:bodyPr/>
+          <a:lstStyle/>
+          <a:p>
+            <a:r>
+              <a:t>Symbolic Magnitude</a:t>
+            </a:r>
+          </a:p>
+        </p:txBody>
+      </p:sp>
+      <p:pic>
+        <p:nvPicPr>
+          <p:cNvPr id="3" name="Picture Placeholder 2" descr="image.png"/>
+          <p:cNvPicPr>
+            <a:picLocks noGrp="1" noChangeAspect="1"/>
+          </p:cNvPicPr>
+          <p:nvPr>
+            <p:ph type="pic" idx="13" sz="quarter"/>
+          </p:nvPr>
+        </p:nvPicPr>
+        <p:blipFill>
+          <a:blip r:embed="rId2"/>
+          <a:srcRect l="14" r="14"/>
+          <a:stretch>
+            <a:fillRect/>
+          </a:stretch>
+        </p:blipFill>
+        <p:spPr/>
+      </p:pic>
+      <p:sp>
+        <p:nvSpPr>
+          <p:cNvPr id="4" name="Text Placeholder 3"/>
+          <p:cNvSpPr>
+            <a:spLocks noGrp="1"/>
+          </p:cNvSpPr>
+          <p:nvPr>
+            <p:ph type="body" idx="14" sz="quarter"/>
+          </p:nvPr>
+        </p:nvSpPr>
+        <p:spPr/>
+        <p:txBody>
+          <a:bodyPr/>
+          <a:lstStyle/>
+          <a:p>
+            <a:r>
+              <a:t>IES by age</a:t>
+            </a:r>
+          </a:p>
+        </p:txBody>
+      </p:sp>
+    </p:spTree>
+  </p:cSld>
+  <p:clrMapOvr>
+    <a:masterClrMapping/>
+  </p:clrMapOvr>
+</p:sld>
+</file>
+
+<file path=ppt/slides/slide78.xml><?xml version="1.0" encoding="utf-8"?>
+<p:sld xmlns:a="http://schemas.openxmlformats.org/drawingml/2006/main" xmlns:p="http://schemas.openxmlformats.org/presentationml/2006/main" xmlns:r="http://schemas.openxmlformats.org/officeDocument/2006/relationships">
+  <p:cSld>
+    <p:spTree>
+      <p:nvGrpSpPr>
+        <p:cNvPr id="1" name=""/>
+        <p:cNvGrpSpPr/>
+        <p:nvPr/>
+      </p:nvGrpSpPr>
+      <p:grpSpPr/>
+      <p:sp>
+        <p:nvSpPr>
+          <p:cNvPr id="2" name="Title 1"/>
+          <p:cNvSpPr>
+            <a:spLocks noGrp="1"/>
+          </p:cNvSpPr>
+          <p:nvPr>
+            <p:ph type="title"/>
+          </p:nvPr>
+        </p:nvSpPr>
+        <p:spPr/>
+        <p:txBody>
+          <a:bodyPr/>
+          <a:lstStyle/>
+          <a:p>
+            <a:r>
+              <a:t>Symbolic Magnitude</a:t>
+            </a:r>
+          </a:p>
+        </p:txBody>
+      </p:sp>
+      <p:pic>
+        <p:nvPicPr>
+          <p:cNvPr id="3" name="Picture Placeholder 2" descr="image.png"/>
+          <p:cNvPicPr>
+            <a:picLocks noGrp="1" noChangeAspect="1"/>
+          </p:cNvPicPr>
+          <p:nvPr>
+            <p:ph type="pic" idx="13" sz="quarter"/>
+          </p:nvPr>
+        </p:nvPicPr>
+        <p:blipFill>
+          <a:blip r:embed="rId2"/>
+          <a:srcRect l="14" r="14"/>
+          <a:stretch>
+            <a:fillRect/>
+          </a:stretch>
+        </p:blipFill>
+        <p:spPr/>
+      </p:pic>
+      <p:sp>
+        <p:nvSpPr>
+          <p:cNvPr id="4" name="Text Placeholder 3"/>
+          <p:cNvSpPr>
+            <a:spLocks noGrp="1"/>
+          </p:cNvSpPr>
+          <p:nvPr>
+            <p:ph type="body" idx="14" sz="quarter"/>
+          </p:nvPr>
+        </p:nvSpPr>
+        <p:spPr/>
+        <p:txBody>
+          <a:bodyPr/>
+          <a:lstStyle/>
+          <a:p>
+            <a:r>
+              <a:t>RCS by age</a:t>
+            </a:r>
+          </a:p>
+        </p:txBody>
+      </p:sp>
+    </p:spTree>
+  </p:cSld>
+  <p:clrMapOvr>
+    <a:masterClrMapping/>
+  </p:clrMapOvr>
+</p:sld>
+</file>
+
+<file path=ppt/slides/slide79.xml><?xml version="1.0" encoding="utf-8"?>
+<p:sld xmlns:a="http://schemas.openxmlformats.org/drawingml/2006/main" xmlns:p="http://schemas.openxmlformats.org/presentationml/2006/main" xmlns:r="http://schemas.openxmlformats.org/officeDocument/2006/relationships">
+  <p:cSld>
+    <p:spTree>
+      <p:nvGrpSpPr>
+        <p:cNvPr id="1" name=""/>
+        <p:cNvGrpSpPr/>
+        <p:nvPr/>
+      </p:nvGrpSpPr>
+      <p:grpSpPr/>
+      <p:sp>
+        <p:nvSpPr>
+          <p:cNvPr id="2" name="Title 1"/>
+          <p:cNvSpPr>
+            <a:spLocks noGrp="1"/>
+          </p:cNvSpPr>
+          <p:nvPr>
+            <p:ph type="title"/>
+          </p:nvPr>
+        </p:nvSpPr>
+        <p:spPr/>
+        <p:txBody>
+          <a:bodyPr/>
+          <a:lstStyle/>
+          <a:p>
+            <a:r>
+              <a:t>Symbolic Magnitude</a:t>
+            </a:r>
+          </a:p>
+        </p:txBody>
+      </p:sp>
+      <p:pic>
+        <p:nvPicPr>
+          <p:cNvPr id="3" name="Picture Placeholder 2" descr="image.png"/>
+          <p:cNvPicPr>
+            <a:picLocks noGrp="1" noChangeAspect="1"/>
+          </p:cNvPicPr>
+          <p:nvPr>
+            <p:ph type="pic" idx="13" sz="quarter"/>
+          </p:nvPr>
+        </p:nvPicPr>
+        <p:blipFill>
+          <a:blip r:embed="rId2"/>
+          <a:srcRect l="14" r="14"/>
+          <a:stretch>
+            <a:fillRect/>
+          </a:stretch>
+        </p:blipFill>
+        <p:spPr/>
+      </p:pic>
+      <p:sp>
+        <p:nvSpPr>
+          <p:cNvPr id="4" name="Text Placeholder 3"/>
+          <p:cNvSpPr>
+            <a:spLocks noGrp="1"/>
+          </p:cNvSpPr>
+          <p:nvPr>
+            <p:ph type="body" idx="14" sz="quarter"/>
+          </p:nvPr>
+        </p:nvSpPr>
+        <p:spPr/>
+        <p:txBody>
+          <a:bodyPr/>
+          <a:lstStyle/>
+          <a:p>
+            <a:r>
+              <a:t>RT by age</a:t>
+            </a:r>
+          </a:p>
+        </p:txBody>
+      </p:sp>
+    </p:spTree>
+  </p:cSld>
+  <p:clrMapOvr>
+    <a:masterClrMapping/>
+  </p:clrMapOvr>
+</p:sld>
+</file>
+
+<file path=ppt/slides/slide8.xml><?xml version="1.0" encoding="utf-8"?>
+<p:sld xmlns:a="http://schemas.openxmlformats.org/drawingml/2006/main" xmlns:p="http://schemas.openxmlformats.org/presentationml/2006/main" xmlns:r="http://schemas.openxmlformats.org/officeDocument/2006/relationships">
+  <p:cSld>
+    <p:spTree>
+      <p:nvGrpSpPr>
+        <p:cNvPr id="1" name=""/>
+        <p:cNvGrpSpPr/>
+        <p:nvPr/>
+      </p:nvGrpSpPr>
+      <p:grpSpPr/>
+      <p:sp>
+        <p:nvSpPr>
+          <p:cNvPr id="2" name="Title 1"/>
+          <p:cNvSpPr>
+            <a:spLocks noGrp="1"/>
+          </p:cNvSpPr>
+          <p:nvPr>
+            <p:ph type="title"/>
+          </p:nvPr>
+        </p:nvSpPr>
+        <p:spPr/>
+        <p:txBody>
+          <a:bodyPr/>
+          <a:lstStyle/>
+          <a:p>
+            <a:r>
+              <a:t>Match Sample</a:t>
+            </a:r>
+          </a:p>
+        </p:txBody>
+      </p:sp>
+      <p:pic>
+        <p:nvPicPr>
+          <p:cNvPr id="3" name="Picture Placeholder 2" descr="match-sample-rcs-by-age.png"/>
+          <p:cNvPicPr>
+            <a:picLocks noGrp="1" noChangeAspect="1"/>
+          </p:cNvPicPr>
+          <p:nvPr>
+            <p:ph type="pic" idx="13" sz="quarter"/>
+          </p:nvPr>
+        </p:nvPicPr>
+        <p:blipFill>
+          <a:blip r:embed="rId2"/>
+          <a:srcRect l="14" r="14"/>
+          <a:stretch>
+            <a:fillRect/>
+          </a:stretch>
+        </p:blipFill>
+        <p:spPr/>
+      </p:pic>
+      <p:sp>
+        <p:nvSpPr>
+          <p:cNvPr id="4" name="Text Placeholder 3"/>
+          <p:cNvSpPr>
+            <a:spLocks noGrp="1"/>
+          </p:cNvSpPr>
+          <p:nvPr>
+            <p:ph type="body" idx="14" sz="quarter"/>
+          </p:nvPr>
+        </p:nvSpPr>
+        <p:spPr/>
+        <p:txBody>
+          <a:bodyPr/>
+          <a:lstStyle/>
+          <a:p>
+            <a:r>
+              <a:t>RCS by age</a:t>
+            </a:r>
+          </a:p>
+        </p:txBody>
+      </p:sp>
+    </p:spTree>
+  </p:cSld>
+  <p:clrMapOvr>
+    <a:masterClrMapping/>
+  </p:clrMapOvr>
+</p:sld>
+</file>
+
+<file path=ppt/slides/slide80.xml><?xml version="1.0" encoding="utf-8"?>
+<p:sld xmlns:a="http://schemas.openxmlformats.org/drawingml/2006/main" xmlns:p="http://schemas.openxmlformats.org/presentationml/2006/main" xmlns:r="http://schemas.openxmlformats.org/officeDocument/2006/relationships">
+  <p:cSld>
+    <p:spTree>
+      <p:nvGrpSpPr>
+        <p:cNvPr id="1" name=""/>
+        <p:cNvGrpSpPr/>
+        <p:nvPr/>
+      </p:nvGrpSpPr>
+      <p:grpSpPr/>
+      <p:sp>
+        <p:nvSpPr>
+          <p:cNvPr id="2" name="Title 1"/>
+          <p:cNvSpPr>
+            <a:spLocks noGrp="1"/>
+          </p:cNvSpPr>
+          <p:nvPr>
+            <p:ph type="title"/>
+          </p:nvPr>
+        </p:nvSpPr>
+        <p:spPr/>
+        <p:txBody>
+          <a:bodyPr/>
+          <a:lstStyle/>
+          <a:p>
+            <a:r>
+              <a:t>Symbolic Magnitude</a:t>
+            </a:r>
+          </a:p>
+        </p:txBody>
+      </p:sp>
+      <p:pic>
+        <p:nvPicPr>
+          <p:cNvPr id="3" name="Picture Placeholder 2" descr="image.png"/>
+          <p:cNvPicPr>
+            <a:picLocks noGrp="1" noChangeAspect="1"/>
+          </p:cNvPicPr>
+          <p:nvPr>
+            <p:ph type="pic" idx="13" sz="quarter"/>
+          </p:nvPr>
+        </p:nvPicPr>
+        <p:blipFill>
+          <a:blip r:embed="rId2"/>
+          <a:srcRect l="14" r="14"/>
+          <a:stretch>
+            <a:fillRect/>
+          </a:stretch>
+        </p:blipFill>
+        <p:spPr/>
+      </p:pic>
+      <p:sp>
+        <p:nvSpPr>
+          <p:cNvPr id="4" name="Text Placeholder 3"/>
+          <p:cNvSpPr>
+            <a:spLocks noGrp="1"/>
+          </p:cNvSpPr>
+          <p:nvPr>
+            <p:ph type="body" idx="14" sz="quarter"/>
+          </p:nvPr>
+        </p:nvSpPr>
+        <p:spPr/>
+        <p:txBody>
+          <a:bodyPr/>
+          <a:lstStyle/>
+          <a:p>
+            <a:r>
+              <a:t>Accuracy by age</a:t>
+            </a:r>
+          </a:p>
+        </p:txBody>
+      </p:sp>
+    </p:spTree>
+  </p:cSld>
+  <p:clrMapOvr>
+    <a:masterClrMapping/>
+  </p:clrMapOvr>
+</p:sld>
+</file>
+
+<file path=ppt/slides/slide81.xml><?xml version="1.0" encoding="utf-8"?>
+<p:sld xmlns:a="http://schemas.openxmlformats.org/drawingml/2006/main" xmlns:p="http://schemas.openxmlformats.org/presentationml/2006/main" xmlns:r="http://schemas.openxmlformats.org/officeDocument/2006/relationships">
+  <p:cSld>
+    <p:spTree>
+      <p:nvGrpSpPr>
+        <p:cNvPr id="1" name=""/>
+        <p:cNvGrpSpPr/>
+        <p:nvPr/>
+      </p:nvGrpSpPr>
+      <p:grpSpPr/>
+      <p:sp>
+        <p:nvSpPr>
+          <p:cNvPr id="2" name="Title 1"/>
+          <p:cNvSpPr>
+            <a:spLocks noGrp="1"/>
+          </p:cNvSpPr>
+          <p:nvPr>
+            <p:ph type="title"/>
+          </p:nvPr>
+        </p:nvSpPr>
+        <p:spPr/>
+        <p:txBody>
+          <a:bodyPr/>
+          <a:lstStyle/>
+          <a:p>
+            <a:r>
+              <a:t>Numeric Line</a:t>
+            </a:r>
+          </a:p>
+        </p:txBody>
+      </p:sp>
+      <p:pic>
+        <p:nvPicPr>
+          <p:cNvPr id="3" name="Picture Placeholder 2" descr="image.png"/>
+          <p:cNvPicPr>
+            <a:picLocks noGrp="1" noChangeAspect="1"/>
+          </p:cNvPicPr>
+          <p:nvPr>
+            <p:ph type="pic" idx="13" sz="quarter"/>
+          </p:nvPr>
+        </p:nvPicPr>
+        <p:blipFill>
+          <a:blip r:embed="rId2"/>
+          <a:srcRect l="14" r="14"/>
+          <a:stretch>
+            <a:fillRect/>
+          </a:stretch>
+        </p:blipFill>
+        <p:spPr/>
+      </p:pic>
+      <p:sp>
+        <p:nvSpPr>
+          <p:cNvPr id="4" name="Text Placeholder 3"/>
+          <p:cNvSpPr>
+            <a:spLocks noGrp="1"/>
+          </p:cNvSpPr>
+          <p:nvPr>
+            <p:ph type="body" idx="14" sz="quarter"/>
+          </p:nvPr>
+        </p:nvSpPr>
+        <p:spPr/>
+        <p:txBody>
+          <a:bodyPr/>
+          <a:lstStyle/>
+          <a:p>
+            <a:r>
+              <a:t>LISAS by age</a:t>
+            </a:r>
+          </a:p>
+        </p:txBody>
+      </p:sp>
+    </p:spTree>
+  </p:cSld>
+  <p:clrMapOvr>
+    <a:masterClrMapping/>
+  </p:clrMapOvr>
+</p:sld>
+</file>
+
+<file path=ppt/slides/slide82.xml><?xml version="1.0" encoding="utf-8"?>
+<p:sld xmlns:a="http://schemas.openxmlformats.org/drawingml/2006/main" xmlns:p="http://schemas.openxmlformats.org/presentationml/2006/main" xmlns:r="http://schemas.openxmlformats.org/officeDocument/2006/relationships">
+  <p:cSld>
+    <p:spTree>
+      <p:nvGrpSpPr>
+        <p:cNvPr id="1" name=""/>
+        <p:cNvGrpSpPr/>
+        <p:nvPr/>
+      </p:nvGrpSpPr>
+      <p:grpSpPr/>
+      <p:sp>
+        <p:nvSpPr>
+          <p:cNvPr id="2" name="Title 1"/>
+          <p:cNvSpPr>
+            <a:spLocks noGrp="1"/>
+          </p:cNvSpPr>
+          <p:nvPr>
+            <p:ph type="title"/>
+          </p:nvPr>
+        </p:nvSpPr>
+        <p:spPr/>
+        <p:txBody>
+          <a:bodyPr/>
+          <a:lstStyle/>
+          <a:p>
+            <a:r>
+              <a:t>Numeric Line</a:t>
+            </a:r>
+          </a:p>
+        </p:txBody>
+      </p:sp>
+      <p:pic>
+        <p:nvPicPr>
+          <p:cNvPr id="3" name="Picture Placeholder 2" descr="image.png"/>
+          <p:cNvPicPr>
+            <a:picLocks noGrp="1" noChangeAspect="1"/>
+          </p:cNvPicPr>
+          <p:nvPr>
+            <p:ph type="pic" idx="13" sz="quarter"/>
+          </p:nvPr>
+        </p:nvPicPr>
+        <p:blipFill>
+          <a:blip r:embed="rId2"/>
+          <a:srcRect l="14" r="14"/>
+          <a:stretch>
+            <a:fillRect/>
+          </a:stretch>
+        </p:blipFill>
+        <p:spPr/>
+      </p:pic>
+      <p:sp>
+        <p:nvSpPr>
+          <p:cNvPr id="4" name="Text Placeholder 3"/>
+          <p:cNvSpPr>
+            <a:spLocks noGrp="1"/>
+          </p:cNvSpPr>
+          <p:nvPr>
+            <p:ph type="body" idx="14" sz="quarter"/>
+          </p:nvPr>
+        </p:nvSpPr>
+        <p:spPr/>
+        <p:txBody>
+          <a:bodyPr/>
+          <a:lstStyle/>
+          <a:p>
+            <a:r>
+              <a:t>IES by age</a:t>
+            </a:r>
+          </a:p>
+        </p:txBody>
+      </p:sp>
+    </p:spTree>
+  </p:cSld>
+  <p:clrMapOvr>
+    <a:masterClrMapping/>
+  </p:clrMapOvr>
+</p:sld>
+</file>
+
+<file path=ppt/slides/slide83.xml><?xml version="1.0" encoding="utf-8"?>
+<p:sld xmlns:a="http://schemas.openxmlformats.org/drawingml/2006/main" xmlns:p="http://schemas.openxmlformats.org/presentationml/2006/main" xmlns:r="http://schemas.openxmlformats.org/officeDocument/2006/relationships">
+  <p:cSld>
+    <p:spTree>
+      <p:nvGrpSpPr>
+        <p:cNvPr id="1" name=""/>
+        <p:cNvGrpSpPr/>
+        <p:nvPr/>
+      </p:nvGrpSpPr>
+      <p:grpSpPr/>
+      <p:sp>
+        <p:nvSpPr>
+          <p:cNvPr id="2" name="Title 1"/>
+          <p:cNvSpPr>
+            <a:spLocks noGrp="1"/>
+          </p:cNvSpPr>
+          <p:nvPr>
+            <p:ph type="title"/>
+          </p:nvPr>
+        </p:nvSpPr>
+        <p:spPr/>
+        <p:txBody>
+          <a:bodyPr/>
+          <a:lstStyle/>
+          <a:p>
+            <a:r>
+              <a:t>Numeric Line</a:t>
+            </a:r>
+          </a:p>
+        </p:txBody>
+      </p:sp>
+      <p:pic>
+        <p:nvPicPr>
+          <p:cNvPr id="3" name="Picture Placeholder 2" descr="image.png"/>
+          <p:cNvPicPr>
+            <a:picLocks noGrp="1" noChangeAspect="1"/>
+          </p:cNvPicPr>
+          <p:nvPr>
+            <p:ph type="pic" idx="13" sz="quarter"/>
+          </p:nvPr>
+        </p:nvPicPr>
+        <p:blipFill>
+          <a:blip r:embed="rId2"/>
+          <a:srcRect l="14" r="14"/>
+          <a:stretch>
+            <a:fillRect/>
+          </a:stretch>
+        </p:blipFill>
+        <p:spPr/>
+      </p:pic>
+      <p:sp>
+        <p:nvSpPr>
+          <p:cNvPr id="4" name="Text Placeholder 3"/>
+          <p:cNvSpPr>
+            <a:spLocks noGrp="1"/>
+          </p:cNvSpPr>
+          <p:nvPr>
+            <p:ph type="body" idx="14" sz="quarter"/>
+          </p:nvPr>
+        </p:nvSpPr>
+        <p:spPr/>
+        <p:txBody>
+          <a:bodyPr/>
+          <a:lstStyle/>
+          <a:p>
+            <a:r>
+              <a:t>RCS by age</a:t>
+            </a:r>
+          </a:p>
+        </p:txBody>
+      </p:sp>
+    </p:spTree>
+  </p:cSld>
+  <p:clrMapOvr>
+    <a:masterClrMapping/>
+  </p:clrMapOvr>
+</p:sld>
+</file>
+
+<file path=ppt/slides/slide84.xml><?xml version="1.0" encoding="utf-8"?>
+<p:sld xmlns:a="http://schemas.openxmlformats.org/drawingml/2006/main" xmlns:p="http://schemas.openxmlformats.org/presentationml/2006/main" xmlns:r="http://schemas.openxmlformats.org/officeDocument/2006/relationships">
+  <p:cSld>
+    <p:spTree>
+      <p:nvGrpSpPr>
+        <p:cNvPr id="1" name=""/>
+        <p:cNvGrpSpPr/>
+        <p:nvPr/>
+      </p:nvGrpSpPr>
+      <p:grpSpPr/>
+      <p:sp>
+        <p:nvSpPr>
+          <p:cNvPr id="2" name="Title 1"/>
+          <p:cNvSpPr>
+            <a:spLocks noGrp="1"/>
+          </p:cNvSpPr>
+          <p:nvPr>
+            <p:ph type="title"/>
+          </p:nvPr>
+        </p:nvSpPr>
+        <p:spPr/>
+        <p:txBody>
+          <a:bodyPr/>
+          <a:lstStyle/>
+          <a:p>
+            <a:r>
+              <a:t>Numeric Line</a:t>
+            </a:r>
+          </a:p>
+        </p:txBody>
+      </p:sp>
+      <p:pic>
+        <p:nvPicPr>
+          <p:cNvPr id="3" name="Picture Placeholder 2" descr="image.png"/>
+          <p:cNvPicPr>
+            <a:picLocks noGrp="1" noChangeAspect="1"/>
+          </p:cNvPicPr>
+          <p:nvPr>
+            <p:ph type="pic" idx="13" sz="quarter"/>
+          </p:nvPr>
+        </p:nvPicPr>
+        <p:blipFill>
+          <a:blip r:embed="rId2"/>
+          <a:srcRect l="14" r="14"/>
+          <a:stretch>
+            <a:fillRect/>
+          </a:stretch>
+        </p:blipFill>
+        <p:spPr/>
+      </p:pic>
+      <p:sp>
+        <p:nvSpPr>
+          <p:cNvPr id="4" name="Text Placeholder 3"/>
+          <p:cNvSpPr>
+            <a:spLocks noGrp="1"/>
+          </p:cNvSpPr>
+          <p:nvPr>
+            <p:ph type="body" idx="14" sz="quarter"/>
+          </p:nvPr>
+        </p:nvSpPr>
+        <p:spPr/>
+        <p:txBody>
+          <a:bodyPr/>
+          <a:lstStyle/>
+          <a:p>
+            <a:r>
+              <a:t>RT by age</a:t>
+            </a:r>
+          </a:p>
+        </p:txBody>
+      </p:sp>
+    </p:spTree>
+  </p:cSld>
+  <p:clrMapOvr>
+    <a:masterClrMapping/>
+  </p:clrMapOvr>
+</p:sld>
+</file>
+
+<file path=ppt/slides/slide85.xml><?xml version="1.0" encoding="utf-8"?>
+<p:sld xmlns:a="http://schemas.openxmlformats.org/drawingml/2006/main" xmlns:p="http://schemas.openxmlformats.org/presentationml/2006/main" xmlns:r="http://schemas.openxmlformats.org/officeDocument/2006/relationships">
+  <p:cSld>
+    <p:spTree>
+      <p:nvGrpSpPr>
+        <p:cNvPr id="1" name=""/>
+        <p:cNvGrpSpPr/>
+        <p:nvPr/>
+      </p:nvGrpSpPr>
+      <p:grpSpPr/>
+      <p:sp>
+        <p:nvSpPr>
+          <p:cNvPr id="2" name="Title 1"/>
+          <p:cNvSpPr>
+            <a:spLocks noGrp="1"/>
+          </p:cNvSpPr>
+          <p:nvPr>
+            <p:ph type="title"/>
+          </p:nvPr>
+        </p:nvSpPr>
+        <p:spPr/>
+        <p:txBody>
+          <a:bodyPr/>
+          <a:lstStyle/>
+          <a:p>
+            <a:r>
+              <a:t>Numeric Line</a:t>
+            </a:r>
+          </a:p>
+        </p:txBody>
+      </p:sp>
+      <p:pic>
+        <p:nvPicPr>
+          <p:cNvPr id="3" name="Picture Placeholder 2" descr="image.png"/>
+          <p:cNvPicPr>
+            <a:picLocks noGrp="1" noChangeAspect="1"/>
+          </p:cNvPicPr>
+          <p:nvPr>
+            <p:ph type="pic" idx="13" sz="quarter"/>
+          </p:nvPr>
+        </p:nvPicPr>
+        <p:blipFill>
+          <a:blip r:embed="rId2"/>
+          <a:srcRect l="14" r="14"/>
+          <a:stretch>
+            <a:fillRect/>
+          </a:stretch>
+        </p:blipFill>
+        <p:spPr/>
+      </p:pic>
+      <p:sp>
+        <p:nvSpPr>
+          <p:cNvPr id="4" name="Text Placeholder 3"/>
+          <p:cNvSpPr>
+            <a:spLocks noGrp="1"/>
+          </p:cNvSpPr>
+          <p:nvPr>
+            <p:ph type="body" idx="14" sz="quarter"/>
+          </p:nvPr>
+        </p:nvSpPr>
+        <p:spPr/>
+        <p:txBody>
+          <a:bodyPr/>
+          <a:lstStyle/>
+          <a:p>
+            <a:r>
+              <a:t>Accuracy by age</a:t>
+            </a:r>
+          </a:p>
+        </p:txBody>
+      </p:sp>
+    </p:spTree>
+  </p:cSld>
+  <p:clrMapOvr>
+    <a:masterClrMapping/>
+  </p:clrMapOvr>
+</p:sld>
+</file>
+
+<file path=ppt/slides/slide86.xml><?xml version="1.0" encoding="utf-8"?>
+<p:sld xmlns:a="http://schemas.openxmlformats.org/drawingml/2006/main" xmlns:p="http://schemas.openxmlformats.org/presentationml/2006/main" xmlns:r="http://schemas.openxmlformats.org/officeDocument/2006/relationships">
+  <p:cSld>
+    <p:spTree>
+      <p:nvGrpSpPr>
+        <p:cNvPr id="1" name=""/>
+        <p:cNvGrpSpPr/>
+        <p:nvPr/>
+      </p:nvGrpSpPr>
+      <p:grpSpPr/>
+      <p:sp>
+        <p:nvSpPr>
+          <p:cNvPr id="2" name="Title 1"/>
+          <p:cNvSpPr>
+            <a:spLocks noGrp="1"/>
+          </p:cNvSpPr>
+          <p:nvPr>
+            <p:ph type="title"/>
+          </p:nvPr>
+        </p:nvSpPr>
+        <p:spPr/>
+        <p:txBody>
+          <a:bodyPr/>
+          <a:lstStyle/>
+          <a:p>
+            <a:r>
+              <a:t>Counting Forward</a:t>
+            </a:r>
+          </a:p>
+        </p:txBody>
+      </p:sp>
+      <p:pic>
+        <p:nvPicPr>
+          <p:cNvPr id="3" name="Picture Placeholder 2" descr="image.png"/>
+          <p:cNvPicPr>
+            <a:picLocks noGrp="1" noChangeAspect="1"/>
+          </p:cNvPicPr>
+          <p:nvPr>
+            <p:ph type="pic" idx="13" sz="quarter"/>
+          </p:nvPr>
+        </p:nvPicPr>
+        <p:blipFill>
+          <a:blip r:embed="rId2"/>
+          <a:srcRect l="14" r="14"/>
+          <a:stretch>
+            <a:fillRect/>
+          </a:stretch>
+        </p:blipFill>
+        <p:spPr/>
+      </p:pic>
+      <p:sp>
+        <p:nvSpPr>
+          <p:cNvPr id="4" name="Text Placeholder 3"/>
+          <p:cNvSpPr>
+            <a:spLocks noGrp="1"/>
+          </p:cNvSpPr>
+          <p:nvPr>
+            <p:ph type="body" idx="14" sz="quarter"/>
+          </p:nvPr>
+        </p:nvSpPr>
+        <p:spPr/>
+        <p:txBody>
+          <a:bodyPr/>
+          <a:lstStyle/>
+          <a:p>
+            <a:r>
+              <a:t>LISAS by age</a:t>
+            </a:r>
+          </a:p>
+        </p:txBody>
+      </p:sp>
+    </p:spTree>
+  </p:cSld>
+  <p:clrMapOvr>
+    <a:masterClrMapping/>
+  </p:clrMapOvr>
+</p:sld>
+</file>
+
+<file path=ppt/slides/slide87.xml><?xml version="1.0" encoding="utf-8"?>
+<p:sld xmlns:a="http://schemas.openxmlformats.org/drawingml/2006/main" xmlns:p="http://schemas.openxmlformats.org/presentationml/2006/main" xmlns:r="http://schemas.openxmlformats.org/officeDocument/2006/relationships">
+  <p:cSld>
+    <p:spTree>
+      <p:nvGrpSpPr>
+        <p:cNvPr id="1" name=""/>
+        <p:cNvGrpSpPr/>
+        <p:nvPr/>
+      </p:nvGrpSpPr>
+      <p:grpSpPr/>
+      <p:sp>
+        <p:nvSpPr>
+          <p:cNvPr id="2" name="Title 1"/>
+          <p:cNvSpPr>
+            <a:spLocks noGrp="1"/>
+          </p:cNvSpPr>
+          <p:nvPr>
+            <p:ph type="title"/>
+          </p:nvPr>
+        </p:nvSpPr>
+        <p:spPr/>
+        <p:txBody>
+          <a:bodyPr/>
+          <a:lstStyle/>
+          <a:p>
+            <a:r>
+              <a:t>Counting Forward</a:t>
+            </a:r>
+          </a:p>
+        </p:txBody>
+      </p:sp>
+      <p:pic>
+        <p:nvPicPr>
+          <p:cNvPr id="3" name="Picture Placeholder 2" descr="image.png"/>
+          <p:cNvPicPr>
+            <a:picLocks noGrp="1" noChangeAspect="1"/>
+          </p:cNvPicPr>
+          <p:nvPr>
+            <p:ph type="pic" idx="13" sz="quarter"/>
+          </p:nvPr>
+        </p:nvPicPr>
+        <p:blipFill>
+          <a:blip r:embed="rId2"/>
+          <a:srcRect l="14" r="14"/>
+          <a:stretch>
+            <a:fillRect/>
+          </a:stretch>
+        </p:blipFill>
+        <p:spPr/>
+      </p:pic>
+      <p:sp>
+        <p:nvSpPr>
+          <p:cNvPr id="4" name="Text Placeholder 3"/>
+          <p:cNvSpPr>
+            <a:spLocks noGrp="1"/>
+          </p:cNvSpPr>
+          <p:nvPr>
+            <p:ph type="body" idx="14" sz="quarter"/>
+          </p:nvPr>
+        </p:nvSpPr>
+        <p:spPr/>
+        <p:txBody>
+          <a:bodyPr/>
+          <a:lstStyle/>
+          <a:p>
+            <a:r>
+              <a:t>IES by age</a:t>
+            </a:r>
+          </a:p>
+        </p:txBody>
+      </p:sp>
+    </p:spTree>
+  </p:cSld>
+  <p:clrMapOvr>
+    <a:masterClrMapping/>
+  </p:clrMapOvr>
+</p:sld>
+</file>
+
+<file path=ppt/slides/slide88.xml><?xml version="1.0" encoding="utf-8"?>
+<p:sld xmlns:a="http://schemas.openxmlformats.org/drawingml/2006/main" xmlns:p="http://schemas.openxmlformats.org/presentationml/2006/main" xmlns:r="http://schemas.openxmlformats.org/officeDocument/2006/relationships">
+  <p:cSld>
+    <p:spTree>
+      <p:nvGrpSpPr>
+        <p:cNvPr id="1" name=""/>
+        <p:cNvGrpSpPr/>
+        <p:nvPr/>
+      </p:nvGrpSpPr>
+      <p:grpSpPr/>
+      <p:sp>
+        <p:nvSpPr>
+          <p:cNvPr id="2" name="Title 1"/>
+          <p:cNvSpPr>
+            <a:spLocks noGrp="1"/>
+          </p:cNvSpPr>
+          <p:nvPr>
+            <p:ph type="title"/>
+          </p:nvPr>
+        </p:nvSpPr>
+        <p:spPr/>
+        <p:txBody>
+          <a:bodyPr/>
+          <a:lstStyle/>
+          <a:p>
+            <a:r>
+              <a:t>Counting Forward</a:t>
+            </a:r>
+          </a:p>
+        </p:txBody>
+      </p:sp>
+      <p:pic>
+        <p:nvPicPr>
+          <p:cNvPr id="3" name="Picture Placeholder 2" descr="image.png"/>
+          <p:cNvPicPr>
+            <a:picLocks noGrp="1" noChangeAspect="1"/>
+          </p:cNvPicPr>
+          <p:nvPr>
+            <p:ph type="pic" idx="13" sz="quarter"/>
+          </p:nvPr>
+        </p:nvPicPr>
+        <p:blipFill>
+          <a:blip r:embed="rId2"/>
+          <a:srcRect l="14" r="14"/>
+          <a:stretch>
+            <a:fillRect/>
+          </a:stretch>
+        </p:blipFill>
+        <p:spPr/>
+      </p:pic>
+      <p:sp>
+        <p:nvSpPr>
+          <p:cNvPr id="4" name="Text Placeholder 3"/>
+          <p:cNvSpPr>
+            <a:spLocks noGrp="1"/>
+          </p:cNvSpPr>
+          <p:nvPr>
+            <p:ph type="body" idx="14" sz="quarter"/>
+          </p:nvPr>
+        </p:nvSpPr>
+        <p:spPr/>
+        <p:txBody>
+          <a:bodyPr/>
+          <a:lstStyle/>
+          <a:p>
+            <a:r>
+              <a:t>RCS by age</a:t>
+            </a:r>
+          </a:p>
+        </p:txBody>
+      </p:sp>
+    </p:spTree>
+  </p:cSld>
+  <p:clrMapOvr>
+    <a:masterClrMapping/>
+  </p:clrMapOvr>
+</p:sld>
+</file>
+
+<file path=ppt/slides/slide89.xml><?xml version="1.0" encoding="utf-8"?>
+<p:sld xmlns:a="http://schemas.openxmlformats.org/drawingml/2006/main" xmlns:p="http://schemas.openxmlformats.org/presentationml/2006/main" xmlns:r="http://schemas.openxmlformats.org/officeDocument/2006/relationships">
+  <p:cSld>
+    <p:spTree>
+      <p:nvGrpSpPr>
+        <p:cNvPr id="1" name=""/>
+        <p:cNvGrpSpPr/>
+        <p:nvPr/>
+      </p:nvGrpSpPr>
+      <p:grpSpPr/>
+      <p:sp>
+        <p:nvSpPr>
+          <p:cNvPr id="2" name="Title 1"/>
+          <p:cNvSpPr>
+            <a:spLocks noGrp="1"/>
+          </p:cNvSpPr>
+          <p:nvPr>
+            <p:ph type="title"/>
+          </p:nvPr>
+        </p:nvSpPr>
+        <p:spPr/>
+        <p:txBody>
+          <a:bodyPr/>
+          <a:lstStyle/>
+          <a:p>
+            <a:r>
+              <a:t>Counting Forward</a:t>
+            </a:r>
+          </a:p>
+        </p:txBody>
+      </p:sp>
+      <p:pic>
+        <p:nvPicPr>
+          <p:cNvPr id="3" name="Picture Placeholder 2" descr="image.png"/>
+          <p:cNvPicPr>
+            <a:picLocks noGrp="1" noChangeAspect="1"/>
+          </p:cNvPicPr>
+          <p:nvPr>
+            <p:ph type="pic" idx="13" sz="quarter"/>
+          </p:nvPr>
+        </p:nvPicPr>
+        <p:blipFill>
+          <a:blip r:embed="rId2"/>
+          <a:srcRect l="14" r="14"/>
+          <a:stretch>
+            <a:fillRect/>
+          </a:stretch>
+        </p:blipFill>
+        <p:spPr/>
+      </p:pic>
+      <p:sp>
+        <p:nvSpPr>
+          <p:cNvPr id="4" name="Text Placeholder 3"/>
+          <p:cNvSpPr>
+            <a:spLocks noGrp="1"/>
+          </p:cNvSpPr>
+          <p:nvPr>
+            <p:ph type="body" idx="14" sz="quarter"/>
+          </p:nvPr>
+        </p:nvSpPr>
+        <p:spPr/>
+        <p:txBody>
+          <a:bodyPr/>
+          <a:lstStyle/>
+          <a:p>
+            <a:r>
+              <a:t>RT by age</a:t>
+            </a:r>
+          </a:p>
+        </p:txBody>
+      </p:sp>
+    </p:spTree>
+  </p:cSld>
+  <p:clrMapOvr>
+    <a:masterClrMapping/>
+  </p:clrMapOvr>
+</p:sld>
+</file>
+
+<file path=ppt/slides/slide9.xml><?xml version="1.0" encoding="utf-8"?>
+<p:sld xmlns:a="http://schemas.openxmlformats.org/drawingml/2006/main" xmlns:p="http://schemas.openxmlformats.org/presentationml/2006/main" xmlns:r="http://schemas.openxmlformats.org/officeDocument/2006/relationships">
+  <p:cSld>
+    <p:spTree>
+      <p:nvGrpSpPr>
+        <p:cNvPr id="1" name=""/>
+        <p:cNvGrpSpPr/>
+        <p:nvPr/>
+      </p:nvGrpSpPr>
+      <p:grpSpPr/>
+      <p:sp>
+        <p:nvSpPr>
+          <p:cNvPr id="2" name="Title 1"/>
+          <p:cNvSpPr>
+            <a:spLocks noGrp="1"/>
+          </p:cNvSpPr>
+          <p:nvPr>
+            <p:ph type="title"/>
+          </p:nvPr>
+        </p:nvSpPr>
+        <p:spPr/>
+        <p:txBody>
+          <a:bodyPr/>
+          <a:lstStyle/>
+          <a:p>
+            <a:r>
+              <a:t>Match Sample</a:t>
+            </a:r>
+          </a:p>
+        </p:txBody>
+      </p:sp>
+      <p:pic>
+        <p:nvPicPr>
+          <p:cNvPr id="3" name="Picture Placeholder 2" descr="match-sample_general_rt.png"/>
+          <p:cNvPicPr>
+            <a:picLocks noGrp="1" noChangeAspect="1"/>
+          </p:cNvPicPr>
+          <p:nvPr>
+            <p:ph type="pic" idx="13" sz="quarter"/>
+          </p:nvPr>
+        </p:nvPicPr>
+        <p:blipFill>
+          <a:blip r:embed="rId2"/>
+          <a:srcRect l="14" r="14"/>
+          <a:stretch>
+            <a:fillRect/>
+          </a:stretch>
+        </p:blipFill>
+        <p:spPr/>
+      </p:pic>
+      <p:sp>
+        <p:nvSpPr>
+          <p:cNvPr id="4" name="Text Placeholder 3"/>
+          <p:cNvSpPr>
+            <a:spLocks noGrp="1"/>
+          </p:cNvSpPr>
+          <p:nvPr>
+            <p:ph type="body" idx="14" sz="quarter"/>
+          </p:nvPr>
+        </p:nvSpPr>
+        <p:spPr/>
+        <p:txBody>
+          <a:bodyPr/>
+          <a:lstStyle/>
+          <a:p>
+            <a:r>
+              <a:t>RT by age</a:t>
+            </a:r>
+          </a:p>
+        </p:txBody>
+      </p:sp>
+    </p:spTree>
+  </p:cSld>
+  <p:clrMapOvr>
+    <a:masterClrMapping/>
+  </p:clrMapOvr>
+</p:sld>
+</file>
+
+<file path=ppt/slides/slide90.xml><?xml version="1.0" encoding="utf-8"?>
+<p:sld xmlns:a="http://schemas.openxmlformats.org/drawingml/2006/main" xmlns:p="http://schemas.openxmlformats.org/presentationml/2006/main" xmlns:r="http://schemas.openxmlformats.org/officeDocument/2006/relationships">
+  <p:cSld>
+    <p:spTree>
+      <p:nvGrpSpPr>
+        <p:cNvPr id="1" name=""/>
+        <p:cNvGrpSpPr/>
+        <p:nvPr/>
+      </p:nvGrpSpPr>
+      <p:grpSpPr/>
+      <p:sp>
+        <p:nvSpPr>
+          <p:cNvPr id="2" name="Title 1"/>
+          <p:cNvSpPr>
+            <a:spLocks noGrp="1"/>
+          </p:cNvSpPr>
+          <p:nvPr>
+            <p:ph type="title"/>
+          </p:nvPr>
+        </p:nvSpPr>
+        <p:spPr/>
+        <p:txBody>
+          <a:bodyPr/>
+          <a:lstStyle/>
+          <a:p>
+            <a:r>
+              <a:t>Counting Forward</a:t>
+            </a:r>
+          </a:p>
+        </p:txBody>
+      </p:sp>
+      <p:pic>
+        <p:nvPicPr>
+          <p:cNvPr id="3" name="Picture Placeholder 2" descr="image.png"/>
+          <p:cNvPicPr>
+            <a:picLocks noGrp="1" noChangeAspect="1"/>
+          </p:cNvPicPr>
+          <p:nvPr>
+            <p:ph type="pic" idx="13" sz="quarter"/>
+          </p:nvPr>
+        </p:nvPicPr>
+        <p:blipFill>
+          <a:blip r:embed="rId2"/>
+          <a:srcRect l="14" r="14"/>
+          <a:stretch>
+            <a:fillRect/>
+          </a:stretch>
+        </p:blipFill>
+        <p:spPr/>
+      </p:pic>
+      <p:sp>
+        <p:nvSpPr>
+          <p:cNvPr id="4" name="Text Placeholder 3"/>
+          <p:cNvSpPr>
+            <a:spLocks noGrp="1"/>
+          </p:cNvSpPr>
+          <p:nvPr>
+            <p:ph type="body" idx="14" sz="quarter"/>
+          </p:nvPr>
+        </p:nvSpPr>
+        <p:spPr/>
+        <p:txBody>
+          <a:bodyPr/>
+          <a:lstStyle/>
+          <a:p>
+            <a:r>
+              <a:t>Accuracy by age</a:t>
+            </a:r>
+          </a:p>
+        </p:txBody>
+      </p:sp>
+    </p:spTree>
+  </p:cSld>
+  <p:clrMapOvr>
+    <a:masterClrMapping/>
+  </p:clrMapOvr>
+</p:sld>
+</file>
+
+<file path=ppt/slides/slide91.xml><?xml version="1.0" encoding="utf-8"?>
+<p:sld xmlns:a="http://schemas.openxmlformats.org/drawingml/2006/main" xmlns:p="http://schemas.openxmlformats.org/presentationml/2006/main" xmlns:r="http://schemas.openxmlformats.org/officeDocument/2006/relationships">
+  <p:cSld>
+    <p:spTree>
+      <p:nvGrpSpPr>
+        <p:cNvPr id="1" name=""/>
+        <p:cNvGrpSpPr/>
+        <p:nvPr/>
+      </p:nvGrpSpPr>
+      <p:grpSpPr/>
+      <p:sp>
+        <p:nvSpPr>
+          <p:cNvPr id="2" name="Title 1"/>
+          <p:cNvSpPr>
+            <a:spLocks noGrp="1"/>
+          </p:cNvSpPr>
+          <p:nvPr>
+            <p:ph type="title"/>
+          </p:nvPr>
+        </p:nvSpPr>
+        <p:spPr/>
+        <p:txBody>
+          <a:bodyPr/>
+          <a:lstStyle/>
+          <a:p>
+            <a:r>
+              <a:t>Counting Backward</a:t>
+            </a:r>
+          </a:p>
+        </p:txBody>
+      </p:sp>
+      <p:pic>
+        <p:nvPicPr>
+          <p:cNvPr id="3" name="Picture Placeholder 2" descr="image.png"/>
+          <p:cNvPicPr>
+            <a:picLocks noGrp="1" noChangeAspect="1"/>
+          </p:cNvPicPr>
+          <p:nvPr>
+            <p:ph type="pic" idx="13" sz="quarter"/>
+          </p:nvPr>
+        </p:nvPicPr>
+        <p:blipFill>
+          <a:blip r:embed="rId2"/>
+          <a:srcRect l="14" r="14"/>
+          <a:stretch>
+            <a:fillRect/>
+          </a:stretch>
+        </p:blipFill>
+        <p:spPr/>
+      </p:pic>
+      <p:sp>
+        <p:nvSpPr>
+          <p:cNvPr id="4" name="Text Placeholder 3"/>
+          <p:cNvSpPr>
+            <a:spLocks noGrp="1"/>
+          </p:cNvSpPr>
+          <p:nvPr>
+            <p:ph type="body" idx="14" sz="quarter"/>
+          </p:nvPr>
+        </p:nvSpPr>
+        <p:spPr/>
+        <p:txBody>
+          <a:bodyPr/>
+          <a:lstStyle/>
+          <a:p>
+            <a:r>
+              <a:t>LISAS by age</a:t>
+            </a:r>
+          </a:p>
+        </p:txBody>
+      </p:sp>
+    </p:spTree>
+  </p:cSld>
+  <p:clrMapOvr>
+    <a:masterClrMapping/>
+  </p:clrMapOvr>
+</p:sld>
+</file>
+
+<file path=ppt/slides/slide92.xml><?xml version="1.0" encoding="utf-8"?>
+<p:sld xmlns:a="http://schemas.openxmlformats.org/drawingml/2006/main" xmlns:p="http://schemas.openxmlformats.org/presentationml/2006/main" xmlns:r="http://schemas.openxmlformats.org/officeDocument/2006/relationships">
+  <p:cSld>
+    <p:spTree>
+      <p:nvGrpSpPr>
+        <p:cNvPr id="1" name=""/>
+        <p:cNvGrpSpPr/>
+        <p:nvPr/>
+      </p:nvGrpSpPr>
+      <p:grpSpPr/>
+      <p:sp>
+        <p:nvSpPr>
+          <p:cNvPr id="2" name="Title 1"/>
+          <p:cNvSpPr>
+            <a:spLocks noGrp="1"/>
+          </p:cNvSpPr>
+          <p:nvPr>
+            <p:ph type="title"/>
+          </p:nvPr>
+        </p:nvSpPr>
+        <p:spPr/>
+        <p:txBody>
+          <a:bodyPr/>
+          <a:lstStyle/>
+          <a:p>
+            <a:r>
+              <a:t>Counting Backward</a:t>
+            </a:r>
+          </a:p>
+        </p:txBody>
+      </p:sp>
+      <p:pic>
+        <p:nvPicPr>
+          <p:cNvPr id="3" name="Picture Placeholder 2" descr="image.png"/>
+          <p:cNvPicPr>
+            <a:picLocks noGrp="1" noChangeAspect="1"/>
+          </p:cNvPicPr>
+          <p:nvPr>
+            <p:ph type="pic" idx="13" sz="quarter"/>
+          </p:nvPr>
+        </p:nvPicPr>
+        <p:blipFill>
+          <a:blip r:embed="rId2"/>
+          <a:srcRect l="14" r="14"/>
+          <a:stretch>
+            <a:fillRect/>
+          </a:stretch>
+        </p:blipFill>
+        <p:spPr/>
+      </p:pic>
+      <p:sp>
+        <p:nvSpPr>
+          <p:cNvPr id="4" name="Text Placeholder 3"/>
+          <p:cNvSpPr>
+            <a:spLocks noGrp="1"/>
+          </p:cNvSpPr>
+          <p:nvPr>
+            <p:ph type="body" idx="14" sz="quarter"/>
+          </p:nvPr>
+        </p:nvSpPr>
+        <p:spPr/>
+        <p:txBody>
+          <a:bodyPr/>
+          <a:lstStyle/>
+          <a:p>
+            <a:r>
+              <a:t>IES by age</a:t>
+            </a:r>
+          </a:p>
+        </p:txBody>
+      </p:sp>
+    </p:spTree>
+  </p:cSld>
+  <p:clrMapOvr>
+    <a:masterClrMapping/>
+  </p:clrMapOvr>
+</p:sld>
+</file>
+
+<file path=ppt/slides/slide93.xml><?xml version="1.0" encoding="utf-8"?>
+<p:sld xmlns:a="http://schemas.openxmlformats.org/drawingml/2006/main" xmlns:p="http://schemas.openxmlformats.org/presentationml/2006/main" xmlns:r="http://schemas.openxmlformats.org/officeDocument/2006/relationships">
+  <p:cSld>
+    <p:spTree>
+      <p:nvGrpSpPr>
+        <p:cNvPr id="1" name=""/>
+        <p:cNvGrpSpPr/>
+        <p:nvPr/>
+      </p:nvGrpSpPr>
+      <p:grpSpPr/>
+      <p:sp>
+        <p:nvSpPr>
+          <p:cNvPr id="2" name="Title 1"/>
+          <p:cNvSpPr>
+            <a:spLocks noGrp="1"/>
+          </p:cNvSpPr>
+          <p:nvPr>
+            <p:ph type="title"/>
+          </p:nvPr>
+        </p:nvSpPr>
+        <p:spPr/>
+        <p:txBody>
+          <a:bodyPr/>
+          <a:lstStyle/>
+          <a:p>
+            <a:r>
+              <a:t>Counting Backward</a:t>
+            </a:r>
+          </a:p>
+        </p:txBody>
+      </p:sp>
+      <p:pic>
+        <p:nvPicPr>
+          <p:cNvPr id="3" name="Picture Placeholder 2" descr="image.png"/>
+          <p:cNvPicPr>
+            <a:picLocks noGrp="1" noChangeAspect="1"/>
+          </p:cNvPicPr>
+          <p:nvPr>
+            <p:ph type="pic" idx="13" sz="quarter"/>
+          </p:nvPr>
+        </p:nvPicPr>
+        <p:blipFill>
+          <a:blip r:embed="rId2"/>
+          <a:srcRect l="14" r="14"/>
+          <a:stretch>
+            <a:fillRect/>
+          </a:stretch>
+        </p:blipFill>
+        <p:spPr/>
+      </p:pic>
+      <p:sp>
+        <p:nvSpPr>
+          <p:cNvPr id="4" name="Text Placeholder 3"/>
+          <p:cNvSpPr>
+            <a:spLocks noGrp="1"/>
+          </p:cNvSpPr>
+          <p:nvPr>
+            <p:ph type="body" idx="14" sz="quarter"/>
+          </p:nvPr>
+        </p:nvSpPr>
+        <p:spPr/>
+        <p:txBody>
+          <a:bodyPr/>
+          <a:lstStyle/>
+          <a:p>
+            <a:r>
+              <a:t>RCS by age</a:t>
+            </a:r>
+          </a:p>
+        </p:txBody>
+      </p:sp>
+    </p:spTree>
+  </p:cSld>
+  <p:clrMapOvr>
+    <a:masterClrMapping/>
+  </p:clrMapOvr>
+</p:sld>
+</file>
+
+<file path=ppt/slides/slide94.xml><?xml version="1.0" encoding="utf-8"?>
+<p:sld xmlns:a="http://schemas.openxmlformats.org/drawingml/2006/main" xmlns:p="http://schemas.openxmlformats.org/presentationml/2006/main" xmlns:r="http://schemas.openxmlformats.org/officeDocument/2006/relationships">
+  <p:cSld>
+    <p:spTree>
+      <p:nvGrpSpPr>
+        <p:cNvPr id="1" name=""/>
+        <p:cNvGrpSpPr/>
+        <p:nvPr/>
+      </p:nvGrpSpPr>
+      <p:grpSpPr/>
+      <p:sp>
+        <p:nvSpPr>
+          <p:cNvPr id="2" name="Title 1"/>
+          <p:cNvSpPr>
+            <a:spLocks noGrp="1"/>
+          </p:cNvSpPr>
+          <p:nvPr>
+            <p:ph type="title"/>
+          </p:nvPr>
+        </p:nvSpPr>
+        <p:spPr/>
+        <p:txBody>
+          <a:bodyPr/>
+          <a:lstStyle/>
+          <a:p>
+            <a:r>
+              <a:t>Counting Backward</a:t>
+            </a:r>
+          </a:p>
+        </p:txBody>
+      </p:sp>
+      <p:pic>
+        <p:nvPicPr>
+          <p:cNvPr id="3" name="Picture Placeholder 2" descr="image.png"/>
+          <p:cNvPicPr>
+            <a:picLocks noGrp="1" noChangeAspect="1"/>
+          </p:cNvPicPr>
+          <p:nvPr>
+            <p:ph type="pic" idx="13" sz="quarter"/>
+          </p:nvPr>
+        </p:nvPicPr>
+        <p:blipFill>
+          <a:blip r:embed="rId2"/>
+          <a:srcRect l="14" r="14"/>
+          <a:stretch>
+            <a:fillRect/>
+          </a:stretch>
+        </p:blipFill>
+        <p:spPr/>
+      </p:pic>
+      <p:sp>
+        <p:nvSpPr>
+          <p:cNvPr id="4" name="Text Placeholder 3"/>
+          <p:cNvSpPr>
+            <a:spLocks noGrp="1"/>
+          </p:cNvSpPr>
+          <p:nvPr>
+            <p:ph type="body" idx="14" sz="quarter"/>
+          </p:nvPr>
+        </p:nvSpPr>
+        <p:spPr/>
+        <p:txBody>
+          <a:bodyPr/>
+          <a:lstStyle/>
+          <a:p>
+            <a:r>
+              <a:t>RT by age</a:t>
+            </a:r>
+          </a:p>
+        </p:txBody>
+      </p:sp>
+    </p:spTree>
+  </p:cSld>
+  <p:clrMapOvr>
+    <a:masterClrMapping/>
+  </p:clrMapOvr>
+</p:sld>
+</file>
+
+<file path=ppt/slides/slide95.xml><?xml version="1.0" encoding="utf-8"?>
+<p:sld xmlns:a="http://schemas.openxmlformats.org/drawingml/2006/main" xmlns:p="http://schemas.openxmlformats.org/presentationml/2006/main" xmlns:r="http://schemas.openxmlformats.org/officeDocument/2006/relationships">
+  <p:cSld>
+    <p:spTree>
+      <p:nvGrpSpPr>
+        <p:cNvPr id="1" name=""/>
+        <p:cNvGrpSpPr/>
+        <p:nvPr/>
+      </p:nvGrpSpPr>
+      <p:grpSpPr/>
+      <p:sp>
+        <p:nvSpPr>
+          <p:cNvPr id="2" name="Title 1"/>
+          <p:cNvSpPr>
+            <a:spLocks noGrp="1"/>
+          </p:cNvSpPr>
+          <p:nvPr>
+            <p:ph type="title"/>
+          </p:nvPr>
+        </p:nvSpPr>
+        <p:spPr/>
+        <p:txBody>
+          <a:bodyPr/>
+          <a:lstStyle/>
+          <a:p>
+            <a:r>
+              <a:t>Counting Backward</a:t>
+            </a:r>
+          </a:p>
+        </p:txBody>
+      </p:sp>
+      <p:pic>
+        <p:nvPicPr>
+          <p:cNvPr id="3" name="Picture Placeholder 2" descr="image.png"/>
+          <p:cNvPicPr>
+            <a:picLocks noGrp="1" noChangeAspect="1"/>
+          </p:cNvPicPr>
+          <p:nvPr>
+            <p:ph type="pic" idx="13" sz="quarter"/>
+          </p:nvPr>
+        </p:nvPicPr>
+        <p:blipFill>
+          <a:blip r:embed="rId2"/>
+          <a:srcRect l="14" r="14"/>
+          <a:stretch>
+            <a:fillRect/>
+          </a:stretch>
+        </p:blipFill>
+        <p:spPr/>
+      </p:pic>
+      <p:sp>
+        <p:nvSpPr>
+          <p:cNvPr id="4" name="Text Placeholder 3"/>
+          <p:cNvSpPr>
+            <a:spLocks noGrp="1"/>
+          </p:cNvSpPr>
+          <p:nvPr>
+            <p:ph type="body" idx="14" sz="quarter"/>
+          </p:nvPr>
+        </p:nvSpPr>
+        <p:spPr/>
+        <p:txBody>
+          <a:bodyPr/>
+          <a:lstStyle/>
+          <a:p>
+            <a:r>
+              <a:t>Accuracy by age</a:t>
+            </a:r>
+          </a:p>
+        </p:txBody>
+      </p:sp>
+    </p:spTree>
+  </p:cSld>
+  <p:clrMapOvr>
+    <a:masterClrMapping/>
+  </p:clrMapOvr>
+</p:sld>
+</file>
+
+<file path=ppt/slides/slide96.xml><?xml version="1.0" encoding="utf-8"?>
+<p:sld xmlns:a="http://schemas.openxmlformats.org/drawingml/2006/main" xmlns:p="http://schemas.openxmlformats.org/presentationml/2006/main" xmlns:r="http://schemas.openxmlformats.org/officeDocument/2006/relationships">
+  <p:cSld>
+    <p:spTree>
+      <p:nvGrpSpPr>
+        <p:cNvPr id="1" name=""/>
+        <p:cNvGrpSpPr/>
+        <p:nvPr/>
+      </p:nvGrpSpPr>
+      <p:grpSpPr/>
+      <p:sp>
+        <p:nvSpPr>
+          <p:cNvPr id="2" name="Title 1"/>
+          <p:cNvSpPr>
+            <a:spLocks noGrp="1"/>
+          </p:cNvSpPr>
+          <p:nvPr>
+            <p:ph type="title"/>
+          </p:nvPr>
+        </p:nvSpPr>
+        <p:spPr/>
+        <p:txBody>
+          <a:bodyPr/>
+          <a:lstStyle/>
+          <a:p>
+            <a:r>
+              <a:t>Simple Arithmetic Plus</a:t>
+            </a:r>
+          </a:p>
+        </p:txBody>
+      </p:sp>
+      <p:pic>
+        <p:nvPicPr>
+          <p:cNvPr id="3" name="Picture Placeholder 2" descr="image.png"/>
+          <p:cNvPicPr>
+            <a:picLocks noGrp="1" noChangeAspect="1"/>
+          </p:cNvPicPr>
+          <p:nvPr>
+            <p:ph type="pic" idx="13" sz="quarter"/>
+          </p:nvPr>
+        </p:nvPicPr>
+        <p:blipFill>
+          <a:blip r:embed="rId2"/>
+          <a:srcRect l="14" r="14"/>
+          <a:stretch>
+            <a:fillRect/>
+          </a:stretch>
+        </p:blipFill>
+        <p:spPr/>
+      </p:pic>
+      <p:sp>
+        <p:nvSpPr>
+          <p:cNvPr id="4" name="Text Placeholder 3"/>
+          <p:cNvSpPr>
+            <a:spLocks noGrp="1"/>
+          </p:cNvSpPr>
+          <p:nvPr>
+            <p:ph type="body" idx="14" sz="quarter"/>
+          </p:nvPr>
+        </p:nvSpPr>
+        <p:spPr/>
+        <p:txBody>
+          <a:bodyPr/>
+          <a:lstStyle/>
+          <a:p>
+            <a:r>
+              <a:t>LISAS by age</a:t>
+            </a:r>
+          </a:p>
+        </p:txBody>
+      </p:sp>
+    </p:spTree>
+  </p:cSld>
+  <p:clrMapOvr>
+    <a:masterClrMapping/>
+  </p:clrMapOvr>
+</p:sld>
+</file>
+
+<file path=ppt/slides/slide97.xml><?xml version="1.0" encoding="utf-8"?>
+<p:sld xmlns:a="http://schemas.openxmlformats.org/drawingml/2006/main" xmlns:p="http://schemas.openxmlformats.org/presentationml/2006/main" xmlns:r="http://schemas.openxmlformats.org/officeDocument/2006/relationships">
+  <p:cSld>
+    <p:spTree>
+      <p:nvGrpSpPr>
+        <p:cNvPr id="1" name=""/>
+        <p:cNvGrpSpPr/>
+        <p:nvPr/>
+      </p:nvGrpSpPr>
+      <p:grpSpPr/>
+      <p:sp>
+        <p:nvSpPr>
+          <p:cNvPr id="2" name="Title 1"/>
+          <p:cNvSpPr>
+            <a:spLocks noGrp="1"/>
+          </p:cNvSpPr>
+          <p:nvPr>
+            <p:ph type="title"/>
+          </p:nvPr>
+        </p:nvSpPr>
+        <p:spPr/>
+        <p:txBody>
+          <a:bodyPr/>
+          <a:lstStyle/>
+          <a:p>
+            <a:r>
+              <a:t>Simple Arithmetic Plus</a:t>
+            </a:r>
+          </a:p>
+        </p:txBody>
+      </p:sp>
+      <p:pic>
+        <p:nvPicPr>
+          <p:cNvPr id="3" name="Picture Placeholder 2" descr="image.png"/>
+          <p:cNvPicPr>
+            <a:picLocks noGrp="1" noChangeAspect="1"/>
+          </p:cNvPicPr>
+          <p:nvPr>
+            <p:ph type="pic" idx="13" sz="quarter"/>
+          </p:nvPr>
+        </p:nvPicPr>
+        <p:blipFill>
+          <a:blip r:embed="rId2"/>
+          <a:srcRect l="14" r="14"/>
+          <a:stretch>
+            <a:fillRect/>
+          </a:stretch>
+        </p:blipFill>
+        <p:spPr/>
+      </p:pic>
+      <p:sp>
+        <p:nvSpPr>
+          <p:cNvPr id="4" name="Text Placeholder 3"/>
+          <p:cNvSpPr>
+            <a:spLocks noGrp="1"/>
+          </p:cNvSpPr>
+          <p:nvPr>
+            <p:ph type="body" idx="14" sz="quarter"/>
+          </p:nvPr>
+        </p:nvSpPr>
+        <p:spPr/>
+        <p:txBody>
+          <a:bodyPr/>
+          <a:lstStyle/>
+          <a:p>
+            <a:r>
+              <a:t>IES by age</a:t>
+            </a:r>
+          </a:p>
+        </p:txBody>
+      </p:sp>
+    </p:spTree>
+  </p:cSld>
+  <p:clrMapOvr>
+    <a:masterClrMapping/>
+  </p:clrMapOvr>
+</p:sld>
+</file>
+
+<file path=ppt/slides/slide98.xml><?xml version="1.0" encoding="utf-8"?>
+<p:sld xmlns:a="http://schemas.openxmlformats.org/drawingml/2006/main" xmlns:p="http://schemas.openxmlformats.org/presentationml/2006/main" xmlns:r="http://schemas.openxmlformats.org/officeDocument/2006/relationships">
+  <p:cSld>
+    <p:spTree>
+      <p:nvGrpSpPr>
+        <p:cNvPr id="1" name=""/>
+        <p:cNvGrpSpPr/>
+        <p:nvPr/>
+      </p:nvGrpSpPr>
+      <p:grpSpPr/>
+      <p:sp>
+        <p:nvSpPr>
+          <p:cNvPr id="2" name="Title 1"/>
+          <p:cNvSpPr>
+            <a:spLocks noGrp="1"/>
+          </p:cNvSpPr>
+          <p:nvPr>
+            <p:ph type="title"/>
+          </p:nvPr>
+        </p:nvSpPr>
+        <p:spPr/>
+        <p:txBody>
+          <a:bodyPr/>
+          <a:lstStyle/>
+          <a:p>
+            <a:r>
+              <a:t>Simple Arithmetic Plus</a:t>
+            </a:r>
+          </a:p>
+        </p:txBody>
+      </p:sp>
+      <p:pic>
+        <p:nvPicPr>
+          <p:cNvPr id="3" name="Picture Placeholder 2" descr="image.png"/>
+          <p:cNvPicPr>
+            <a:picLocks noGrp="1" noChangeAspect="1"/>
+          </p:cNvPicPr>
+          <p:nvPr>
+            <p:ph type="pic" idx="13" sz="quarter"/>
+          </p:nvPr>
+        </p:nvPicPr>
+        <p:blipFill>
+          <a:blip r:embed="rId2"/>
+          <a:srcRect l="14" r="14"/>
+          <a:stretch>
+            <a:fillRect/>
+          </a:stretch>
+        </p:blipFill>
+        <p:spPr/>
+      </p:pic>
+      <p:sp>
+        <p:nvSpPr>
+          <p:cNvPr id="4" name="Text Placeholder 3"/>
+          <p:cNvSpPr>
+            <a:spLocks noGrp="1"/>
+          </p:cNvSpPr>
+          <p:nvPr>
+            <p:ph type="body" idx="14" sz="quarter"/>
+          </p:nvPr>
+        </p:nvSpPr>
+        <p:spPr/>
+        <p:txBody>
+          <a:bodyPr/>
+          <a:lstStyle/>
+          <a:p>
+            <a:r>
+              <a:t>RCS by age</a:t>
+            </a:r>
+          </a:p>
+        </p:txBody>
+      </p:sp>
+    </p:spTree>
+  </p:cSld>
+  <p:clrMapOvr>
+    <a:masterClrMapping/>
+  </p:clrMapOvr>
+</p:sld>
+</file>
+
+<file path=ppt/slides/slide99.xml><?xml version="1.0" encoding="utf-8"?>
+<p:sld xmlns:a="http://schemas.openxmlformats.org/drawingml/2006/main" xmlns:p="http://schemas.openxmlformats.org/presentationml/2006/main" xmlns:r="http://schemas.openxmlformats.org/officeDocument/2006/relationships">
+  <p:cSld>
+    <p:spTree>
+      <p:nvGrpSpPr>
+        <p:cNvPr id="1" name=""/>
+        <p:cNvGrpSpPr/>
+        <p:nvPr/>
+      </p:nvGrpSpPr>
+      <p:grpSpPr/>
+      <p:sp>
+        <p:nvSpPr>
+          <p:cNvPr id="2" name="Title 1"/>
+          <p:cNvSpPr>
+            <a:spLocks noGrp="1"/>
+          </p:cNvSpPr>
+          <p:nvPr>
+            <p:ph type="title"/>
+          </p:nvPr>
+        </p:nvSpPr>
+        <p:spPr/>
+        <p:txBody>
+          <a:bodyPr/>
+          <a:lstStyle/>
+          <a:p>
+            <a:r>
+              <a:t>Simple Arithmetic Plus</a:t>
+            </a:r>
+          </a:p>
+        </p:txBody>
+      </p:sp>
+      <p:pic>
+        <p:nvPicPr>
+          <p:cNvPr id="3" name="Picture Placeholder 2" descr="image.png"/>
+          <p:cNvPicPr>
+            <a:picLocks noGrp="1" noChangeAspect="1"/>
+          </p:cNvPicPr>
+          <p:nvPr>
+            <p:ph type="pic" idx="13" sz="quarter"/>
+          </p:nvPr>
+        </p:nvPicPr>
+        <p:blipFill>
+          <a:blip r:embed="rId2"/>
+          <a:srcRect l="14" r="14"/>
+          <a:stretch>
+            <a:fillRect/>
+          </a:stretch>
+        </p:blipFill>
+        <p:spPr/>
+      </p:pic>
+      <p:sp>
+        <p:nvSpPr>
+          <p:cNvPr id="4" name="Text Placeholder 3"/>
+          <p:cNvSpPr>
+            <a:spLocks noGrp="1"/>
+          </p:cNvSpPr>
+          <p:nvPr>
+            <p:ph type="body" idx="14" sz="quarter"/>
+          </p:nvPr>
+        </p:nvSpPr>
+        <p:spPr/>
+        <p:txBody>
+          <a:bodyPr/>
+          <a:lstStyle/>
+          <a:p>
+            <a:r>
+              <a:t>RT by age</a:t>
+            </a:r>
+          </a:p>
+        </p:txBody>
+      </p:sp>
+    </p:spTree>
+  </p:cSld>
+  <p:clrMapOvr>
+    <a:masterClrMapping/>
+  </p:clrMapOvr>
+</p:sld>
 </file>
 
 <file path=ppt/theme/theme1.xml><?xml version="1.0" encoding="utf-8"?>
@@ -1111,4 +10260,299 @@
     </a:ext>
   </a:extLst>
 </a:theme>
+</file>
+
+<file path=ppt/theme/theme2.xml><?xml version="1.0" encoding="utf-8"?>
+<a:theme xmlns:a="http://schemas.openxmlformats.org/drawingml/2006/main" name="Office Theme">
+  <a:themeElements>
+    <a:clrScheme name="Office">
+      <a:dk1>
+        <a:sysClr val="windowText" lastClr="000000"/>
+      </a:dk1>
+      <a:lt1>
+        <a:sysClr val="window" lastClr="FFFFFF"/>
+      </a:lt1>
+      <a:dk2>
+        <a:srgbClr val="44546A"/>
+      </a:dk2>
+      <a:lt2>
+        <a:srgbClr val="E7E6E6"/>
+      </a:lt2>
+      <a:accent1>
+        <a:srgbClr val="4472C4"/>
+      </a:accent1>
+      <a:accent2>
+        <a:srgbClr val="ED7D31"/>
+      </a:accent2>
+      <a:accent3>
+        <a:srgbClr val="A5A5A5"/>
+      </a:accent3>
+      <a:accent4>
+        <a:srgbClr val="FFC000"/>
+      </a:accent4>
+      <a:accent5>
+        <a:srgbClr val="5B9BD5"/>
+      </a:accent5>
+      <a:accent6>
+        <a:srgbClr val="70AD47"/>
+      </a:accent6>
+      <a:hlink>
+        <a:srgbClr val="0563C1"/>
+      </a:hlink>
+      <a:folHlink>
+        <a:srgbClr val="954F72"/>
+      </a:folHlink>
+    </a:clrScheme>
+    <a:fontScheme name="Office">
+      <a:majorFont>
+        <a:latin typeface="Calibri Light" panose="020F0302020204030204"/>
+        <a:ea typeface=""/>
+        <a:cs typeface=""/>
+        <a:font script="Jpan" typeface="游ゴシック Light"/>
+        <a:font script="Hang" typeface="맑은 고딕"/>
+        <a:font script="Hans" typeface="等线 Light"/>
+        <a:font script="Hant" typeface="新細明體"/>
+        <a:font script="Arab" typeface="Times New Roman"/>
+        <a:font script="Hebr" typeface="Times New Roman"/>
+        <a:font script="Thai" typeface="Angsana New"/>
+        <a:font script="Ethi" typeface="Nyala"/>
+        <a:font script="Beng" typeface="Vrinda"/>
+        <a:font script="Gujr" typeface="Shruti"/>
+        <a:font script="Khmr" typeface="MoolBoran"/>
+        <a:font script="Knda" typeface="Tunga"/>
+        <a:font script="Guru" typeface="Raavi"/>
+        <a:font script="Cans" typeface="Euphemia"/>
+        <a:font script="Cher" typeface="Plantagenet Cherokee"/>
+        <a:font script="Yiii" typeface="Microsoft Yi Baiti"/>
+        <a:font script="Tibt" typeface="Microsoft Himalaya"/>
+        <a:font script="Thaa" typeface="MV Boli"/>
+        <a:font script="Deva" typeface="Mangal"/>
+        <a:font script="Telu" typeface="Gautami"/>
+        <a:font script="Taml" typeface="Latha"/>
+        <a:font script="Syrc" typeface="Estrangelo Edessa"/>
+        <a:font script="Orya" typeface="Kalinga"/>
+        <a:font script="Mlym" typeface="Kartika"/>
+        <a:font script="Laoo" typeface="DokChampa"/>
+        <a:font script="Sinh" typeface="Iskoola Pota"/>
+        <a:font script="Mong" typeface="Mongolian Baiti"/>
+        <a:font script="Viet" typeface="Times New Roman"/>
+        <a:font script="Uigh" typeface="Microsoft Uighur"/>
+        <a:font script="Geor" typeface="Sylfaen"/>
+        <a:font script="Armn" typeface="Arial"/>
+        <a:font script="Bugi" typeface="Leelawadee UI"/>
+        <a:font script="Bopo" typeface="Microsoft JhengHei"/>
+        <a:font script="Java" typeface="Javanese Text"/>
+        <a:font script="Lisu" typeface="Segoe UI"/>
+        <a:font script="Mymr" typeface="Myanmar Text"/>
+        <a:font script="Nkoo" typeface="Ebrima"/>
+        <a:font script="Olck" typeface="Nirmala UI"/>
+        <a:font script="Osma" typeface="Ebrima"/>
+        <a:font script="Phag" typeface="Phagspa"/>
+        <a:font script="Syrn" typeface="Estrangelo Edessa"/>
+        <a:font script="Syrj" typeface="Estrangelo Edessa"/>
+        <a:font script="Syre" typeface="Estrangelo Edessa"/>
+        <a:font script="Sora" typeface="Nirmala UI"/>
+        <a:font script="Tale" typeface="Microsoft Tai Le"/>
+        <a:font script="Talu" typeface="Microsoft New Tai Lue"/>
+        <a:font script="Tfng" typeface="Ebrima"/>
+      </a:majorFont>
+      <a:minorFont>
+        <a:latin typeface="Calibri" panose="020F0502020204030204"/>
+        <a:ea typeface=""/>
+        <a:cs typeface=""/>
+        <a:font script="Jpan" typeface="游ゴシック"/>
+        <a:font script="Hang" typeface="맑은 고딕"/>
+        <a:font script="Hans" typeface="等线"/>
+        <a:font script="Hant" typeface="新細明體"/>
+        <a:font script="Arab" typeface="Arial"/>
+        <a:font script="Hebr" typeface="Arial"/>
+        <a:font script="Thai" typeface="Cordia New"/>
+        <a:font script="Ethi" typeface="Nyala"/>
+        <a:font script="Beng" typeface="Vrinda"/>
+        <a:font script="Gujr" typeface="Shruti"/>
+        <a:font script="Khmr" typeface="DaunPenh"/>
+        <a:font script="Knda" typeface="Tunga"/>
+        <a:font script="Guru" typeface="Raavi"/>
+        <a:font script="Cans" typeface="Euphemia"/>
+        <a:font script="Cher" typeface="Plantagenet Cherokee"/>
+        <a:font script="Yiii" typeface="Microsoft Yi Baiti"/>
+        <a:font script="Tibt" typeface="Microsoft Himalaya"/>
+        <a:font script="Thaa" typeface="MV Boli"/>
+        <a:font script="Deva" typeface="Mangal"/>
+        <a:font script="Telu" typeface="Gautami"/>
+        <a:font script="Taml" typeface="Latha"/>
+        <a:font script="Syrc" typeface="Estrangelo Edessa"/>
+        <a:font script="Orya" typeface="Kalinga"/>
+        <a:font script="Mlym" typeface="Kartika"/>
+        <a:font script="Laoo" typeface="DokChampa"/>
+        <a:font script="Sinh" typeface="Iskoola Pota"/>
+        <a:font script="Mong" typeface="Mongolian Baiti"/>
+        <a:font script="Viet" typeface="Arial"/>
+        <a:font script="Uigh" typeface="Microsoft Uighur"/>
+        <a:font script="Geor" typeface="Sylfaen"/>
+        <a:font script="Armn" typeface="Arial"/>
+        <a:font script="Bugi" typeface="Leelawadee UI"/>
+        <a:font script="Bopo" typeface="Microsoft JhengHei"/>
+        <a:font script="Java" typeface="Javanese Text"/>
+        <a:font script="Lisu" typeface="Segoe UI"/>
+        <a:font script="Mymr" typeface="Myanmar Text"/>
+        <a:font script="Nkoo" typeface="Ebrima"/>
+        <a:font script="Olck" typeface="Nirmala UI"/>
+        <a:font script="Osma" typeface="Ebrima"/>
+        <a:font script="Phag" typeface="Phagspa"/>
+        <a:font script="Syrn" typeface="Estrangelo Edessa"/>
+        <a:font script="Syrj" typeface="Estrangelo Edessa"/>
+        <a:font script="Syre" typeface="Estrangelo Edessa"/>
+        <a:font script="Sora" typeface="Nirmala UI"/>
+        <a:font script="Tale" typeface="Microsoft Tai Le"/>
+        <a:font script="Talu" typeface="Microsoft New Tai Lue"/>
+        <a:font script="Tfng" typeface="Ebrima"/>
+      </a:minorFont>
+    </a:fontScheme>
+    <a:fmtScheme name="Office">
+      <a:fillStyleLst>
+        <a:solidFill>
+          <a:schemeClr val="phClr"/>
+        </a:solidFill>
+        <a:gradFill rotWithShape="1">
+          <a:gsLst>
+            <a:gs pos="0">
+              <a:schemeClr val="phClr">
+                <a:lumMod val="110000"/>
+                <a:satMod val="105000"/>
+                <a:tint val="67000"/>
+              </a:schemeClr>
+            </a:gs>
+            <a:gs pos="50000">
+              <a:schemeClr val="phClr">
+                <a:lumMod val="105000"/>
+                <a:satMod val="103000"/>
+                <a:tint val="73000"/>
+              </a:schemeClr>
+            </a:gs>
+            <a:gs pos="100000">
+              <a:schemeClr val="phClr">
+                <a:lumMod val="105000"/>
+                <a:satMod val="109000"/>
+                <a:tint val="81000"/>
+              </a:schemeClr>
+            </a:gs>
+          </a:gsLst>
+          <a:lin ang="5400000" scaled="0"/>
+        </a:gradFill>
+        <a:gradFill rotWithShape="1">
+          <a:gsLst>
+            <a:gs pos="0">
+              <a:schemeClr val="phClr">
+                <a:satMod val="103000"/>
+                <a:lumMod val="102000"/>
+                <a:tint val="94000"/>
+              </a:schemeClr>
+            </a:gs>
+            <a:gs pos="50000">
+              <a:schemeClr val="phClr">
+                <a:satMod val="110000"/>
+                <a:lumMod val="100000"/>
+                <a:shade val="100000"/>
+              </a:schemeClr>
+            </a:gs>
+            <a:gs pos="100000">
+              <a:schemeClr val="phClr">
+                <a:lumMod val="99000"/>
+                <a:satMod val="120000"/>
+                <a:shade val="78000"/>
+              </a:schemeClr>
+            </a:gs>
+          </a:gsLst>
+          <a:lin ang="5400000" scaled="0"/>
+        </a:gradFill>
+      </a:fillStyleLst>
+      <a:lnStyleLst>
+        <a:ln w="6350" cap="flat" cmpd="sng" algn="ctr">
+          <a:solidFill>
+            <a:schemeClr val="phClr"/>
+          </a:solidFill>
+          <a:prstDash val="solid"/>
+          <a:miter lim="800000"/>
+        </a:ln>
+        <a:ln w="12700" cap="flat" cmpd="sng" algn="ctr">
+          <a:solidFill>
+            <a:schemeClr val="phClr"/>
+          </a:solidFill>
+          <a:prstDash val="solid"/>
+          <a:miter lim="800000"/>
+        </a:ln>
+        <a:ln w="19050" cap="flat" cmpd="sng" algn="ctr">
+          <a:solidFill>
+            <a:schemeClr val="phClr"/>
+          </a:solidFill>
+          <a:prstDash val="solid"/>
+          <a:miter lim="800000"/>
+        </a:ln>
+      </a:lnStyleLst>
+      <a:effectStyleLst>
+        <a:effectStyle>
+          <a:effectLst/>
+        </a:effectStyle>
+        <a:effectStyle>
+          <a:effectLst/>
+        </a:effectStyle>
+        <a:effectStyle>
+          <a:effectLst>
+            <a:outerShdw blurRad="57150" dist="19050" dir="5400000" algn="ctr" rotWithShape="0">
+              <a:srgbClr val="000000">
+                <a:alpha val="63000"/>
+              </a:srgbClr>
+            </a:outerShdw>
+          </a:effectLst>
+        </a:effectStyle>
+      </a:effectStyleLst>
+      <a:bgFillStyleLst>
+        <a:solidFill>
+          <a:schemeClr val="phClr"/>
+        </a:solidFill>
+        <a:solidFill>
+          <a:schemeClr val="phClr">
+            <a:tint val="95000"/>
+            <a:satMod val="170000"/>
+          </a:schemeClr>
+        </a:solidFill>
+        <a:gradFill rotWithShape="1">
+          <a:gsLst>
+            <a:gs pos="0">
+              <a:schemeClr val="phClr">
+                <a:tint val="93000"/>
+                <a:satMod val="150000"/>
+                <a:shade val="98000"/>
+                <a:lumMod val="102000"/>
+              </a:schemeClr>
+            </a:gs>
+            <a:gs pos="50000">
+              <a:schemeClr val="phClr">
+                <a:tint val="98000"/>
+                <a:satMod val="130000"/>
+                <a:shade val="90000"/>
+                <a:lumMod val="103000"/>
+              </a:schemeClr>
+            </a:gs>
+            <a:gs pos="100000">
+              <a:schemeClr val="phClr">
+                <a:shade val="63000"/>
+                <a:satMod val="120000"/>
+              </a:schemeClr>
+            </a:gs>
+          </a:gsLst>
+          <a:lin ang="5400000" scaled="0"/>
+        </a:gradFill>
+      </a:bgFillStyleLst>
+    </a:fmtScheme>
+  </a:themeElements>
+  <a:objectDefaults/>
+  <a:extraClrSchemeLst/>
+  <a:extLst>
+    <a:ext uri="{05A4C25C-085E-4340-85A3-A5531E510DB2}">
+      <thm15:themeFamily xmlns:thm15="http://schemas.microsoft.com/office/thememl/2012/main" name="Office Theme" id="{62F939B6-93AF-4DB8-9C6B-D6C7DFDC589F}" vid="{4A3C46E8-61CC-4603-A589-7422A47A8E4A}"/>
+    </a:ext>
+  </a:extLst>
+</a:theme>
 </file>